--- a/Introduction to React Native.pptx
+++ b/Introduction to React Native.pptx
@@ -5,7 +5,7 @@
     <p:sldMasterId id="2147483674" r:id="rId4"/>
   </p:sldMasterIdLst>
   <p:notesMasterIdLst>
-    <p:notesMasterId r:id="rId40"/>
+    <p:notesMasterId r:id="rId42"/>
   </p:notesMasterIdLst>
   <p:sldIdLst>
     <p:sldId id="285" r:id="rId5"/>
@@ -32,17 +32,19 @@
     <p:sldId id="364" r:id="rId26"/>
     <p:sldId id="365" r:id="rId27"/>
     <p:sldId id="366" r:id="rId28"/>
-    <p:sldId id="367" r:id="rId29"/>
-    <p:sldId id="368" r:id="rId30"/>
-    <p:sldId id="369" r:id="rId31"/>
-    <p:sldId id="370" r:id="rId32"/>
-    <p:sldId id="372" r:id="rId33"/>
-    <p:sldId id="373" r:id="rId34"/>
-    <p:sldId id="374" r:id="rId35"/>
-    <p:sldId id="371" r:id="rId36"/>
-    <p:sldId id="375" r:id="rId37"/>
-    <p:sldId id="376" r:id="rId38"/>
-    <p:sldId id="286" r:id="rId39"/>
+    <p:sldId id="384" r:id="rId29"/>
+    <p:sldId id="369" r:id="rId30"/>
+    <p:sldId id="367" r:id="rId31"/>
+    <p:sldId id="368" r:id="rId32"/>
+    <p:sldId id="370" r:id="rId33"/>
+    <p:sldId id="372" r:id="rId34"/>
+    <p:sldId id="373" r:id="rId35"/>
+    <p:sldId id="374" r:id="rId36"/>
+    <p:sldId id="371" r:id="rId37"/>
+    <p:sldId id="375" r:id="rId38"/>
+    <p:sldId id="376" r:id="rId39"/>
+    <p:sldId id="385" r:id="rId40"/>
+    <p:sldId id="286" r:id="rId41"/>
   </p:sldIdLst>
   <p:sldSz cx="9144000" cy="5143500" type="screen16x9"/>
   <p:notesSz cx="6858000" cy="9144000"/>
@@ -2001,7 +2003,7 @@
     </p:spTree>
     <p:extLst>
       <p:ext uri="{BB962C8B-B14F-4D97-AF65-F5344CB8AC3E}">
-        <p14:creationId xmlns:p14="http://schemas.microsoft.com/office/powerpoint/2010/main" val="3364021135"/>
+        <p14:creationId xmlns:p14="http://schemas.microsoft.com/office/powerpoint/2010/main" val="3192672800"/>
       </p:ext>
     </p:extLst>
   </p:cSld>
@@ -2086,7 +2088,7 @@
     </p:spTree>
     <p:extLst>
       <p:ext uri="{BB962C8B-B14F-4D97-AF65-F5344CB8AC3E}">
-        <p14:creationId xmlns:p14="http://schemas.microsoft.com/office/powerpoint/2010/main" val="2549418208"/>
+        <p14:creationId xmlns:p14="http://schemas.microsoft.com/office/powerpoint/2010/main" val="652762948"/>
       </p:ext>
     </p:extLst>
   </p:cSld>
@@ -2171,7 +2173,7 @@
     </p:spTree>
     <p:extLst>
       <p:ext uri="{BB962C8B-B14F-4D97-AF65-F5344CB8AC3E}">
-        <p14:creationId xmlns:p14="http://schemas.microsoft.com/office/powerpoint/2010/main" val="652762948"/>
+        <p14:creationId xmlns:p14="http://schemas.microsoft.com/office/powerpoint/2010/main" val="3364021135"/>
       </p:ext>
     </p:extLst>
   </p:cSld>
@@ -2256,7 +2258,7 @@
     </p:spTree>
     <p:extLst>
       <p:ext uri="{BB962C8B-B14F-4D97-AF65-F5344CB8AC3E}">
-        <p14:creationId xmlns:p14="http://schemas.microsoft.com/office/powerpoint/2010/main" val="3299999223"/>
+        <p14:creationId xmlns:p14="http://schemas.microsoft.com/office/powerpoint/2010/main" val="2549418208"/>
       </p:ext>
     </p:extLst>
   </p:cSld>
@@ -2341,7 +2343,7 @@
     </p:spTree>
     <p:extLst>
       <p:ext uri="{BB962C8B-B14F-4D97-AF65-F5344CB8AC3E}">
-        <p14:creationId xmlns:p14="http://schemas.microsoft.com/office/powerpoint/2010/main" val="3458312882"/>
+        <p14:creationId xmlns:p14="http://schemas.microsoft.com/office/powerpoint/2010/main" val="3299999223"/>
       </p:ext>
     </p:extLst>
   </p:cSld>
@@ -2426,7 +2428,7 @@
     </p:spTree>
     <p:extLst>
       <p:ext uri="{BB962C8B-B14F-4D97-AF65-F5344CB8AC3E}">
-        <p14:creationId xmlns:p14="http://schemas.microsoft.com/office/powerpoint/2010/main" val="3709969007"/>
+        <p14:creationId xmlns:p14="http://schemas.microsoft.com/office/powerpoint/2010/main" val="3458312882"/>
       </p:ext>
     </p:extLst>
   </p:cSld>
@@ -2511,7 +2513,7 @@
     </p:spTree>
     <p:extLst>
       <p:ext uri="{BB962C8B-B14F-4D97-AF65-F5344CB8AC3E}">
-        <p14:creationId xmlns:p14="http://schemas.microsoft.com/office/powerpoint/2010/main" val="389347371"/>
+        <p14:creationId xmlns:p14="http://schemas.microsoft.com/office/powerpoint/2010/main" val="3709969007"/>
       </p:ext>
     </p:extLst>
   </p:cSld>
@@ -2681,7 +2683,7 @@
     </p:spTree>
     <p:extLst>
       <p:ext uri="{BB962C8B-B14F-4D97-AF65-F5344CB8AC3E}">
-        <p14:creationId xmlns:p14="http://schemas.microsoft.com/office/powerpoint/2010/main" val="2825814837"/>
+        <p14:creationId xmlns:p14="http://schemas.microsoft.com/office/powerpoint/2010/main" val="389347371"/>
       </p:ext>
     </p:extLst>
   </p:cSld>
@@ -2766,7 +2768,7 @@
     </p:spTree>
     <p:extLst>
       <p:ext uri="{BB962C8B-B14F-4D97-AF65-F5344CB8AC3E}">
-        <p14:creationId xmlns:p14="http://schemas.microsoft.com/office/powerpoint/2010/main" val="4138129190"/>
+        <p14:creationId xmlns:p14="http://schemas.microsoft.com/office/powerpoint/2010/main" val="2825814837"/>
       </p:ext>
     </p:extLst>
   </p:cSld>
@@ -2851,7 +2853,177 @@
     </p:spTree>
     <p:extLst>
       <p:ext uri="{BB962C8B-B14F-4D97-AF65-F5344CB8AC3E}">
+        <p14:creationId xmlns:p14="http://schemas.microsoft.com/office/powerpoint/2010/main" val="4138129190"/>
+      </p:ext>
+    </p:extLst>
+  </p:cSld>
+  <p:clrMapOvr>
+    <a:masterClrMapping/>
+  </p:clrMapOvr>
+</p:notes>
+</file>
+
+<file path=ppt/notesSlides/notesSlide33.xml><?xml version="1.0" encoding="utf-8"?>
+<p:notes xmlns:a="http://schemas.openxmlformats.org/drawingml/2006/main" xmlns:r="http://schemas.openxmlformats.org/officeDocument/2006/relationships" xmlns:p="http://schemas.openxmlformats.org/presentationml/2006/main">
+  <p:cSld>
+    <p:spTree>
+      <p:nvGrpSpPr>
+        <p:cNvPr id="1" name=""/>
+        <p:cNvGrpSpPr/>
+        <p:nvPr/>
+      </p:nvGrpSpPr>
+      <p:grpSpPr>
+        <a:xfrm>
+          <a:off x="0" y="0"/>
+          <a:ext cx="0" cy="0"/>
+          <a:chOff x="0" y="0"/>
+          <a:chExt cx="0" cy="0"/>
+        </a:xfrm>
+      </p:grpSpPr>
+      <p:sp>
+        <p:nvSpPr>
+          <p:cNvPr id="2" name="Slide Image Placeholder 1"/>
+          <p:cNvSpPr>
+            <a:spLocks noGrp="1" noRot="1" noChangeAspect="1"/>
+          </p:cNvSpPr>
+          <p:nvPr>
+            <p:ph type="sldImg"/>
+          </p:nvPr>
+        </p:nvSpPr>
+        <p:spPr/>
+      </p:sp>
+      <p:sp>
+        <p:nvSpPr>
+          <p:cNvPr id="3" name="Notes Placeholder 2"/>
+          <p:cNvSpPr>
+            <a:spLocks noGrp="1"/>
+          </p:cNvSpPr>
+          <p:nvPr>
+            <p:ph type="body" idx="1"/>
+          </p:nvPr>
+        </p:nvSpPr>
+        <p:spPr/>
+        <p:txBody>
+          <a:bodyPr/>
+          <a:lstStyle/>
+          <a:p>
+            <a:endParaRPr lang="en-US" dirty="0"/>
+          </a:p>
+        </p:txBody>
+      </p:sp>
+      <p:sp>
+        <p:nvSpPr>
+          <p:cNvPr id="4" name="Slide Number Placeholder 3"/>
+          <p:cNvSpPr>
+            <a:spLocks noGrp="1"/>
+          </p:cNvSpPr>
+          <p:nvPr>
+            <p:ph type="sldNum" sz="quarter" idx="10"/>
+          </p:nvPr>
+        </p:nvSpPr>
+        <p:spPr/>
+        <p:txBody>
+          <a:bodyPr/>
+          <a:lstStyle/>
+          <a:p>
+            <a:fld id="{69C3F2ED-74C5-7D4F-8560-0CC253E9A436}" type="slidenum">
+              <a:rPr lang="en-US" smtClean="0"/>
+              <a:pPr/>
+              <a:t>35</a:t>
+            </a:fld>
+            <a:endParaRPr lang="en-US" dirty="0"/>
+          </a:p>
+        </p:txBody>
+      </p:sp>
+    </p:spTree>
+    <p:extLst>
+      <p:ext uri="{BB962C8B-B14F-4D97-AF65-F5344CB8AC3E}">
         <p14:creationId xmlns:p14="http://schemas.microsoft.com/office/powerpoint/2010/main" val="3120365112"/>
+      </p:ext>
+    </p:extLst>
+  </p:cSld>
+  <p:clrMapOvr>
+    <a:masterClrMapping/>
+  </p:clrMapOvr>
+</p:notes>
+</file>
+
+<file path=ppt/notesSlides/notesSlide34.xml><?xml version="1.0" encoding="utf-8"?>
+<p:notes xmlns:a="http://schemas.openxmlformats.org/drawingml/2006/main" xmlns:r="http://schemas.openxmlformats.org/officeDocument/2006/relationships" xmlns:p="http://schemas.openxmlformats.org/presentationml/2006/main">
+  <p:cSld>
+    <p:spTree>
+      <p:nvGrpSpPr>
+        <p:cNvPr id="1" name=""/>
+        <p:cNvGrpSpPr/>
+        <p:nvPr/>
+      </p:nvGrpSpPr>
+      <p:grpSpPr>
+        <a:xfrm>
+          <a:off x="0" y="0"/>
+          <a:ext cx="0" cy="0"/>
+          <a:chOff x="0" y="0"/>
+          <a:chExt cx="0" cy="0"/>
+        </a:xfrm>
+      </p:grpSpPr>
+      <p:sp>
+        <p:nvSpPr>
+          <p:cNvPr id="2" name="Slide Image Placeholder 1"/>
+          <p:cNvSpPr>
+            <a:spLocks noGrp="1" noRot="1" noChangeAspect="1"/>
+          </p:cNvSpPr>
+          <p:nvPr>
+            <p:ph type="sldImg"/>
+          </p:nvPr>
+        </p:nvSpPr>
+        <p:spPr/>
+      </p:sp>
+      <p:sp>
+        <p:nvSpPr>
+          <p:cNvPr id="3" name="Notes Placeholder 2"/>
+          <p:cNvSpPr>
+            <a:spLocks noGrp="1"/>
+          </p:cNvSpPr>
+          <p:nvPr>
+            <p:ph type="body" idx="1"/>
+          </p:nvPr>
+        </p:nvSpPr>
+        <p:spPr/>
+        <p:txBody>
+          <a:bodyPr/>
+          <a:lstStyle/>
+          <a:p>
+            <a:endParaRPr lang="en-US" dirty="0"/>
+          </a:p>
+        </p:txBody>
+      </p:sp>
+      <p:sp>
+        <p:nvSpPr>
+          <p:cNvPr id="4" name="Slide Number Placeholder 3"/>
+          <p:cNvSpPr>
+            <a:spLocks noGrp="1"/>
+          </p:cNvSpPr>
+          <p:nvPr>
+            <p:ph type="sldNum" sz="quarter" idx="10"/>
+          </p:nvPr>
+        </p:nvSpPr>
+        <p:spPr/>
+        <p:txBody>
+          <a:bodyPr/>
+          <a:lstStyle/>
+          <a:p>
+            <a:fld id="{69C3F2ED-74C5-7D4F-8560-0CC253E9A436}" type="slidenum">
+              <a:rPr lang="en-US" smtClean="0"/>
+              <a:pPr/>
+              <a:t>36</a:t>
+            </a:fld>
+            <a:endParaRPr lang="en-US" dirty="0"/>
+          </a:p>
+        </p:txBody>
+      </p:sp>
+    </p:spTree>
+    <p:extLst>
+      <p:ext uri="{BB962C8B-B14F-4D97-AF65-F5344CB8AC3E}">
+        <p14:creationId xmlns:p14="http://schemas.microsoft.com/office/powerpoint/2010/main" val="337271280"/>
       </p:ext>
     </p:extLst>
   </p:cSld>
@@ -11657,7 +11829,7 @@
                 <a:ea typeface="Amazon Ember" panose="020B0603020204020204" pitchFamily="34" charset="0"/>
                 <a:cs typeface="Amazon Ember" panose="020B0603020204020204" pitchFamily="34" charset="0"/>
               </a:rPr>
-              <a:t>Stateless Components</a:t>
+              <a:t>Stateful Components / Class Components</a:t>
             </a:r>
           </a:p>
         </p:txBody>
@@ -11677,7 +11849,7 @@
         <p:spPr>
           <a:xfrm>
             <a:off x="1735358" y="2228010"/>
-            <a:ext cx="5682527" cy="646331"/>
+            <a:ext cx="5682527" cy="923330"/>
           </a:xfrm>
           <a:prstGeom prst="rect">
             <a:avLst/>
@@ -11703,7 +11875,7 @@
                 <a:ea typeface="Amazon Ember" panose="020B0603020204020204" pitchFamily="34" charset="0"/>
                 <a:cs typeface="Amazon Ember" panose="020B0603020204020204" pitchFamily="34" charset="0"/>
               </a:rPr>
-              <a:t>Don’t need state or lifecycle methods</a:t>
+              <a:t>May hook into lifecycle methods</a:t>
             </a:r>
           </a:p>
           <a:p>
@@ -11742,12 +11914,29 @@
               <a:cs typeface="Amazon Ember" panose="020B0603020204020204" pitchFamily="34" charset="0"/>
             </a:endParaRPr>
           </a:p>
+          <a:p>
+            <a:pPr marL="342900" indent="-342900">
+              <a:buFont typeface="Arial" panose="020B0604020202020204" pitchFamily="34" charset="0"/>
+              <a:buChar char="•"/>
+            </a:pPr>
+            <a:r>
+              <a:rPr lang="en-US" dirty="0">
+                <a:solidFill>
+                  <a:schemeClr val="bg1"/>
+                </a:solidFill>
+                <a:latin typeface="Amazon Ember" panose="020B0603020204020204" pitchFamily="34" charset="0"/>
+                <a:ea typeface="Amazon Ember" panose="020B0603020204020204" pitchFamily="34" charset="0"/>
+                <a:cs typeface="Amazon Ember" panose="020B0603020204020204" pitchFamily="34" charset="0"/>
+              </a:rPr>
+              <a:t>May contain local state</a:t>
+            </a:r>
+          </a:p>
         </p:txBody>
       </p:sp>
     </p:spTree>
     <p:extLst>
       <p:ext uri="{BB962C8B-B14F-4D97-AF65-F5344CB8AC3E}">
-        <p14:creationId xmlns:p14="http://schemas.microsoft.com/office/powerpoint/2010/main" val="175978872"/>
+        <p14:creationId xmlns:p14="http://schemas.microsoft.com/office/powerpoint/2010/main" val="399818624"/>
       </p:ext>
     </p:extLst>
   </p:cSld>
@@ -11839,7 +12028,29 @@
                 <a:ea typeface="Amazon Ember" panose="020B0603020204020204" pitchFamily="34" charset="0"/>
                 <a:cs typeface="Amazon Ember" panose="020B0603020204020204" pitchFamily="34" charset="0"/>
               </a:rPr>
-              <a:t>Stateless Components</a:t>
+              <a:t>Class / </a:t>
+            </a:r>
+            <a:r>
+              <a:rPr lang="en-US" dirty="0" err="1">
+                <a:solidFill>
+                  <a:srgbClr val="F8991C"/>
+                </a:solidFill>
+                <a:latin typeface="Amazon Ember" panose="020B0603020204020204" pitchFamily="34" charset="0"/>
+                <a:ea typeface="Amazon Ember" panose="020B0603020204020204" pitchFamily="34" charset="0"/>
+                <a:cs typeface="Amazon Ember" panose="020B0603020204020204" pitchFamily="34" charset="0"/>
+              </a:rPr>
+              <a:t>Stateful</a:t>
+            </a:r>
+            <a:r>
+              <a:rPr lang="en-US" dirty="0">
+                <a:solidFill>
+                  <a:srgbClr val="F8991C"/>
+                </a:solidFill>
+                <a:latin typeface="Amazon Ember" panose="020B0603020204020204" pitchFamily="34" charset="0"/>
+                <a:ea typeface="Amazon Ember" panose="020B0603020204020204" pitchFamily="34" charset="0"/>
+                <a:cs typeface="Amazon Ember" panose="020B0603020204020204" pitchFamily="34" charset="0"/>
+              </a:rPr>
+              <a:t> Components</a:t>
             </a:r>
           </a:p>
         </p:txBody>
@@ -11858,8 +12069,8 @@
         </p:nvSpPr>
         <p:spPr>
           <a:xfrm>
-            <a:off x="2688802" y="2051976"/>
-            <a:ext cx="5682527" cy="738664"/>
+            <a:off x="1833689" y="1954179"/>
+            <a:ext cx="6557274" cy="1815882"/>
           </a:xfrm>
           <a:prstGeom prst="rect">
             <a:avLst/>
@@ -11873,15 +12084,59 @@
           <a:lstStyle/>
           <a:p>
             <a:r>
+              <a:rPr lang="en-US" sz="1400" dirty="0">
+                <a:solidFill>
+                  <a:srgbClr val="F8991C"/>
+                </a:solidFill>
+                <a:latin typeface="Andale Mono" panose="020B0509000000000004" pitchFamily="49" charset="0"/>
+                <a:ea typeface="Amazon Ember" panose="020B0603020204020204" pitchFamily="34" charset="0"/>
+                <a:cs typeface="Amazon Ember" panose="020B0603020204020204" pitchFamily="34" charset="0"/>
+              </a:rPr>
+              <a:t>class</a:t>
+            </a:r>
+            <a:r>
+              <a:rPr lang="en-US" sz="1400" dirty="0">
+                <a:solidFill>
+                  <a:schemeClr val="bg1"/>
+                </a:solidFill>
+                <a:latin typeface="Andale Mono" panose="020B0509000000000004" pitchFamily="49" charset="0"/>
+                <a:ea typeface="Amazon Ember" panose="020B0603020204020204" pitchFamily="34" charset="0"/>
+                <a:cs typeface="Amazon Ember" panose="020B0603020204020204" pitchFamily="34" charset="0"/>
+              </a:rPr>
+              <a:t> </a:t>
+            </a:r>
+            <a:r>
               <a:rPr lang="en-US" sz="1400" dirty="0" err="1">
                 <a:solidFill>
+                  <a:srgbClr val="00B0F0"/>
+                </a:solidFill>
+                <a:latin typeface="Andale Mono" panose="020B0509000000000004" pitchFamily="49" charset="0"/>
+                <a:ea typeface="Amazon Ember" panose="020B0603020204020204" pitchFamily="34" charset="0"/>
+                <a:cs typeface="Amazon Ember" panose="020B0603020204020204" pitchFamily="34" charset="0"/>
+              </a:rPr>
+              <a:t>MyComponent</a:t>
+            </a:r>
+            <a:r>
+              <a:rPr lang="en-US" sz="1400" dirty="0">
+                <a:solidFill>
+                  <a:schemeClr val="bg1"/>
+                </a:solidFill>
+                <a:latin typeface="Andale Mono" panose="020B0509000000000004" pitchFamily="49" charset="0"/>
+                <a:ea typeface="Amazon Ember" panose="020B0603020204020204" pitchFamily="34" charset="0"/>
+                <a:cs typeface="Amazon Ember" panose="020B0603020204020204" pitchFamily="34" charset="0"/>
+              </a:rPr>
+              <a:t> </a:t>
+            </a:r>
+            <a:r>
+              <a:rPr lang="en-US" sz="1400" dirty="0">
+                <a:solidFill>
                   <a:srgbClr val="F8991C"/>
                 </a:solidFill>
                 <a:latin typeface="Andale Mono" panose="020B0509000000000004" pitchFamily="49" charset="0"/>
                 <a:ea typeface="Amazon Ember" panose="020B0603020204020204" pitchFamily="34" charset="0"/>
                 <a:cs typeface="Amazon Ember" panose="020B0603020204020204" pitchFamily="34" charset="0"/>
               </a:rPr>
-              <a:t>const</a:t>
+              <a:t>extends</a:t>
             </a:r>
             <a:r>
               <a:rPr lang="en-US" sz="1400" dirty="0">
@@ -11903,12 +12158,137 @@
                 <a:ea typeface="Amazon Ember" panose="020B0603020204020204" pitchFamily="34" charset="0"/>
                 <a:cs typeface="Amazon Ember" panose="020B0603020204020204" pitchFamily="34" charset="0"/>
               </a:rPr>
-              <a:t>MyComponent</a:t>
+              <a:t>React.</a:t>
+            </a:r>
+            <a:r>
+              <a:rPr lang="en-US" sz="1400" dirty="0" err="1">
+                <a:solidFill>
+                  <a:srgbClr val="92D050"/>
+                </a:solidFill>
+                <a:latin typeface="Andale Mono" panose="020B0509000000000004" pitchFamily="49" charset="0"/>
+                <a:ea typeface="Amazon Ember" panose="020B0603020204020204" pitchFamily="34" charset="0"/>
+                <a:cs typeface="Amazon Ember" panose="020B0603020204020204" pitchFamily="34" charset="0"/>
+              </a:rPr>
+              <a:t>Component</a:t>
             </a:r>
             <a:r>
               <a:rPr lang="en-US" sz="1400" dirty="0">
                 <a:solidFill>
-                  <a:schemeClr val="bg1"/>
+                  <a:srgbClr val="F8991C"/>
+                </a:solidFill>
+                <a:latin typeface="Andale Mono" panose="020B0509000000000004" pitchFamily="49" charset="0"/>
+                <a:ea typeface="Amazon Ember" panose="020B0603020204020204" pitchFamily="34" charset="0"/>
+                <a:cs typeface="Amazon Ember" panose="020B0603020204020204" pitchFamily="34" charset="0"/>
+              </a:rPr>
+              <a:t> {</a:t>
+            </a:r>
+          </a:p>
+          <a:p>
+            <a:r>
+              <a:rPr lang="en-US" sz="1400" dirty="0">
+                <a:solidFill>
+                  <a:srgbClr val="F8991C"/>
+                </a:solidFill>
+                <a:latin typeface="Andale Mono" panose="020B0509000000000004" pitchFamily="49" charset="0"/>
+                <a:ea typeface="Amazon Ember" panose="020B0603020204020204" pitchFamily="34" charset="0"/>
+                <a:cs typeface="Amazon Ember" panose="020B0603020204020204" pitchFamily="34" charset="0"/>
+              </a:rPr>
+              <a:t>  </a:t>
+            </a:r>
+            <a:r>
+              <a:rPr lang="en-US" sz="1400" dirty="0">
+                <a:solidFill>
+                  <a:schemeClr val="bg1"/>
+                </a:solidFill>
+                <a:latin typeface="Andale Mono" panose="020B0509000000000004" pitchFamily="49" charset="0"/>
+                <a:ea typeface="Amazon Ember" panose="020B0603020204020204" pitchFamily="34" charset="0"/>
+                <a:cs typeface="Amazon Ember" panose="020B0603020204020204" pitchFamily="34" charset="0"/>
+              </a:rPr>
+              <a:t>state </a:t>
+            </a:r>
+            <a:r>
+              <a:rPr lang="en-US" sz="1400" dirty="0">
+                <a:solidFill>
+                  <a:srgbClr val="B719D0"/>
+                </a:solidFill>
+                <a:latin typeface="Andale Mono" panose="020B0509000000000004" pitchFamily="49" charset="0"/>
+                <a:ea typeface="Amazon Ember" panose="020B0603020204020204" pitchFamily="34" charset="0"/>
+                <a:cs typeface="Amazon Ember" panose="020B0603020204020204" pitchFamily="34" charset="0"/>
+              </a:rPr>
+              <a:t>=</a:t>
+            </a:r>
+            <a:r>
+              <a:rPr lang="en-US" sz="1400" dirty="0">
+                <a:solidFill>
+                  <a:schemeClr val="bg1"/>
+                </a:solidFill>
+                <a:latin typeface="Andale Mono" panose="020B0509000000000004" pitchFamily="49" charset="0"/>
+                <a:ea typeface="Amazon Ember" panose="020B0603020204020204" pitchFamily="34" charset="0"/>
+                <a:cs typeface="Amazon Ember" panose="020B0603020204020204" pitchFamily="34" charset="0"/>
+              </a:rPr>
+              <a:t> { name: </a:t>
+            </a:r>
+            <a:r>
+              <a:rPr lang="en-US" sz="1400" dirty="0">
+                <a:solidFill>
+                  <a:schemeClr val="accent4"/>
+                </a:solidFill>
+                <a:latin typeface="Andale Mono" panose="020B0509000000000004" pitchFamily="49" charset="0"/>
+                <a:ea typeface="Amazon Ember" panose="020B0603020204020204" pitchFamily="34" charset="0"/>
+                <a:cs typeface="Amazon Ember" panose="020B0603020204020204" pitchFamily="34" charset="0"/>
+              </a:rPr>
+              <a:t>‘Nader’ </a:t>
+            </a:r>
+            <a:r>
+              <a:rPr lang="en-US" sz="1400" dirty="0">
+                <a:solidFill>
+                  <a:schemeClr val="bg1"/>
+                </a:solidFill>
+                <a:latin typeface="Andale Mono" panose="020B0509000000000004" pitchFamily="49" charset="0"/>
+                <a:ea typeface="Amazon Ember" panose="020B0603020204020204" pitchFamily="34" charset="0"/>
+                <a:cs typeface="Amazon Ember" panose="020B0603020204020204" pitchFamily="34" charset="0"/>
+              </a:rPr>
+              <a:t>}</a:t>
+            </a:r>
+          </a:p>
+          <a:p>
+            <a:r>
+              <a:rPr lang="en-US" sz="1400" dirty="0">
+                <a:solidFill>
+                  <a:srgbClr val="F8991C"/>
+                </a:solidFill>
+                <a:latin typeface="Andale Mono" panose="020B0509000000000004" pitchFamily="49" charset="0"/>
+                <a:ea typeface="Amazon Ember" panose="020B0603020204020204" pitchFamily="34" charset="0"/>
+                <a:cs typeface="Amazon Ember" panose="020B0603020204020204" pitchFamily="34" charset="0"/>
+              </a:rPr>
+              <a:t>  </a:t>
+            </a:r>
+            <a:r>
+              <a:rPr lang="en-US" sz="1400" dirty="0">
+                <a:solidFill>
+                  <a:srgbClr val="00B0F0"/>
+                </a:solidFill>
+                <a:latin typeface="Andale Mono" panose="020B0509000000000004" pitchFamily="49" charset="0"/>
+                <a:ea typeface="Amazon Ember" panose="020B0603020204020204" pitchFamily="34" charset="0"/>
+                <a:cs typeface="Amazon Ember" panose="020B0603020204020204" pitchFamily="34" charset="0"/>
+              </a:rPr>
+              <a:t>render</a:t>
+            </a:r>
+            <a:r>
+              <a:rPr lang="en-US" sz="1400" dirty="0">
+                <a:solidFill>
+                  <a:srgbClr val="92D050"/>
+                </a:solidFill>
+                <a:latin typeface="Andale Mono" panose="020B0509000000000004" pitchFamily="49" charset="0"/>
+                <a:ea typeface="Amazon Ember" panose="020B0603020204020204" pitchFamily="34" charset="0"/>
+                <a:cs typeface="Amazon Ember" panose="020B0603020204020204" pitchFamily="34" charset="0"/>
+              </a:rPr>
+              <a:t>()</a:t>
+            </a:r>
+            <a:r>
+              <a:rPr lang="en-US" sz="1400" dirty="0">
+                <a:solidFill>
+                  <a:srgbClr val="F8991C"/>
                 </a:solidFill>
                 <a:latin typeface="Andale Mono" panose="020B0509000000000004" pitchFamily="49" charset="0"/>
                 <a:ea typeface="Amazon Ember" panose="020B0603020204020204" pitchFamily="34" charset="0"/>
@@ -11919,13 +12299,26 @@
             <a:r>
               <a:rPr lang="en-US" sz="1400" dirty="0">
                 <a:solidFill>
+                  <a:schemeClr val="bg1"/>
+                </a:solidFill>
+                <a:latin typeface="Andale Mono" panose="020B0509000000000004" pitchFamily="49" charset="0"/>
+                <a:ea typeface="Amazon Ember" panose="020B0603020204020204" pitchFamily="34" charset="0"/>
+                <a:cs typeface="Amazon Ember" panose="020B0603020204020204" pitchFamily="34" charset="0"/>
+              </a:rPr>
+              <a:t>{</a:t>
+            </a:r>
+          </a:p>
+          <a:p>
+            <a:r>
+              <a:rPr lang="en-US" sz="1400" dirty="0">
+                <a:solidFill>
                   <a:srgbClr val="F8991C"/>
                 </a:solidFill>
                 <a:latin typeface="Andale Mono" panose="020B0509000000000004" pitchFamily="49" charset="0"/>
                 <a:ea typeface="Amazon Ember" panose="020B0603020204020204" pitchFamily="34" charset="0"/>
                 <a:cs typeface="Amazon Ember" panose="020B0603020204020204" pitchFamily="34" charset="0"/>
               </a:rPr>
-              <a:t>=</a:t>
+              <a:t>    return </a:t>
             </a:r>
             <a:r>
               <a:rPr lang="en-US" sz="1400" dirty="0">
@@ -11936,8 +12329,10 @@
                 <a:ea typeface="Amazon Ember" panose="020B0603020204020204" pitchFamily="34" charset="0"/>
                 <a:cs typeface="Amazon Ember" panose="020B0603020204020204" pitchFamily="34" charset="0"/>
               </a:rPr>
-              <a:t> () </a:t>
-            </a:r>
+              <a:t>(</a:t>
+            </a:r>
+          </a:p>
+          <a:p>
             <a:r>
               <a:rPr lang="en-US" sz="1400" dirty="0">
                 <a:solidFill>
@@ -11947,31 +12342,29 @@
                 <a:ea typeface="Amazon Ember" panose="020B0603020204020204" pitchFamily="34" charset="0"/>
                 <a:cs typeface="Amazon Ember" panose="020B0603020204020204" pitchFamily="34" charset="0"/>
               </a:rPr>
-              <a:t>=&gt;</a:t>
+              <a:t>      </a:t>
             </a:r>
             <a:r>
               <a:rPr lang="en-US" sz="1400" dirty="0">
                 <a:solidFill>
-                  <a:schemeClr val="bg1"/>
-                </a:solidFill>
-                <a:latin typeface="Andale Mono" panose="020B0509000000000004" pitchFamily="49" charset="0"/>
-                <a:ea typeface="Amazon Ember" panose="020B0603020204020204" pitchFamily="34" charset="0"/>
-                <a:cs typeface="Amazon Ember" panose="020B0603020204020204" pitchFamily="34" charset="0"/>
-              </a:rPr>
-              <a:t> (</a:t>
-            </a:r>
-          </a:p>
-          <a:p>
+                  <a:srgbClr val="00B0F0"/>
+                </a:solidFill>
+                <a:latin typeface="Andale Mono" panose="020B0509000000000004" pitchFamily="49" charset="0"/>
+                <a:ea typeface="Amazon Ember" panose="020B0603020204020204" pitchFamily="34" charset="0"/>
+                <a:cs typeface="Amazon Ember" panose="020B0603020204020204" pitchFamily="34" charset="0"/>
+              </a:rPr>
+              <a:t>&lt;</a:t>
+            </a:r>
             <a:r>
               <a:rPr lang="en-US" sz="1400" dirty="0">
                 <a:solidFill>
-                  <a:schemeClr val="bg1"/>
-                </a:solidFill>
-                <a:latin typeface="Andale Mono" panose="020B0509000000000004" pitchFamily="49" charset="0"/>
-                <a:ea typeface="Amazon Ember" panose="020B0603020204020204" pitchFamily="34" charset="0"/>
-                <a:cs typeface="Amazon Ember" panose="020B0603020204020204" pitchFamily="34" charset="0"/>
-              </a:rPr>
-              <a:t>  </a:t>
+                  <a:srgbClr val="F8991C"/>
+                </a:solidFill>
+                <a:latin typeface="Andale Mono" panose="020B0509000000000004" pitchFamily="49" charset="0"/>
+                <a:ea typeface="Amazon Ember" panose="020B0603020204020204" pitchFamily="34" charset="0"/>
+                <a:cs typeface="Amazon Ember" panose="020B0603020204020204" pitchFamily="34" charset="0"/>
+              </a:rPr>
+              <a:t>Text</a:t>
             </a:r>
             <a:r>
               <a:rPr lang="en-US" sz="1400" dirty="0">
@@ -11982,7 +12375,7 @@
                 <a:ea typeface="Amazon Ember" panose="020B0603020204020204" pitchFamily="34" charset="0"/>
                 <a:cs typeface="Amazon Ember" panose="020B0603020204020204" pitchFamily="34" charset="0"/>
               </a:rPr>
-              <a:t>&lt;</a:t>
+              <a:t>&gt;Hello World&lt;/</a:t>
             </a:r>
             <a:r>
               <a:rPr lang="en-US" sz="1400" dirty="0">
@@ -12004,8 +12397,18 @@
                 <a:ea typeface="Amazon Ember" panose="020B0603020204020204" pitchFamily="34" charset="0"/>
                 <a:cs typeface="Amazon Ember" panose="020B0603020204020204" pitchFamily="34" charset="0"/>
               </a:rPr>
-              <a:t>&gt;Hello World&lt;/</a:t>
-            </a:r>
+              <a:t>&gt;</a:t>
+            </a:r>
+            <a:endParaRPr lang="en-US" sz="1400" dirty="0">
+              <a:solidFill>
+                <a:srgbClr val="F8991C"/>
+              </a:solidFill>
+              <a:latin typeface="Andale Mono" panose="020B0509000000000004" pitchFamily="49" charset="0"/>
+              <a:ea typeface="Amazon Ember" panose="020B0603020204020204" pitchFamily="34" charset="0"/>
+              <a:cs typeface="Amazon Ember" panose="020B0603020204020204" pitchFamily="34" charset="0"/>
+            </a:endParaRPr>
+          </a:p>
+          <a:p>
             <a:r>
               <a:rPr lang="en-US" sz="1400" dirty="0">
                 <a:solidFill>
@@ -12015,18 +12418,18 @@
                 <a:ea typeface="Amazon Ember" panose="020B0603020204020204" pitchFamily="34" charset="0"/>
                 <a:cs typeface="Amazon Ember" panose="020B0603020204020204" pitchFamily="34" charset="0"/>
               </a:rPr>
-              <a:t>Text</a:t>
+              <a:t>    </a:t>
             </a:r>
             <a:r>
               <a:rPr lang="en-US" sz="1400" dirty="0">
                 <a:solidFill>
-                  <a:srgbClr val="00B0F0"/>
-                </a:solidFill>
-                <a:latin typeface="Andale Mono" panose="020B0509000000000004" pitchFamily="49" charset="0"/>
-                <a:ea typeface="Amazon Ember" panose="020B0603020204020204" pitchFamily="34" charset="0"/>
-                <a:cs typeface="Amazon Ember" panose="020B0603020204020204" pitchFamily="34" charset="0"/>
-              </a:rPr>
-              <a:t>&gt;</a:t>
+                  <a:schemeClr val="bg1"/>
+                </a:solidFill>
+                <a:latin typeface="Andale Mono" panose="020B0509000000000004" pitchFamily="49" charset="0"/>
+                <a:ea typeface="Amazon Ember" panose="020B0603020204020204" pitchFamily="34" charset="0"/>
+                <a:cs typeface="Amazon Ember" panose="020B0603020204020204" pitchFamily="34" charset="0"/>
+              </a:rPr>
+              <a:t>)</a:t>
             </a:r>
           </a:p>
           <a:p>
@@ -12039,82 +12442,20 @@
                 <a:ea typeface="Amazon Ember" panose="020B0603020204020204" pitchFamily="34" charset="0"/>
                 <a:cs typeface="Amazon Ember" panose="020B0603020204020204" pitchFamily="34" charset="0"/>
               </a:rPr>
-              <a:t>)</a:t>
-            </a:r>
-          </a:p>
-        </p:txBody>
-      </p:sp>
-      <p:sp>
-        <p:nvSpPr>
-          <p:cNvPr id="5" name="TextBox 4">
-            <a:extLst>
-              <a:ext uri="{FF2B5EF4-FFF2-40B4-BE49-F238E27FC236}">
-                <a16:creationId xmlns:a16="http://schemas.microsoft.com/office/drawing/2014/main" id="{E66275FF-E1D8-8543-B020-1F9D567AFDDB}"/>
-              </a:ext>
-            </a:extLst>
-          </p:cNvPr>
-          <p:cNvSpPr txBox="1"/>
-          <p:nvPr/>
-        </p:nvSpPr>
-        <p:spPr>
-          <a:xfrm>
-            <a:off x="2688802" y="2867453"/>
-            <a:ext cx="5682527" cy="307777"/>
-          </a:xfrm>
-          <a:prstGeom prst="rect">
-            <a:avLst/>
-          </a:prstGeom>
-          <a:noFill/>
-        </p:spPr>
-        <p:txBody>
-          <a:bodyPr wrap="square" rtlCol="0">
-            <a:spAutoFit/>
-          </a:bodyPr>
-          <a:lstStyle/>
+              <a:t>  }</a:t>
+            </a:r>
+          </a:p>
           <a:p>
             <a:r>
               <a:rPr lang="en-US" sz="1400" dirty="0">
                 <a:solidFill>
-                  <a:srgbClr val="00B0F0"/>
-                </a:solidFill>
-                <a:latin typeface="Andale Mono" panose="020B0509000000000004" pitchFamily="49" charset="0"/>
-                <a:ea typeface="Amazon Ember" panose="020B0603020204020204" pitchFamily="34" charset="0"/>
-                <a:cs typeface="Amazon Ember" panose="020B0603020204020204" pitchFamily="34" charset="0"/>
-              </a:rPr>
-              <a:t>&lt;</a:t>
-            </a:r>
-            <a:r>
-              <a:rPr lang="en-US" sz="1400" dirty="0" err="1">
-                <a:solidFill>
-                  <a:srgbClr val="F8991C"/>
-                </a:solidFill>
-                <a:latin typeface="Andale Mono" panose="020B0509000000000004" pitchFamily="49" charset="0"/>
-                <a:ea typeface="Amazon Ember" panose="020B0603020204020204" pitchFamily="34" charset="0"/>
-                <a:cs typeface="Amazon Ember" panose="020B0603020204020204" pitchFamily="34" charset="0"/>
-              </a:rPr>
-              <a:t>MyComponent</a:t>
-            </a:r>
-            <a:r>
-              <a:rPr lang="en-US" sz="1400" dirty="0">
-                <a:solidFill>
-                  <a:srgbClr val="F8991C"/>
-                </a:solidFill>
-                <a:latin typeface="Andale Mono" panose="020B0509000000000004" pitchFamily="49" charset="0"/>
-                <a:ea typeface="Amazon Ember" panose="020B0603020204020204" pitchFamily="34" charset="0"/>
-                <a:cs typeface="Amazon Ember" panose="020B0603020204020204" pitchFamily="34" charset="0"/>
-              </a:rPr>
-              <a:t> </a:t>
-            </a:r>
-            <a:r>
-              <a:rPr lang="en-US" sz="1400" dirty="0">
-                <a:solidFill>
-                  <a:srgbClr val="00B0F0"/>
-                </a:solidFill>
-                <a:latin typeface="Andale Mono" panose="020B0509000000000004" pitchFamily="49" charset="0"/>
-                <a:ea typeface="Amazon Ember" panose="020B0603020204020204" pitchFamily="34" charset="0"/>
-                <a:cs typeface="Amazon Ember" panose="020B0603020204020204" pitchFamily="34" charset="0"/>
-              </a:rPr>
-              <a:t>/&gt;</a:t>
+                  <a:schemeClr val="bg1"/>
+                </a:solidFill>
+                <a:latin typeface="Andale Mono" panose="020B0509000000000004" pitchFamily="49" charset="0"/>
+                <a:ea typeface="Amazon Ember" panose="020B0603020204020204" pitchFamily="34" charset="0"/>
+                <a:cs typeface="Amazon Ember" panose="020B0603020204020204" pitchFamily="34" charset="0"/>
+              </a:rPr>
+              <a:t>}</a:t>
             </a:r>
           </a:p>
         </p:txBody>
@@ -12122,7 +12463,7 @@
     </p:spTree>
     <p:extLst>
       <p:ext uri="{BB962C8B-B14F-4D97-AF65-F5344CB8AC3E}">
-        <p14:creationId xmlns:p14="http://schemas.microsoft.com/office/powerpoint/2010/main" val="4177099870"/>
+        <p14:creationId xmlns:p14="http://schemas.microsoft.com/office/powerpoint/2010/main" val="3802572783"/>
       </p:ext>
     </p:extLst>
   </p:cSld>
@@ -12214,29 +12555,7 @@
                 <a:ea typeface="Amazon Ember" panose="020B0603020204020204" pitchFamily="34" charset="0"/>
                 <a:cs typeface="Amazon Ember" panose="020B0603020204020204" pitchFamily="34" charset="0"/>
               </a:rPr>
-              <a:t>Class / </a:t>
-            </a:r>
-            <a:r>
-              <a:rPr lang="en-US" dirty="0" err="1">
-                <a:solidFill>
-                  <a:srgbClr val="F8991C"/>
-                </a:solidFill>
-                <a:latin typeface="Amazon Ember" panose="020B0603020204020204" pitchFamily="34" charset="0"/>
-                <a:ea typeface="Amazon Ember" panose="020B0603020204020204" pitchFamily="34" charset="0"/>
-                <a:cs typeface="Amazon Ember" panose="020B0603020204020204" pitchFamily="34" charset="0"/>
-              </a:rPr>
-              <a:t>Stateful</a:t>
-            </a:r>
-            <a:r>
-              <a:rPr lang="en-US" dirty="0">
-                <a:solidFill>
-                  <a:srgbClr val="F8991C"/>
-                </a:solidFill>
-                <a:latin typeface="Amazon Ember" panose="020B0603020204020204" pitchFamily="34" charset="0"/>
-                <a:ea typeface="Amazon Ember" panose="020B0603020204020204" pitchFamily="34" charset="0"/>
-                <a:cs typeface="Amazon Ember" panose="020B0603020204020204" pitchFamily="34" charset="0"/>
-              </a:rPr>
-              <a:t> Components</a:t>
+              <a:t>Stateless Components</a:t>
             </a:r>
           </a:p>
         </p:txBody>
@@ -12255,8 +12574,8 @@
         </p:nvSpPr>
         <p:spPr>
           <a:xfrm>
-            <a:off x="1833689" y="1954179"/>
-            <a:ext cx="6557274" cy="1600438"/>
+            <a:off x="1735358" y="2228010"/>
+            <a:ext cx="5682527" cy="646331"/>
           </a:xfrm>
           <a:prstGeom prst="rect">
             <a:avLst/>
@@ -12269,319 +12588,64 @@
           </a:bodyPr>
           <a:lstStyle/>
           <a:p>
-            <a:r>
-              <a:rPr lang="en-US" sz="1400" dirty="0">
-                <a:solidFill>
-                  <a:srgbClr val="F8991C"/>
-                </a:solidFill>
-                <a:latin typeface="Andale Mono" panose="020B0509000000000004" pitchFamily="49" charset="0"/>
-                <a:ea typeface="Amazon Ember" panose="020B0603020204020204" pitchFamily="34" charset="0"/>
-                <a:cs typeface="Amazon Ember" panose="020B0603020204020204" pitchFamily="34" charset="0"/>
-              </a:rPr>
-              <a:t>class</a:t>
-            </a:r>
-            <a:r>
-              <a:rPr lang="en-US" sz="1400" dirty="0">
-                <a:solidFill>
-                  <a:schemeClr val="bg1"/>
-                </a:solidFill>
-                <a:latin typeface="Andale Mono" panose="020B0509000000000004" pitchFamily="49" charset="0"/>
-                <a:ea typeface="Amazon Ember" panose="020B0603020204020204" pitchFamily="34" charset="0"/>
-                <a:cs typeface="Amazon Ember" panose="020B0603020204020204" pitchFamily="34" charset="0"/>
-              </a:rPr>
-              <a:t> </a:t>
-            </a:r>
-            <a:r>
-              <a:rPr lang="en-US" sz="1400" dirty="0" err="1">
-                <a:solidFill>
-                  <a:srgbClr val="00B0F0"/>
-                </a:solidFill>
-                <a:latin typeface="Andale Mono" panose="020B0509000000000004" pitchFamily="49" charset="0"/>
-                <a:ea typeface="Amazon Ember" panose="020B0603020204020204" pitchFamily="34" charset="0"/>
-                <a:cs typeface="Amazon Ember" panose="020B0603020204020204" pitchFamily="34" charset="0"/>
-              </a:rPr>
-              <a:t>MyComponent</a:t>
-            </a:r>
-            <a:r>
-              <a:rPr lang="en-US" sz="1400" dirty="0">
-                <a:solidFill>
-                  <a:schemeClr val="bg1"/>
-                </a:solidFill>
-                <a:latin typeface="Andale Mono" panose="020B0509000000000004" pitchFamily="49" charset="0"/>
-                <a:ea typeface="Amazon Ember" panose="020B0603020204020204" pitchFamily="34" charset="0"/>
-                <a:cs typeface="Amazon Ember" panose="020B0603020204020204" pitchFamily="34" charset="0"/>
-              </a:rPr>
-              <a:t> </a:t>
-            </a:r>
-            <a:r>
-              <a:rPr lang="en-US" sz="1400" dirty="0">
-                <a:solidFill>
-                  <a:srgbClr val="F8991C"/>
-                </a:solidFill>
-                <a:latin typeface="Andale Mono" panose="020B0509000000000004" pitchFamily="49" charset="0"/>
-                <a:ea typeface="Amazon Ember" panose="020B0603020204020204" pitchFamily="34" charset="0"/>
-                <a:cs typeface="Amazon Ember" panose="020B0603020204020204" pitchFamily="34" charset="0"/>
-              </a:rPr>
-              <a:t>extends</a:t>
-            </a:r>
-            <a:r>
-              <a:rPr lang="en-US" sz="1400" dirty="0">
-                <a:solidFill>
-                  <a:schemeClr val="bg1"/>
-                </a:solidFill>
-                <a:latin typeface="Andale Mono" panose="020B0509000000000004" pitchFamily="49" charset="0"/>
-                <a:ea typeface="Amazon Ember" panose="020B0603020204020204" pitchFamily="34" charset="0"/>
-                <a:cs typeface="Amazon Ember" panose="020B0603020204020204" pitchFamily="34" charset="0"/>
-              </a:rPr>
-              <a:t> </a:t>
-            </a:r>
-            <a:r>
-              <a:rPr lang="en-US" sz="1400" dirty="0" err="1">
-                <a:solidFill>
-                  <a:srgbClr val="00B0F0"/>
-                </a:solidFill>
-                <a:latin typeface="Andale Mono" panose="020B0509000000000004" pitchFamily="49" charset="0"/>
-                <a:ea typeface="Amazon Ember" panose="020B0603020204020204" pitchFamily="34" charset="0"/>
-                <a:cs typeface="Amazon Ember" panose="020B0603020204020204" pitchFamily="34" charset="0"/>
-              </a:rPr>
-              <a:t>React.</a:t>
-            </a:r>
-            <a:r>
-              <a:rPr lang="en-US" sz="1400" dirty="0" err="1">
-                <a:solidFill>
-                  <a:srgbClr val="92D050"/>
-                </a:solidFill>
-                <a:latin typeface="Andale Mono" panose="020B0509000000000004" pitchFamily="49" charset="0"/>
-                <a:ea typeface="Amazon Ember" panose="020B0603020204020204" pitchFamily="34" charset="0"/>
-                <a:cs typeface="Amazon Ember" panose="020B0603020204020204" pitchFamily="34" charset="0"/>
-              </a:rPr>
-              <a:t>Component</a:t>
-            </a:r>
-            <a:r>
-              <a:rPr lang="en-US" sz="1400" dirty="0">
-                <a:solidFill>
-                  <a:srgbClr val="F8991C"/>
-                </a:solidFill>
-                <a:latin typeface="Andale Mono" panose="020B0509000000000004" pitchFamily="49" charset="0"/>
-                <a:ea typeface="Amazon Ember" panose="020B0603020204020204" pitchFamily="34" charset="0"/>
-                <a:cs typeface="Amazon Ember" panose="020B0603020204020204" pitchFamily="34" charset="0"/>
-              </a:rPr>
-              <a:t> {</a:t>
-            </a:r>
-          </a:p>
-          <a:p>
-            <a:r>
-              <a:rPr lang="en-US" sz="1400" dirty="0">
-                <a:solidFill>
-                  <a:srgbClr val="F8991C"/>
-                </a:solidFill>
-                <a:latin typeface="Andale Mono" panose="020B0509000000000004" pitchFamily="49" charset="0"/>
-                <a:ea typeface="Amazon Ember" panose="020B0603020204020204" pitchFamily="34" charset="0"/>
-                <a:cs typeface="Amazon Ember" panose="020B0603020204020204" pitchFamily="34" charset="0"/>
-              </a:rPr>
-              <a:t>  </a:t>
-            </a:r>
-            <a:r>
-              <a:rPr lang="en-US" sz="1400" dirty="0">
-                <a:solidFill>
-                  <a:srgbClr val="00B0F0"/>
-                </a:solidFill>
-                <a:latin typeface="Andale Mono" panose="020B0509000000000004" pitchFamily="49" charset="0"/>
-                <a:ea typeface="Amazon Ember" panose="020B0603020204020204" pitchFamily="34" charset="0"/>
-                <a:cs typeface="Amazon Ember" panose="020B0603020204020204" pitchFamily="34" charset="0"/>
-              </a:rPr>
-              <a:t>render</a:t>
-            </a:r>
-            <a:r>
-              <a:rPr lang="en-US" sz="1400" dirty="0">
-                <a:solidFill>
-                  <a:srgbClr val="92D050"/>
-                </a:solidFill>
-                <a:latin typeface="Andale Mono" panose="020B0509000000000004" pitchFamily="49" charset="0"/>
-                <a:ea typeface="Amazon Ember" panose="020B0603020204020204" pitchFamily="34" charset="0"/>
-                <a:cs typeface="Amazon Ember" panose="020B0603020204020204" pitchFamily="34" charset="0"/>
-              </a:rPr>
-              <a:t>()</a:t>
-            </a:r>
-            <a:r>
-              <a:rPr lang="en-US" sz="1400" dirty="0">
-                <a:solidFill>
-                  <a:srgbClr val="F8991C"/>
-                </a:solidFill>
-                <a:latin typeface="Andale Mono" panose="020B0509000000000004" pitchFamily="49" charset="0"/>
-                <a:ea typeface="Amazon Ember" panose="020B0603020204020204" pitchFamily="34" charset="0"/>
-                <a:cs typeface="Amazon Ember" panose="020B0603020204020204" pitchFamily="34" charset="0"/>
-              </a:rPr>
-              <a:t> </a:t>
-            </a:r>
-            <a:r>
-              <a:rPr lang="en-US" sz="1400" dirty="0">
-                <a:solidFill>
-                  <a:schemeClr val="bg1"/>
-                </a:solidFill>
-                <a:latin typeface="Andale Mono" panose="020B0509000000000004" pitchFamily="49" charset="0"/>
-                <a:ea typeface="Amazon Ember" panose="020B0603020204020204" pitchFamily="34" charset="0"/>
-                <a:cs typeface="Amazon Ember" panose="020B0603020204020204" pitchFamily="34" charset="0"/>
-              </a:rPr>
-              <a:t>{</a:t>
-            </a:r>
-          </a:p>
-          <a:p>
-            <a:r>
-              <a:rPr lang="en-US" sz="1400" dirty="0">
-                <a:solidFill>
-                  <a:srgbClr val="F8991C"/>
-                </a:solidFill>
-                <a:latin typeface="Andale Mono" panose="020B0509000000000004" pitchFamily="49" charset="0"/>
-                <a:ea typeface="Amazon Ember" panose="020B0603020204020204" pitchFamily="34" charset="0"/>
-                <a:cs typeface="Amazon Ember" panose="020B0603020204020204" pitchFamily="34" charset="0"/>
-              </a:rPr>
-              <a:t>    return </a:t>
-            </a:r>
-            <a:r>
-              <a:rPr lang="en-US" sz="1400" dirty="0">
-                <a:solidFill>
-                  <a:schemeClr val="bg1"/>
-                </a:solidFill>
-                <a:latin typeface="Andale Mono" panose="020B0509000000000004" pitchFamily="49" charset="0"/>
-                <a:ea typeface="Amazon Ember" panose="020B0603020204020204" pitchFamily="34" charset="0"/>
-                <a:cs typeface="Amazon Ember" panose="020B0603020204020204" pitchFamily="34" charset="0"/>
-              </a:rPr>
-              <a:t>(</a:t>
-            </a:r>
-          </a:p>
-          <a:p>
-            <a:r>
-              <a:rPr lang="en-US" sz="1400" dirty="0">
-                <a:solidFill>
-                  <a:srgbClr val="F8991C"/>
-                </a:solidFill>
-                <a:latin typeface="Andale Mono" panose="020B0509000000000004" pitchFamily="49" charset="0"/>
-                <a:ea typeface="Amazon Ember" panose="020B0603020204020204" pitchFamily="34" charset="0"/>
-                <a:cs typeface="Amazon Ember" panose="020B0603020204020204" pitchFamily="34" charset="0"/>
-              </a:rPr>
-              <a:t>      </a:t>
-            </a:r>
-            <a:r>
-              <a:rPr lang="en-US" sz="1400" dirty="0">
-                <a:solidFill>
-                  <a:srgbClr val="00B0F0"/>
-                </a:solidFill>
-                <a:latin typeface="Andale Mono" panose="020B0509000000000004" pitchFamily="49" charset="0"/>
-                <a:ea typeface="Amazon Ember" panose="020B0603020204020204" pitchFamily="34" charset="0"/>
-                <a:cs typeface="Amazon Ember" panose="020B0603020204020204" pitchFamily="34" charset="0"/>
-              </a:rPr>
-              <a:t>&lt;</a:t>
-            </a:r>
-            <a:r>
-              <a:rPr lang="en-US" sz="1400" dirty="0">
-                <a:solidFill>
-                  <a:srgbClr val="F8991C"/>
-                </a:solidFill>
-                <a:latin typeface="Andale Mono" panose="020B0509000000000004" pitchFamily="49" charset="0"/>
-                <a:ea typeface="Amazon Ember" panose="020B0603020204020204" pitchFamily="34" charset="0"/>
-                <a:cs typeface="Amazon Ember" panose="020B0603020204020204" pitchFamily="34" charset="0"/>
-              </a:rPr>
-              <a:t>Text</a:t>
-            </a:r>
-            <a:r>
-              <a:rPr lang="en-US" sz="1400" dirty="0">
-                <a:solidFill>
-                  <a:srgbClr val="00B0F0"/>
-                </a:solidFill>
-                <a:latin typeface="Andale Mono" panose="020B0509000000000004" pitchFamily="49" charset="0"/>
-                <a:ea typeface="Amazon Ember" panose="020B0603020204020204" pitchFamily="34" charset="0"/>
-                <a:cs typeface="Amazon Ember" panose="020B0603020204020204" pitchFamily="34" charset="0"/>
-              </a:rPr>
-              <a:t>&gt;Hello World&lt;/</a:t>
-            </a:r>
-            <a:r>
-              <a:rPr lang="en-US" sz="1400" dirty="0">
-                <a:solidFill>
-                  <a:srgbClr val="F8991C"/>
-                </a:solidFill>
-                <a:latin typeface="Andale Mono" panose="020B0509000000000004" pitchFamily="49" charset="0"/>
-                <a:ea typeface="Amazon Ember" panose="020B0603020204020204" pitchFamily="34" charset="0"/>
-                <a:cs typeface="Amazon Ember" panose="020B0603020204020204" pitchFamily="34" charset="0"/>
-              </a:rPr>
-              <a:t>Text</a:t>
-            </a:r>
-            <a:r>
-              <a:rPr lang="en-US" sz="1400" dirty="0">
-                <a:solidFill>
-                  <a:srgbClr val="00B0F0"/>
-                </a:solidFill>
-                <a:latin typeface="Andale Mono" panose="020B0509000000000004" pitchFamily="49" charset="0"/>
-                <a:ea typeface="Amazon Ember" panose="020B0603020204020204" pitchFamily="34" charset="0"/>
-                <a:cs typeface="Amazon Ember" panose="020B0603020204020204" pitchFamily="34" charset="0"/>
-              </a:rPr>
-              <a:t>&gt;</a:t>
-            </a:r>
-            <a:endParaRPr lang="en-US" sz="1400" dirty="0">
+            <a:pPr marL="342900" indent="-342900">
+              <a:buFont typeface="Arial" panose="020B0604020202020204" pitchFamily="34" charset="0"/>
+              <a:buChar char="•"/>
+            </a:pPr>
+            <a:r>
+              <a:rPr lang="en-US" dirty="0">
+                <a:solidFill>
+                  <a:schemeClr val="bg1"/>
+                </a:solidFill>
+                <a:latin typeface="Amazon Ember" panose="020B0603020204020204" pitchFamily="34" charset="0"/>
+                <a:ea typeface="Amazon Ember" panose="020B0603020204020204" pitchFamily="34" charset="0"/>
+                <a:cs typeface="Amazon Ember" panose="020B0603020204020204" pitchFamily="34" charset="0"/>
+              </a:rPr>
+              <a:t>Don’t need state or lifecycle methods</a:t>
+            </a:r>
+          </a:p>
+          <a:p>
+            <a:pPr marL="342900" indent="-342900">
+              <a:buFont typeface="Arial" panose="020B0604020202020204" pitchFamily="34" charset="0"/>
+              <a:buChar char="•"/>
+            </a:pPr>
+            <a:r>
+              <a:rPr lang="en-US" dirty="0">
+                <a:solidFill>
+                  <a:schemeClr val="bg1"/>
+                </a:solidFill>
+                <a:latin typeface="Amazon Ember" panose="020B0603020204020204" pitchFamily="34" charset="0"/>
+                <a:ea typeface="Amazon Ember" panose="020B0603020204020204" pitchFamily="34" charset="0"/>
+                <a:cs typeface="Amazon Ember" panose="020B0603020204020204" pitchFamily="34" charset="0"/>
+              </a:rPr>
+              <a:t>Any update in the props will trigger a </a:t>
+            </a:r>
+            <a:r>
+              <a:rPr lang="en-US" dirty="0" err="1">
+                <a:solidFill>
+                  <a:schemeClr val="bg1"/>
+                </a:solidFill>
+                <a:latin typeface="Amazon Ember" panose="020B0603020204020204" pitchFamily="34" charset="0"/>
+                <a:ea typeface="Amazon Ember" panose="020B0603020204020204" pitchFamily="34" charset="0"/>
+                <a:cs typeface="Amazon Ember" panose="020B0603020204020204" pitchFamily="34" charset="0"/>
+              </a:rPr>
+              <a:t>rerender</a:t>
+            </a:r>
+            <a:endParaRPr lang="en-US" dirty="0">
               <a:solidFill>
-                <a:srgbClr val="F8991C"/>
+                <a:schemeClr val="bg1"/>
               </a:solidFill>
-              <a:latin typeface="Andale Mono" panose="020B0509000000000004" pitchFamily="49" charset="0"/>
+              <a:latin typeface="Amazon Ember" panose="020B0603020204020204" pitchFamily="34" charset="0"/>
               <a:ea typeface="Amazon Ember" panose="020B0603020204020204" pitchFamily="34" charset="0"/>
               <a:cs typeface="Amazon Ember" panose="020B0603020204020204" pitchFamily="34" charset="0"/>
             </a:endParaRPr>
           </a:p>
-          <a:p>
-            <a:r>
-              <a:rPr lang="en-US" sz="1400" dirty="0">
-                <a:solidFill>
-                  <a:srgbClr val="F8991C"/>
-                </a:solidFill>
-                <a:latin typeface="Andale Mono" panose="020B0509000000000004" pitchFamily="49" charset="0"/>
-                <a:ea typeface="Amazon Ember" panose="020B0603020204020204" pitchFamily="34" charset="0"/>
-                <a:cs typeface="Amazon Ember" panose="020B0603020204020204" pitchFamily="34" charset="0"/>
-              </a:rPr>
-              <a:t>    </a:t>
-            </a:r>
-            <a:r>
-              <a:rPr lang="en-US" sz="1400" dirty="0">
-                <a:solidFill>
-                  <a:schemeClr val="bg1"/>
-                </a:solidFill>
-                <a:latin typeface="Andale Mono" panose="020B0509000000000004" pitchFamily="49" charset="0"/>
-                <a:ea typeface="Amazon Ember" panose="020B0603020204020204" pitchFamily="34" charset="0"/>
-                <a:cs typeface="Amazon Ember" panose="020B0603020204020204" pitchFamily="34" charset="0"/>
-              </a:rPr>
-              <a:t>)</a:t>
-            </a:r>
-          </a:p>
-          <a:p>
-            <a:r>
-              <a:rPr lang="en-US" sz="1400" dirty="0">
-                <a:solidFill>
-                  <a:schemeClr val="bg1"/>
-                </a:solidFill>
-                <a:latin typeface="Andale Mono" panose="020B0509000000000004" pitchFamily="49" charset="0"/>
-                <a:ea typeface="Amazon Ember" panose="020B0603020204020204" pitchFamily="34" charset="0"/>
-                <a:cs typeface="Amazon Ember" panose="020B0603020204020204" pitchFamily="34" charset="0"/>
-              </a:rPr>
-              <a:t>  }</a:t>
-            </a:r>
-          </a:p>
-          <a:p>
-            <a:r>
-              <a:rPr lang="en-US" sz="1400" dirty="0">
-                <a:solidFill>
-                  <a:schemeClr val="bg1"/>
-                </a:solidFill>
-                <a:latin typeface="Andale Mono" panose="020B0509000000000004" pitchFamily="49" charset="0"/>
-                <a:ea typeface="Amazon Ember" panose="020B0603020204020204" pitchFamily="34" charset="0"/>
-                <a:cs typeface="Amazon Ember" panose="020B0603020204020204" pitchFamily="34" charset="0"/>
-              </a:rPr>
-              <a:t>}</a:t>
-            </a:r>
-          </a:p>
         </p:txBody>
       </p:sp>
     </p:spTree>
     <p:extLst>
       <p:ext uri="{BB962C8B-B14F-4D97-AF65-F5344CB8AC3E}">
-        <p14:creationId xmlns:p14="http://schemas.microsoft.com/office/powerpoint/2010/main" val="3802572783"/>
+        <p14:creationId xmlns:p14="http://schemas.microsoft.com/office/powerpoint/2010/main" val="175978872"/>
       </p:ext>
     </p:extLst>
   </p:cSld>
@@ -12665,7 +12729,7 @@
           <a:lstStyle/>
           <a:p>
             <a:r>
-              <a:rPr lang="en-US">
+              <a:rPr lang="en-US" dirty="0">
                 <a:solidFill>
                   <a:srgbClr val="F8991C"/>
                 </a:solidFill>
@@ -12673,28 +12737,17 @@
                 <a:ea typeface="Amazon Ember" panose="020B0603020204020204" pitchFamily="34" charset="0"/>
                 <a:cs typeface="Amazon Ember" panose="020B0603020204020204" pitchFamily="34" charset="0"/>
               </a:rPr>
-              <a:t>3 types of component </a:t>
-            </a:r>
-            <a:r>
-              <a:rPr lang="en-US" dirty="0">
-                <a:solidFill>
-                  <a:srgbClr val="F8991C"/>
-                </a:solidFill>
-                <a:latin typeface="Amazon Ember" panose="020B0603020204020204" pitchFamily="34" charset="0"/>
-                <a:ea typeface="Amazon Ember" panose="020B0603020204020204" pitchFamily="34" charset="0"/>
-                <a:cs typeface="Amazon Ember" panose="020B0603020204020204" pitchFamily="34" charset="0"/>
-              </a:rPr>
-              <a:t>lifecycles</a:t>
-            </a:r>
-          </a:p>
-        </p:txBody>
-      </p:sp>
-      <p:sp>
-        <p:nvSpPr>
-          <p:cNvPr id="3" name="TextBox 2">
+              <a:t>Stateless Components</a:t>
+            </a:r>
+          </a:p>
+        </p:txBody>
+      </p:sp>
+      <p:sp>
+        <p:nvSpPr>
+          <p:cNvPr id="6" name="TextBox 5">
             <a:extLst>
               <a:ext uri="{FF2B5EF4-FFF2-40B4-BE49-F238E27FC236}">
-                <a16:creationId xmlns:a16="http://schemas.microsoft.com/office/drawing/2014/main" id="{7E0294DA-BFA0-8E4F-9C98-D17FEDC4FA64}"/>
+                <a16:creationId xmlns:a16="http://schemas.microsoft.com/office/drawing/2014/main" id="{73D231B0-CE90-0448-9EE3-39E916539CFB}"/>
               </a:ext>
             </a:extLst>
           </p:cNvPr>
@@ -12703,8 +12756,8 @@
         </p:nvSpPr>
         <p:spPr>
           <a:xfrm>
-            <a:off x="336789" y="1750563"/>
-            <a:ext cx="6303003" cy="1698607"/>
+            <a:off x="2688802" y="2051976"/>
+            <a:ext cx="5682527" cy="738664"/>
           </a:xfrm>
           <a:prstGeom prst="rect">
             <a:avLst/>
@@ -12717,57 +12770,249 @@
           </a:bodyPr>
           <a:lstStyle/>
           <a:p>
-            <a:pPr>
-              <a:lnSpc>
-                <a:spcPct val="150000"/>
-              </a:lnSpc>
-            </a:pPr>
-            <a:r>
-              <a:rPr lang="en-US" sz="2400" dirty="0">
-                <a:solidFill>
-                  <a:schemeClr val="bg1"/>
-                </a:solidFill>
-                <a:latin typeface="Amazon Ember" panose="020B0603020204020204" pitchFamily="34" charset="0"/>
-                <a:ea typeface="Amazon Ember" panose="020B0603020204020204" pitchFamily="34" charset="0"/>
-                <a:cs typeface="Amazon Ember" panose="020B0603020204020204" pitchFamily="34" charset="0"/>
-              </a:rPr>
-              <a:t>Creation / Mounting</a:t>
-            </a:r>
-          </a:p>
-          <a:p>
-            <a:pPr>
-              <a:lnSpc>
-                <a:spcPct val="150000"/>
-              </a:lnSpc>
-            </a:pPr>
-            <a:r>
-              <a:rPr lang="en-US" sz="2400" dirty="0">
-                <a:solidFill>
-                  <a:schemeClr val="bg1"/>
-                </a:solidFill>
-                <a:latin typeface="Amazon Ember" panose="020B0603020204020204" pitchFamily="34" charset="0"/>
-                <a:ea typeface="Amazon Ember" panose="020B0603020204020204" pitchFamily="34" charset="0"/>
-                <a:cs typeface="Amazon Ember" panose="020B0603020204020204" pitchFamily="34" charset="0"/>
-              </a:rPr>
-              <a:t>Updating</a:t>
-            </a:r>
-          </a:p>
-          <a:p>
-            <a:pPr>
-              <a:lnSpc>
-                <a:spcPct val="150000"/>
-              </a:lnSpc>
-            </a:pPr>
-            <a:r>
-              <a:rPr lang="en-US" sz="2400" dirty="0">
-                <a:solidFill>
-                  <a:schemeClr val="bg1"/>
-                </a:solidFill>
-                <a:latin typeface="Amazon Ember" panose="020B0603020204020204" pitchFamily="34" charset="0"/>
-                <a:ea typeface="Amazon Ember" panose="020B0603020204020204" pitchFamily="34" charset="0"/>
-                <a:cs typeface="Amazon Ember" panose="020B0603020204020204" pitchFamily="34" charset="0"/>
-              </a:rPr>
-              <a:t>Unmounting</a:t>
+            <a:r>
+              <a:rPr lang="en-US" sz="1400" dirty="0" err="1">
+                <a:solidFill>
+                  <a:srgbClr val="F8991C"/>
+                </a:solidFill>
+                <a:latin typeface="Andale Mono" panose="020B0509000000000004" pitchFamily="49" charset="0"/>
+                <a:ea typeface="Amazon Ember" panose="020B0603020204020204" pitchFamily="34" charset="0"/>
+                <a:cs typeface="Amazon Ember" panose="020B0603020204020204" pitchFamily="34" charset="0"/>
+              </a:rPr>
+              <a:t>const</a:t>
+            </a:r>
+            <a:r>
+              <a:rPr lang="en-US" sz="1400" dirty="0">
+                <a:solidFill>
+                  <a:schemeClr val="bg1"/>
+                </a:solidFill>
+                <a:latin typeface="Andale Mono" panose="020B0509000000000004" pitchFamily="49" charset="0"/>
+                <a:ea typeface="Amazon Ember" panose="020B0603020204020204" pitchFamily="34" charset="0"/>
+                <a:cs typeface="Amazon Ember" panose="020B0603020204020204" pitchFamily="34" charset="0"/>
+              </a:rPr>
+              <a:t> </a:t>
+            </a:r>
+            <a:r>
+              <a:rPr lang="en-US" sz="1400" dirty="0" err="1">
+                <a:solidFill>
+                  <a:srgbClr val="00B0F0"/>
+                </a:solidFill>
+                <a:latin typeface="Andale Mono" panose="020B0509000000000004" pitchFamily="49" charset="0"/>
+                <a:ea typeface="Amazon Ember" panose="020B0603020204020204" pitchFamily="34" charset="0"/>
+                <a:cs typeface="Amazon Ember" panose="020B0603020204020204" pitchFamily="34" charset="0"/>
+              </a:rPr>
+              <a:t>MyComponent</a:t>
+            </a:r>
+            <a:r>
+              <a:rPr lang="en-US" sz="1400" dirty="0">
+                <a:solidFill>
+                  <a:schemeClr val="bg1"/>
+                </a:solidFill>
+                <a:latin typeface="Andale Mono" panose="020B0509000000000004" pitchFamily="49" charset="0"/>
+                <a:ea typeface="Amazon Ember" panose="020B0603020204020204" pitchFamily="34" charset="0"/>
+                <a:cs typeface="Amazon Ember" panose="020B0603020204020204" pitchFamily="34" charset="0"/>
+              </a:rPr>
+              <a:t> </a:t>
+            </a:r>
+            <a:r>
+              <a:rPr lang="en-US" sz="1400" dirty="0">
+                <a:solidFill>
+                  <a:srgbClr val="F8991C"/>
+                </a:solidFill>
+                <a:latin typeface="Andale Mono" panose="020B0509000000000004" pitchFamily="49" charset="0"/>
+                <a:ea typeface="Amazon Ember" panose="020B0603020204020204" pitchFamily="34" charset="0"/>
+                <a:cs typeface="Amazon Ember" panose="020B0603020204020204" pitchFamily="34" charset="0"/>
+              </a:rPr>
+              <a:t>=</a:t>
+            </a:r>
+            <a:r>
+              <a:rPr lang="en-US" sz="1400" dirty="0">
+                <a:solidFill>
+                  <a:schemeClr val="bg1"/>
+                </a:solidFill>
+                <a:latin typeface="Andale Mono" panose="020B0509000000000004" pitchFamily="49" charset="0"/>
+                <a:ea typeface="Amazon Ember" panose="020B0603020204020204" pitchFamily="34" charset="0"/>
+                <a:cs typeface="Amazon Ember" panose="020B0603020204020204" pitchFamily="34" charset="0"/>
+              </a:rPr>
+              <a:t> () </a:t>
+            </a:r>
+            <a:r>
+              <a:rPr lang="en-US" sz="1400" dirty="0">
+                <a:solidFill>
+                  <a:srgbClr val="F8991C"/>
+                </a:solidFill>
+                <a:latin typeface="Andale Mono" panose="020B0509000000000004" pitchFamily="49" charset="0"/>
+                <a:ea typeface="Amazon Ember" panose="020B0603020204020204" pitchFamily="34" charset="0"/>
+                <a:cs typeface="Amazon Ember" panose="020B0603020204020204" pitchFamily="34" charset="0"/>
+              </a:rPr>
+              <a:t>=&gt;</a:t>
+            </a:r>
+            <a:r>
+              <a:rPr lang="en-US" sz="1400" dirty="0">
+                <a:solidFill>
+                  <a:schemeClr val="bg1"/>
+                </a:solidFill>
+                <a:latin typeface="Andale Mono" panose="020B0509000000000004" pitchFamily="49" charset="0"/>
+                <a:ea typeface="Amazon Ember" panose="020B0603020204020204" pitchFamily="34" charset="0"/>
+                <a:cs typeface="Amazon Ember" panose="020B0603020204020204" pitchFamily="34" charset="0"/>
+              </a:rPr>
+              <a:t> (</a:t>
+            </a:r>
+          </a:p>
+          <a:p>
+            <a:r>
+              <a:rPr lang="en-US" sz="1400" dirty="0">
+                <a:solidFill>
+                  <a:schemeClr val="bg1"/>
+                </a:solidFill>
+                <a:latin typeface="Andale Mono" panose="020B0509000000000004" pitchFamily="49" charset="0"/>
+                <a:ea typeface="Amazon Ember" panose="020B0603020204020204" pitchFamily="34" charset="0"/>
+                <a:cs typeface="Amazon Ember" panose="020B0603020204020204" pitchFamily="34" charset="0"/>
+              </a:rPr>
+              <a:t>  </a:t>
+            </a:r>
+            <a:r>
+              <a:rPr lang="en-US" sz="1400" dirty="0">
+                <a:solidFill>
+                  <a:srgbClr val="00B0F0"/>
+                </a:solidFill>
+                <a:latin typeface="Andale Mono" panose="020B0509000000000004" pitchFamily="49" charset="0"/>
+                <a:ea typeface="Amazon Ember" panose="020B0603020204020204" pitchFamily="34" charset="0"/>
+                <a:cs typeface="Amazon Ember" panose="020B0603020204020204" pitchFamily="34" charset="0"/>
+              </a:rPr>
+              <a:t>&lt;</a:t>
+            </a:r>
+            <a:r>
+              <a:rPr lang="en-US" sz="1400" dirty="0">
+                <a:solidFill>
+                  <a:srgbClr val="F8991C"/>
+                </a:solidFill>
+                <a:latin typeface="Andale Mono" panose="020B0509000000000004" pitchFamily="49" charset="0"/>
+                <a:ea typeface="Amazon Ember" panose="020B0603020204020204" pitchFamily="34" charset="0"/>
+                <a:cs typeface="Amazon Ember" panose="020B0603020204020204" pitchFamily="34" charset="0"/>
+              </a:rPr>
+              <a:t>Text</a:t>
+            </a:r>
+            <a:r>
+              <a:rPr lang="en-US" sz="1400" dirty="0">
+                <a:solidFill>
+                  <a:srgbClr val="00B0F0"/>
+                </a:solidFill>
+                <a:latin typeface="Andale Mono" panose="020B0509000000000004" pitchFamily="49" charset="0"/>
+                <a:ea typeface="Amazon Ember" panose="020B0603020204020204" pitchFamily="34" charset="0"/>
+                <a:cs typeface="Amazon Ember" panose="020B0603020204020204" pitchFamily="34" charset="0"/>
+              </a:rPr>
+              <a:t>&gt;Hello World&lt;/</a:t>
+            </a:r>
+            <a:r>
+              <a:rPr lang="en-US" sz="1400" dirty="0">
+                <a:solidFill>
+                  <a:srgbClr val="F8991C"/>
+                </a:solidFill>
+                <a:latin typeface="Andale Mono" panose="020B0509000000000004" pitchFamily="49" charset="0"/>
+                <a:ea typeface="Amazon Ember" panose="020B0603020204020204" pitchFamily="34" charset="0"/>
+                <a:cs typeface="Amazon Ember" panose="020B0603020204020204" pitchFamily="34" charset="0"/>
+              </a:rPr>
+              <a:t>Text</a:t>
+            </a:r>
+            <a:r>
+              <a:rPr lang="en-US" sz="1400" dirty="0">
+                <a:solidFill>
+                  <a:srgbClr val="00B0F0"/>
+                </a:solidFill>
+                <a:latin typeface="Andale Mono" panose="020B0509000000000004" pitchFamily="49" charset="0"/>
+                <a:ea typeface="Amazon Ember" panose="020B0603020204020204" pitchFamily="34" charset="0"/>
+                <a:cs typeface="Amazon Ember" panose="020B0603020204020204" pitchFamily="34" charset="0"/>
+              </a:rPr>
+              <a:t>&gt;</a:t>
+            </a:r>
+          </a:p>
+          <a:p>
+            <a:r>
+              <a:rPr lang="en-US" sz="1400" dirty="0">
+                <a:solidFill>
+                  <a:schemeClr val="bg1"/>
+                </a:solidFill>
+                <a:latin typeface="Andale Mono" panose="020B0509000000000004" pitchFamily="49" charset="0"/>
+                <a:ea typeface="Amazon Ember" panose="020B0603020204020204" pitchFamily="34" charset="0"/>
+                <a:cs typeface="Amazon Ember" panose="020B0603020204020204" pitchFamily="34" charset="0"/>
+              </a:rPr>
+              <a:t>)</a:t>
+            </a:r>
+          </a:p>
+        </p:txBody>
+      </p:sp>
+      <p:sp>
+        <p:nvSpPr>
+          <p:cNvPr id="5" name="TextBox 4">
+            <a:extLst>
+              <a:ext uri="{FF2B5EF4-FFF2-40B4-BE49-F238E27FC236}">
+                <a16:creationId xmlns:a16="http://schemas.microsoft.com/office/drawing/2014/main" id="{E66275FF-E1D8-8543-B020-1F9D567AFDDB}"/>
+              </a:ext>
+            </a:extLst>
+          </p:cNvPr>
+          <p:cNvSpPr txBox="1"/>
+          <p:nvPr/>
+        </p:nvSpPr>
+        <p:spPr>
+          <a:xfrm>
+            <a:off x="2688802" y="2867453"/>
+            <a:ext cx="5682527" cy="307777"/>
+          </a:xfrm>
+          <a:prstGeom prst="rect">
+            <a:avLst/>
+          </a:prstGeom>
+          <a:noFill/>
+        </p:spPr>
+        <p:txBody>
+          <a:bodyPr wrap="square" rtlCol="0">
+            <a:spAutoFit/>
+          </a:bodyPr>
+          <a:lstStyle/>
+          <a:p>
+            <a:r>
+              <a:rPr lang="en-US" sz="1400" dirty="0">
+                <a:solidFill>
+                  <a:srgbClr val="00B0F0"/>
+                </a:solidFill>
+                <a:latin typeface="Andale Mono" panose="020B0509000000000004" pitchFamily="49" charset="0"/>
+                <a:ea typeface="Amazon Ember" panose="020B0603020204020204" pitchFamily="34" charset="0"/>
+                <a:cs typeface="Amazon Ember" panose="020B0603020204020204" pitchFamily="34" charset="0"/>
+              </a:rPr>
+              <a:t>&lt;</a:t>
+            </a:r>
+            <a:r>
+              <a:rPr lang="en-US" sz="1400" dirty="0" err="1">
+                <a:solidFill>
+                  <a:srgbClr val="F8991C"/>
+                </a:solidFill>
+                <a:latin typeface="Andale Mono" panose="020B0509000000000004" pitchFamily="49" charset="0"/>
+                <a:ea typeface="Amazon Ember" panose="020B0603020204020204" pitchFamily="34" charset="0"/>
+                <a:cs typeface="Amazon Ember" panose="020B0603020204020204" pitchFamily="34" charset="0"/>
+              </a:rPr>
+              <a:t>MyComponent</a:t>
+            </a:r>
+            <a:r>
+              <a:rPr lang="en-US" sz="1400" dirty="0">
+                <a:solidFill>
+                  <a:srgbClr val="F8991C"/>
+                </a:solidFill>
+                <a:latin typeface="Andale Mono" panose="020B0509000000000004" pitchFamily="49" charset="0"/>
+                <a:ea typeface="Amazon Ember" panose="020B0603020204020204" pitchFamily="34" charset="0"/>
+                <a:cs typeface="Amazon Ember" panose="020B0603020204020204" pitchFamily="34" charset="0"/>
+              </a:rPr>
+              <a:t> </a:t>
+            </a:r>
+            <a:r>
+              <a:rPr lang="en-US" sz="1400" dirty="0">
+                <a:solidFill>
+                  <a:srgbClr val="00B0F0"/>
+                </a:solidFill>
+                <a:latin typeface="Andale Mono" panose="020B0509000000000004" pitchFamily="49" charset="0"/>
+                <a:ea typeface="Amazon Ember" panose="020B0603020204020204" pitchFamily="34" charset="0"/>
+                <a:cs typeface="Amazon Ember" panose="020B0603020204020204" pitchFamily="34" charset="0"/>
+              </a:rPr>
+              <a:t>/&gt;</a:t>
             </a:r>
           </a:p>
         </p:txBody>
@@ -12775,7 +13020,7 @@
     </p:spTree>
     <p:extLst>
       <p:ext uri="{BB962C8B-B14F-4D97-AF65-F5344CB8AC3E}">
-        <p14:creationId xmlns:p14="http://schemas.microsoft.com/office/powerpoint/2010/main" val="578742630"/>
+        <p14:creationId xmlns:p14="http://schemas.microsoft.com/office/powerpoint/2010/main" val="4177099870"/>
       </p:ext>
     </p:extLst>
   </p:cSld>
@@ -12859,6 +13104,17 @@
           <a:lstStyle/>
           <a:p>
             <a:r>
+              <a:rPr lang="en-US">
+                <a:solidFill>
+                  <a:srgbClr val="F8991C"/>
+                </a:solidFill>
+                <a:latin typeface="Amazon Ember" panose="020B0603020204020204" pitchFamily="34" charset="0"/>
+                <a:ea typeface="Amazon Ember" panose="020B0603020204020204" pitchFamily="34" charset="0"/>
+                <a:cs typeface="Amazon Ember" panose="020B0603020204020204" pitchFamily="34" charset="0"/>
+              </a:rPr>
+              <a:t>3 types of component </a:t>
+            </a:r>
+            <a:r>
               <a:rPr lang="en-US" dirty="0">
                 <a:solidFill>
                   <a:srgbClr val="F8991C"/>
@@ -12867,7 +13123,7 @@
                 <a:ea typeface="Amazon Ember" panose="020B0603020204020204" pitchFamily="34" charset="0"/>
                 <a:cs typeface="Amazon Ember" panose="020B0603020204020204" pitchFamily="34" charset="0"/>
               </a:rPr>
-              <a:t>Creation / Mounting</a:t>
+              <a:t>lifecycles</a:t>
             </a:r>
           </a:p>
         </p:txBody>
@@ -12886,8 +13142,8 @@
         </p:nvSpPr>
         <p:spPr>
           <a:xfrm>
-            <a:off x="336789" y="1943870"/>
-            <a:ext cx="7941100" cy="1703993"/>
+            <a:off x="336789" y="1750563"/>
+            <a:ext cx="6303003" cy="1698607"/>
           </a:xfrm>
           <a:prstGeom prst="rect">
             <a:avLst/>
@@ -12906,15 +13162,15 @@
               </a:lnSpc>
             </a:pPr>
             <a:r>
-              <a:rPr lang="en-US" dirty="0">
-                <a:solidFill>
-                  <a:schemeClr val="bg1"/>
-                </a:solidFill>
-                <a:latin typeface="Andale Mono" panose="020B0509000000000004" pitchFamily="49" charset="0"/>
-                <a:ea typeface="Amazon Ember" panose="020B0603020204020204" pitchFamily="34" charset="0"/>
-                <a:cs typeface="Amazon Ember" panose="020B0603020204020204" pitchFamily="34" charset="0"/>
-              </a:rPr>
-              <a:t>constructor</a:t>
+              <a:rPr lang="en-US" sz="2400" dirty="0">
+                <a:solidFill>
+                  <a:schemeClr val="bg1"/>
+                </a:solidFill>
+                <a:latin typeface="Amazon Ember" panose="020B0603020204020204" pitchFamily="34" charset="0"/>
+                <a:ea typeface="Amazon Ember" panose="020B0603020204020204" pitchFamily="34" charset="0"/>
+                <a:cs typeface="Amazon Ember" panose="020B0603020204020204" pitchFamily="34" charset="0"/>
+              </a:rPr>
+              <a:t>Creation / Mounting</a:t>
             </a:r>
           </a:p>
           <a:p>
@@ -12924,81 +13180,15 @@
               </a:lnSpc>
             </a:pPr>
             <a:r>
-              <a:rPr lang="en-US" dirty="0">
-                <a:solidFill>
-                  <a:schemeClr val="bg1"/>
-                </a:solidFill>
-                <a:latin typeface="Andale Mono" panose="020B0509000000000004" pitchFamily="49" charset="0"/>
-                <a:ea typeface="Amazon Ember" panose="020B0603020204020204" pitchFamily="34" charset="0"/>
-                <a:cs typeface="Amazon Ember" panose="020B0603020204020204" pitchFamily="34" charset="0"/>
-              </a:rPr>
-              <a:t>static </a:t>
-            </a:r>
-            <a:r>
-              <a:rPr lang="en-US" dirty="0" err="1">
-                <a:solidFill>
-                  <a:schemeClr val="bg1"/>
-                </a:solidFill>
-                <a:latin typeface="Andale Mono" panose="020B0509000000000004" pitchFamily="49" charset="0"/>
-                <a:ea typeface="Amazon Ember" panose="020B0603020204020204" pitchFamily="34" charset="0"/>
-                <a:cs typeface="Amazon Ember" panose="020B0603020204020204" pitchFamily="34" charset="0"/>
-              </a:rPr>
-              <a:t>getDerivedStateFromProps</a:t>
-            </a:r>
-            <a:r>
-              <a:rPr lang="en-US" dirty="0">
-                <a:solidFill>
-                  <a:schemeClr val="bg1"/>
-                </a:solidFill>
-                <a:latin typeface="Andale Mono" panose="020B0509000000000004" pitchFamily="49" charset="0"/>
-                <a:ea typeface="Amazon Ember" panose="020B0603020204020204" pitchFamily="34" charset="0"/>
-                <a:cs typeface="Amazon Ember" panose="020B0603020204020204" pitchFamily="34" charset="0"/>
-              </a:rPr>
-              <a:t>(</a:t>
-            </a:r>
-            <a:r>
-              <a:rPr lang="en-US" dirty="0" err="1">
-                <a:solidFill>
-                  <a:schemeClr val="bg1"/>
-                </a:solidFill>
-                <a:latin typeface="Andale Mono" panose="020B0509000000000004" pitchFamily="49" charset="0"/>
-                <a:ea typeface="Amazon Ember" panose="020B0603020204020204" pitchFamily="34" charset="0"/>
-                <a:cs typeface="Amazon Ember" panose="020B0603020204020204" pitchFamily="34" charset="0"/>
-              </a:rPr>
-              <a:t>nextProps</a:t>
-            </a:r>
-            <a:r>
-              <a:rPr lang="en-US" dirty="0">
-                <a:solidFill>
-                  <a:schemeClr val="bg1"/>
-                </a:solidFill>
-                <a:latin typeface="Andale Mono" panose="020B0509000000000004" pitchFamily="49" charset="0"/>
-                <a:ea typeface="Amazon Ember" panose="020B0603020204020204" pitchFamily="34" charset="0"/>
-                <a:cs typeface="Amazon Ember" panose="020B0603020204020204" pitchFamily="34" charset="0"/>
-              </a:rPr>
-              <a:t>, </a:t>
-            </a:r>
-            <a:r>
-              <a:rPr lang="en-US" dirty="0" err="1">
-                <a:solidFill>
-                  <a:schemeClr val="bg1"/>
-                </a:solidFill>
-                <a:latin typeface="Andale Mono" panose="020B0509000000000004" pitchFamily="49" charset="0"/>
-                <a:ea typeface="Amazon Ember" panose="020B0603020204020204" pitchFamily="34" charset="0"/>
-                <a:cs typeface="Amazon Ember" panose="020B0603020204020204" pitchFamily="34" charset="0"/>
-              </a:rPr>
-              <a:t>prevState</a:t>
-            </a:r>
-            <a:r>
-              <a:rPr lang="en-US" dirty="0">
-                <a:solidFill>
-                  <a:schemeClr val="bg1"/>
-                </a:solidFill>
-                <a:latin typeface="Andale Mono" panose="020B0509000000000004" pitchFamily="49" charset="0"/>
-                <a:ea typeface="Amazon Ember" panose="020B0603020204020204" pitchFamily="34" charset="0"/>
-                <a:cs typeface="Amazon Ember" panose="020B0603020204020204" pitchFamily="34" charset="0"/>
-              </a:rPr>
-              <a:t>)</a:t>
+              <a:rPr lang="en-US" sz="2400" dirty="0">
+                <a:solidFill>
+                  <a:schemeClr val="bg1"/>
+                </a:solidFill>
+                <a:latin typeface="Amazon Ember" panose="020B0603020204020204" pitchFamily="34" charset="0"/>
+                <a:ea typeface="Amazon Ember" panose="020B0603020204020204" pitchFamily="34" charset="0"/>
+                <a:cs typeface="Amazon Ember" panose="020B0603020204020204" pitchFamily="34" charset="0"/>
+              </a:rPr>
+              <a:t>Updating</a:t>
             </a:r>
           </a:p>
           <a:p>
@@ -13008,49 +13198,23 @@
               </a:lnSpc>
             </a:pPr>
             <a:r>
-              <a:rPr lang="en-US" dirty="0">
-                <a:solidFill>
-                  <a:schemeClr val="bg1"/>
-                </a:solidFill>
-                <a:latin typeface="Andale Mono" panose="020B0509000000000004" pitchFamily="49" charset="0"/>
-                <a:ea typeface="Amazon Ember" panose="020B0603020204020204" pitchFamily="34" charset="0"/>
-                <a:cs typeface="Amazon Ember" panose="020B0603020204020204" pitchFamily="34" charset="0"/>
-              </a:rPr>
-              <a:t>render</a:t>
-            </a:r>
-          </a:p>
-          <a:p>
-            <a:pPr>
-              <a:lnSpc>
-                <a:spcPct val="150000"/>
-              </a:lnSpc>
-            </a:pPr>
-            <a:r>
-              <a:rPr lang="en-US" dirty="0" err="1">
-                <a:solidFill>
-                  <a:schemeClr val="bg1"/>
-                </a:solidFill>
-                <a:latin typeface="Andale Mono" panose="020B0509000000000004" pitchFamily="49" charset="0"/>
-                <a:ea typeface="Amazon Ember" panose="020B0603020204020204" pitchFamily="34" charset="0"/>
-                <a:cs typeface="Amazon Ember" panose="020B0603020204020204" pitchFamily="34" charset="0"/>
-              </a:rPr>
-              <a:t>componentDidMount</a:t>
-            </a:r>
-            <a:endParaRPr lang="en-US" dirty="0">
-              <a:solidFill>
-                <a:schemeClr val="bg1"/>
-              </a:solidFill>
-              <a:latin typeface="Andale Mono" panose="020B0509000000000004" pitchFamily="49" charset="0"/>
-              <a:ea typeface="Amazon Ember" panose="020B0603020204020204" pitchFamily="34" charset="0"/>
-              <a:cs typeface="Amazon Ember" panose="020B0603020204020204" pitchFamily="34" charset="0"/>
-            </a:endParaRPr>
+              <a:rPr lang="en-US" sz="2400" dirty="0">
+                <a:solidFill>
+                  <a:schemeClr val="bg1"/>
+                </a:solidFill>
+                <a:latin typeface="Amazon Ember" panose="020B0603020204020204" pitchFamily="34" charset="0"/>
+                <a:ea typeface="Amazon Ember" panose="020B0603020204020204" pitchFamily="34" charset="0"/>
+                <a:cs typeface="Amazon Ember" panose="020B0603020204020204" pitchFamily="34" charset="0"/>
+              </a:rPr>
+              <a:t>Unmounting</a:t>
+            </a:r>
           </a:p>
         </p:txBody>
       </p:sp>
     </p:spTree>
     <p:extLst>
       <p:ext uri="{BB962C8B-B14F-4D97-AF65-F5344CB8AC3E}">
-        <p14:creationId xmlns:p14="http://schemas.microsoft.com/office/powerpoint/2010/main" val="4251936615"/>
+        <p14:creationId xmlns:p14="http://schemas.microsoft.com/office/powerpoint/2010/main" val="578742630"/>
       </p:ext>
     </p:extLst>
   </p:cSld>
@@ -13602,7 +13766,7 @@
                 <a:ea typeface="Amazon Ember" panose="020B0603020204020204" pitchFamily="34" charset="0"/>
                 <a:cs typeface="Amazon Ember" panose="020B0603020204020204" pitchFamily="34" charset="0"/>
               </a:rPr>
-              <a:t>Updating</a:t>
+              <a:t>Creation / Mounting</a:t>
             </a:r>
           </a:p>
         </p:txBody>
@@ -13621,8 +13785,8 @@
         </p:nvSpPr>
         <p:spPr>
           <a:xfrm>
-            <a:off x="336789" y="1704267"/>
-            <a:ext cx="7457615" cy="1894301"/>
+            <a:off x="336789" y="1943870"/>
+            <a:ext cx="7941100" cy="1703993"/>
           </a:xfrm>
           <a:prstGeom prst="rect">
             <a:avLst/>
@@ -13641,81 +13805,15 @@
               </a:lnSpc>
             </a:pPr>
             <a:r>
-              <a:rPr lang="en-US" sz="1600" dirty="0">
-                <a:solidFill>
-                  <a:schemeClr val="bg1"/>
-                </a:solidFill>
-                <a:latin typeface="Andale Mono" panose="020B0509000000000004" pitchFamily="49" charset="0"/>
-                <a:ea typeface="Amazon Ember" panose="020B0603020204020204" pitchFamily="34" charset="0"/>
-                <a:cs typeface="Amazon Ember" panose="020B0603020204020204" pitchFamily="34" charset="0"/>
-              </a:rPr>
-              <a:t>static </a:t>
-            </a:r>
-            <a:r>
-              <a:rPr lang="en-US" sz="1600" dirty="0" err="1">
-                <a:solidFill>
-                  <a:schemeClr val="bg1"/>
-                </a:solidFill>
-                <a:latin typeface="Andale Mono" panose="020B0509000000000004" pitchFamily="49" charset="0"/>
-                <a:ea typeface="Amazon Ember" panose="020B0603020204020204" pitchFamily="34" charset="0"/>
-                <a:cs typeface="Amazon Ember" panose="020B0603020204020204" pitchFamily="34" charset="0"/>
-              </a:rPr>
-              <a:t>getDerivedStateFromProps</a:t>
-            </a:r>
-            <a:r>
-              <a:rPr lang="en-US" sz="1600" dirty="0">
-                <a:solidFill>
-                  <a:schemeClr val="bg1"/>
-                </a:solidFill>
-                <a:latin typeface="Andale Mono" panose="020B0509000000000004" pitchFamily="49" charset="0"/>
-                <a:ea typeface="Amazon Ember" panose="020B0603020204020204" pitchFamily="34" charset="0"/>
-                <a:cs typeface="Amazon Ember" panose="020B0603020204020204" pitchFamily="34" charset="0"/>
-              </a:rPr>
-              <a:t>(</a:t>
-            </a:r>
-            <a:r>
-              <a:rPr lang="en-US" sz="1600" dirty="0" err="1">
-                <a:solidFill>
-                  <a:schemeClr val="bg1"/>
-                </a:solidFill>
-                <a:latin typeface="Andale Mono" panose="020B0509000000000004" pitchFamily="49" charset="0"/>
-                <a:ea typeface="Amazon Ember" panose="020B0603020204020204" pitchFamily="34" charset="0"/>
-                <a:cs typeface="Amazon Ember" panose="020B0603020204020204" pitchFamily="34" charset="0"/>
-              </a:rPr>
-              <a:t>nextProps</a:t>
-            </a:r>
-            <a:r>
-              <a:rPr lang="en-US" sz="1600" dirty="0">
-                <a:solidFill>
-                  <a:schemeClr val="bg1"/>
-                </a:solidFill>
-                <a:latin typeface="Andale Mono" panose="020B0509000000000004" pitchFamily="49" charset="0"/>
-                <a:ea typeface="Amazon Ember" panose="020B0603020204020204" pitchFamily="34" charset="0"/>
-                <a:cs typeface="Amazon Ember" panose="020B0603020204020204" pitchFamily="34" charset="0"/>
-              </a:rPr>
-              <a:t>, </a:t>
-            </a:r>
-            <a:r>
-              <a:rPr lang="en-US" sz="1600" dirty="0" err="1">
-                <a:solidFill>
-                  <a:schemeClr val="bg1"/>
-                </a:solidFill>
-                <a:latin typeface="Andale Mono" panose="020B0509000000000004" pitchFamily="49" charset="0"/>
-                <a:ea typeface="Amazon Ember" panose="020B0603020204020204" pitchFamily="34" charset="0"/>
-                <a:cs typeface="Amazon Ember" panose="020B0603020204020204" pitchFamily="34" charset="0"/>
-              </a:rPr>
-              <a:t>prevState</a:t>
-            </a:r>
-            <a:r>
-              <a:rPr lang="en-US" sz="1600" dirty="0">
-                <a:solidFill>
-                  <a:schemeClr val="bg1"/>
-                </a:solidFill>
-                <a:latin typeface="Andale Mono" panose="020B0509000000000004" pitchFamily="49" charset="0"/>
-                <a:ea typeface="Amazon Ember" panose="020B0603020204020204" pitchFamily="34" charset="0"/>
-                <a:cs typeface="Amazon Ember" panose="020B0603020204020204" pitchFamily="34" charset="0"/>
-              </a:rPr>
-              <a:t>)</a:t>
+              <a:rPr lang="en-US" dirty="0">
+                <a:solidFill>
+                  <a:schemeClr val="bg1"/>
+                </a:solidFill>
+                <a:latin typeface="Andale Mono" panose="020B0509000000000004" pitchFamily="49" charset="0"/>
+                <a:ea typeface="Amazon Ember" panose="020B0603020204020204" pitchFamily="34" charset="0"/>
+                <a:cs typeface="Amazon Ember" panose="020B0603020204020204" pitchFamily="34" charset="0"/>
+              </a:rPr>
+              <a:t>constructor</a:t>
             </a:r>
           </a:p>
           <a:p>
@@ -13725,18 +13823,29 @@
               </a:lnSpc>
             </a:pPr>
             <a:r>
-              <a:rPr lang="en-US" sz="1600" dirty="0" err="1">
-                <a:solidFill>
-                  <a:schemeClr val="bg1"/>
-                </a:solidFill>
-                <a:latin typeface="Andale Mono" panose="020B0509000000000004" pitchFamily="49" charset="0"/>
-                <a:ea typeface="Amazon Ember" panose="020B0603020204020204" pitchFamily="34" charset="0"/>
-                <a:cs typeface="Amazon Ember" panose="020B0603020204020204" pitchFamily="34" charset="0"/>
-              </a:rPr>
-              <a:t>shouldComponentUpdate</a:t>
-            </a:r>
-            <a:r>
-              <a:rPr lang="en-US" sz="1600" dirty="0">
+              <a:rPr lang="en-US" dirty="0">
+                <a:solidFill>
+                  <a:schemeClr val="bg1"/>
+                </a:solidFill>
+                <a:latin typeface="Andale Mono" panose="020B0509000000000004" pitchFamily="49" charset="0"/>
+                <a:ea typeface="Amazon Ember" panose="020B0603020204020204" pitchFamily="34" charset="0"/>
+                <a:cs typeface="Amazon Ember" panose="020B0603020204020204" pitchFamily="34" charset="0"/>
+              </a:rPr>
+              <a:t>static </a:t>
+            </a:r>
+            <a:r>
+              <a:rPr lang="en-US" dirty="0" err="1">
+                <a:solidFill>
+                  <a:schemeClr val="bg1"/>
+                </a:solidFill>
+                <a:latin typeface="Andale Mono" panose="020B0509000000000004" pitchFamily="49" charset="0"/>
+                <a:ea typeface="Amazon Ember" panose="020B0603020204020204" pitchFamily="34" charset="0"/>
+                <a:cs typeface="Amazon Ember" panose="020B0603020204020204" pitchFamily="34" charset="0"/>
+              </a:rPr>
+              <a:t>getDerivedStateFromProps</a:t>
+            </a:r>
+            <a:r>
+              <a:rPr lang="en-US" dirty="0">
                 <a:solidFill>
                   <a:schemeClr val="bg1"/>
                 </a:solidFill>
@@ -13747,7 +13856,7 @@
               <a:t>(</a:t>
             </a:r>
             <a:r>
-              <a:rPr lang="en-US" sz="1600" dirty="0" err="1">
+              <a:rPr lang="en-US" dirty="0" err="1">
                 <a:solidFill>
                   <a:schemeClr val="bg1"/>
                 </a:solidFill>
@@ -13758,7 +13867,7 @@
               <a:t>nextProps</a:t>
             </a:r>
             <a:r>
-              <a:rPr lang="en-US" sz="1600" dirty="0">
+              <a:rPr lang="en-US" dirty="0">
                 <a:solidFill>
                   <a:schemeClr val="bg1"/>
                 </a:solidFill>
@@ -13769,18 +13878,18 @@
               <a:t>, </a:t>
             </a:r>
             <a:r>
-              <a:rPr lang="en-US" sz="1600" dirty="0" err="1">
-                <a:solidFill>
-                  <a:schemeClr val="bg1"/>
-                </a:solidFill>
-                <a:latin typeface="Andale Mono" panose="020B0509000000000004" pitchFamily="49" charset="0"/>
-                <a:ea typeface="Amazon Ember" panose="020B0603020204020204" pitchFamily="34" charset="0"/>
-                <a:cs typeface="Amazon Ember" panose="020B0603020204020204" pitchFamily="34" charset="0"/>
-              </a:rPr>
-              <a:t>nextState</a:t>
-            </a:r>
-            <a:r>
-              <a:rPr lang="en-US" sz="1600" dirty="0">
+              <a:rPr lang="en-US" dirty="0" err="1">
+                <a:solidFill>
+                  <a:schemeClr val="bg1"/>
+                </a:solidFill>
+                <a:latin typeface="Andale Mono" panose="020B0509000000000004" pitchFamily="49" charset="0"/>
+                <a:ea typeface="Amazon Ember" panose="020B0603020204020204" pitchFamily="34" charset="0"/>
+                <a:cs typeface="Amazon Ember" panose="020B0603020204020204" pitchFamily="34" charset="0"/>
+              </a:rPr>
+              <a:t>prevState</a:t>
+            </a:r>
+            <a:r>
+              <a:rPr lang="en-US" dirty="0">
                 <a:solidFill>
                   <a:schemeClr val="bg1"/>
                 </a:solidFill>
@@ -13798,7 +13907,7 @@
               </a:lnSpc>
             </a:pPr>
             <a:r>
-              <a:rPr lang="en-US" sz="1600" dirty="0">
+              <a:rPr lang="en-US" dirty="0">
                 <a:solidFill>
                   <a:schemeClr val="bg1"/>
                 </a:solidFill>
@@ -13816,90 +13925,17 @@
               </a:lnSpc>
             </a:pPr>
             <a:r>
-              <a:rPr lang="en-US" sz="1600" dirty="0" err="1">
-                <a:solidFill>
-                  <a:schemeClr val="bg1"/>
-                </a:solidFill>
-                <a:latin typeface="Andale Mono" panose="020B0509000000000004" pitchFamily="49" charset="0"/>
-                <a:ea typeface="Amazon Ember" panose="020B0603020204020204" pitchFamily="34" charset="0"/>
-                <a:cs typeface="Amazon Ember" panose="020B0603020204020204" pitchFamily="34" charset="0"/>
-              </a:rPr>
-              <a:t>getSnapshotBeforeUpdate</a:t>
-            </a:r>
-            <a:r>
-              <a:rPr lang="en-US" sz="1600" dirty="0">
-                <a:solidFill>
-                  <a:schemeClr val="bg1"/>
-                </a:solidFill>
-                <a:latin typeface="Andale Mono" panose="020B0509000000000004" pitchFamily="49" charset="0"/>
-                <a:ea typeface="Amazon Ember" panose="020B0603020204020204" pitchFamily="34" charset="0"/>
-                <a:cs typeface="Amazon Ember" panose="020B0603020204020204" pitchFamily="34" charset="0"/>
-              </a:rPr>
-              <a:t>(</a:t>
-            </a:r>
-            <a:r>
-              <a:rPr lang="en-US" sz="1600" dirty="0" err="1">
-                <a:solidFill>
-                  <a:schemeClr val="bg1"/>
-                </a:solidFill>
-                <a:latin typeface="Andale Mono" panose="020B0509000000000004" pitchFamily="49" charset="0"/>
-                <a:ea typeface="Amazon Ember" panose="020B0603020204020204" pitchFamily="34" charset="0"/>
-                <a:cs typeface="Amazon Ember" panose="020B0603020204020204" pitchFamily="34" charset="0"/>
-              </a:rPr>
-              <a:t>prevProps</a:t>
-            </a:r>
-            <a:r>
-              <a:rPr lang="en-US" sz="1600" dirty="0">
-                <a:solidFill>
-                  <a:schemeClr val="bg1"/>
-                </a:solidFill>
-                <a:latin typeface="Andale Mono" panose="020B0509000000000004" pitchFamily="49" charset="0"/>
-                <a:ea typeface="Amazon Ember" panose="020B0603020204020204" pitchFamily="34" charset="0"/>
-                <a:cs typeface="Amazon Ember" panose="020B0603020204020204" pitchFamily="34" charset="0"/>
-              </a:rPr>
-              <a:t>, </a:t>
-            </a:r>
-            <a:r>
-              <a:rPr lang="en-US" sz="1600" dirty="0" err="1">
-                <a:solidFill>
-                  <a:schemeClr val="bg1"/>
-                </a:solidFill>
-                <a:latin typeface="Andale Mono" panose="020B0509000000000004" pitchFamily="49" charset="0"/>
-                <a:ea typeface="Amazon Ember" panose="020B0603020204020204" pitchFamily="34" charset="0"/>
-                <a:cs typeface="Amazon Ember" panose="020B0603020204020204" pitchFamily="34" charset="0"/>
-              </a:rPr>
-              <a:t>prevState</a:t>
-            </a:r>
-            <a:r>
-              <a:rPr lang="en-US" sz="1600" dirty="0">
-                <a:solidFill>
-                  <a:schemeClr val="bg1"/>
-                </a:solidFill>
-                <a:latin typeface="Andale Mono" panose="020B0509000000000004" pitchFamily="49" charset="0"/>
-                <a:ea typeface="Amazon Ember" panose="020B0603020204020204" pitchFamily="34" charset="0"/>
-                <a:cs typeface="Amazon Ember" panose="020B0603020204020204" pitchFamily="34" charset="0"/>
-              </a:rPr>
-              <a:t>)</a:t>
-            </a:r>
-          </a:p>
-          <a:p>
-            <a:pPr>
-              <a:lnSpc>
-                <a:spcPct val="150000"/>
-              </a:lnSpc>
-            </a:pPr>
-            <a:r>
-              <a:rPr lang="en-US" sz="1600" dirty="0" err="1">
-                <a:solidFill>
-                  <a:schemeClr val="bg1"/>
-                </a:solidFill>
-                <a:latin typeface="Andale Mono" panose="020B0509000000000004" pitchFamily="49" charset="0"/>
-                <a:ea typeface="Amazon Ember" panose="020B0603020204020204" pitchFamily="34" charset="0"/>
-                <a:cs typeface="Amazon Ember" panose="020B0603020204020204" pitchFamily="34" charset="0"/>
-              </a:rPr>
-              <a:t>componentDidUpdate</a:t>
-            </a:r>
-            <a:endParaRPr lang="en-US" sz="1600" dirty="0">
+              <a:rPr lang="en-US" dirty="0" err="1">
+                <a:solidFill>
+                  <a:schemeClr val="bg1"/>
+                </a:solidFill>
+                <a:latin typeface="Andale Mono" panose="020B0509000000000004" pitchFamily="49" charset="0"/>
+                <a:ea typeface="Amazon Ember" panose="020B0603020204020204" pitchFamily="34" charset="0"/>
+                <a:cs typeface="Amazon Ember" panose="020B0603020204020204" pitchFamily="34" charset="0"/>
+              </a:rPr>
+              <a:t>componentDidMount</a:t>
+            </a:r>
+            <a:endParaRPr lang="en-US" dirty="0">
               <a:solidFill>
                 <a:schemeClr val="bg1"/>
               </a:solidFill>
@@ -13913,7 +13949,7 @@
     </p:spTree>
     <p:extLst>
       <p:ext uri="{BB962C8B-B14F-4D97-AF65-F5344CB8AC3E}">
-        <p14:creationId xmlns:p14="http://schemas.microsoft.com/office/powerpoint/2010/main" val="1811164604"/>
+        <p14:creationId xmlns:p14="http://schemas.microsoft.com/office/powerpoint/2010/main" val="4251936615"/>
       </p:ext>
     </p:extLst>
   </p:cSld>
@@ -14005,7 +14041,7 @@
                 <a:ea typeface="Amazon Ember" panose="020B0603020204020204" pitchFamily="34" charset="0"/>
                 <a:cs typeface="Amazon Ember" panose="020B0603020204020204" pitchFamily="34" charset="0"/>
               </a:rPr>
-              <a:t>Unmounting</a:t>
+              <a:t>Updating</a:t>
             </a:r>
           </a:p>
         </p:txBody>
@@ -14024,8 +14060,8 @@
         </p:nvSpPr>
         <p:spPr>
           <a:xfrm>
-            <a:off x="336789" y="2344836"/>
-            <a:ext cx="6303003" cy="466025"/>
+            <a:off x="336789" y="1704267"/>
+            <a:ext cx="7457615" cy="1894301"/>
           </a:xfrm>
           <a:prstGeom prst="rect">
             <a:avLst/>
@@ -14044,21 +14080,269 @@
               </a:lnSpc>
             </a:pPr>
             <a:r>
-              <a:rPr lang="en-US" dirty="0" err="1">
-                <a:solidFill>
-                  <a:schemeClr val="bg1"/>
-                </a:solidFill>
-                <a:latin typeface="Amazon Ember" panose="020B0603020204020204" pitchFamily="34" charset="0"/>
-                <a:ea typeface="Amazon Ember" panose="020B0603020204020204" pitchFamily="34" charset="0"/>
-                <a:cs typeface="Amazon Ember" panose="020B0603020204020204" pitchFamily="34" charset="0"/>
-              </a:rPr>
-              <a:t>componentWillUnmount</a:t>
-            </a:r>
-            <a:endParaRPr lang="en-US" dirty="0">
+              <a:rPr lang="en-US" sz="1600" dirty="0">
+                <a:solidFill>
+                  <a:schemeClr val="bg1"/>
+                </a:solidFill>
+                <a:latin typeface="Andale Mono" panose="020B0509000000000004" pitchFamily="49" charset="0"/>
+                <a:ea typeface="Amazon Ember" panose="020B0603020204020204" pitchFamily="34" charset="0"/>
+                <a:cs typeface="Amazon Ember" panose="020B0603020204020204" pitchFamily="34" charset="0"/>
+              </a:rPr>
+              <a:t>static </a:t>
+            </a:r>
+            <a:r>
+              <a:rPr lang="en-US" sz="1600" dirty="0" err="1">
+                <a:solidFill>
+                  <a:schemeClr val="bg1"/>
+                </a:solidFill>
+                <a:latin typeface="Andale Mono" panose="020B0509000000000004" pitchFamily="49" charset="0"/>
+                <a:ea typeface="Amazon Ember" panose="020B0603020204020204" pitchFamily="34" charset="0"/>
+                <a:cs typeface="Amazon Ember" panose="020B0603020204020204" pitchFamily="34" charset="0"/>
+              </a:rPr>
+              <a:t>getDerivedStateFromProps</a:t>
+            </a:r>
+            <a:r>
+              <a:rPr lang="en-US" sz="1600" dirty="0">
+                <a:solidFill>
+                  <a:schemeClr val="bg1"/>
+                </a:solidFill>
+                <a:latin typeface="Andale Mono" panose="020B0509000000000004" pitchFamily="49" charset="0"/>
+                <a:ea typeface="Amazon Ember" panose="020B0603020204020204" pitchFamily="34" charset="0"/>
+                <a:cs typeface="Amazon Ember" panose="020B0603020204020204" pitchFamily="34" charset="0"/>
+              </a:rPr>
+              <a:t>(</a:t>
+            </a:r>
+            <a:r>
+              <a:rPr lang="en-US" sz="1600" dirty="0" err="1">
+                <a:solidFill>
+                  <a:schemeClr val="bg1"/>
+                </a:solidFill>
+                <a:latin typeface="Andale Mono" panose="020B0509000000000004" pitchFamily="49" charset="0"/>
+                <a:ea typeface="Amazon Ember" panose="020B0603020204020204" pitchFamily="34" charset="0"/>
+                <a:cs typeface="Amazon Ember" panose="020B0603020204020204" pitchFamily="34" charset="0"/>
+              </a:rPr>
+              <a:t>nextProps</a:t>
+            </a:r>
+            <a:r>
+              <a:rPr lang="en-US" sz="1600" dirty="0">
+                <a:solidFill>
+                  <a:schemeClr val="bg1"/>
+                </a:solidFill>
+                <a:latin typeface="Andale Mono" panose="020B0509000000000004" pitchFamily="49" charset="0"/>
+                <a:ea typeface="Amazon Ember" panose="020B0603020204020204" pitchFamily="34" charset="0"/>
+                <a:cs typeface="Amazon Ember" panose="020B0603020204020204" pitchFamily="34" charset="0"/>
+              </a:rPr>
+              <a:t>, </a:t>
+            </a:r>
+            <a:r>
+              <a:rPr lang="en-US" sz="1600" dirty="0" err="1">
+                <a:solidFill>
+                  <a:schemeClr val="bg1"/>
+                </a:solidFill>
+                <a:latin typeface="Andale Mono" panose="020B0509000000000004" pitchFamily="49" charset="0"/>
+                <a:ea typeface="Amazon Ember" panose="020B0603020204020204" pitchFamily="34" charset="0"/>
+                <a:cs typeface="Amazon Ember" panose="020B0603020204020204" pitchFamily="34" charset="0"/>
+              </a:rPr>
+              <a:t>prevState</a:t>
+            </a:r>
+            <a:r>
+              <a:rPr lang="en-US" sz="1600" dirty="0">
+                <a:solidFill>
+                  <a:schemeClr val="bg1"/>
+                </a:solidFill>
+                <a:latin typeface="Andale Mono" panose="020B0509000000000004" pitchFamily="49" charset="0"/>
+                <a:ea typeface="Amazon Ember" panose="020B0603020204020204" pitchFamily="34" charset="0"/>
+                <a:cs typeface="Amazon Ember" panose="020B0603020204020204" pitchFamily="34" charset="0"/>
+              </a:rPr>
+              <a:t>)</a:t>
+            </a:r>
+          </a:p>
+          <a:p>
+            <a:pPr>
+              <a:lnSpc>
+                <a:spcPct val="150000"/>
+              </a:lnSpc>
+            </a:pPr>
+            <a:r>
+              <a:rPr lang="en-US" sz="1600" dirty="0" err="1">
+                <a:solidFill>
+                  <a:schemeClr val="bg1"/>
+                </a:solidFill>
+                <a:latin typeface="Andale Mono" panose="020B0509000000000004" pitchFamily="49" charset="0"/>
+                <a:ea typeface="Amazon Ember" panose="020B0603020204020204" pitchFamily="34" charset="0"/>
+                <a:cs typeface="Amazon Ember" panose="020B0603020204020204" pitchFamily="34" charset="0"/>
+              </a:rPr>
+              <a:t>shouldComponentUpdate</a:t>
+            </a:r>
+            <a:r>
+              <a:rPr lang="en-US" sz="1600" dirty="0">
+                <a:solidFill>
+                  <a:schemeClr val="bg1"/>
+                </a:solidFill>
+                <a:latin typeface="Andale Mono" panose="020B0509000000000004" pitchFamily="49" charset="0"/>
+                <a:ea typeface="Amazon Ember" panose="020B0603020204020204" pitchFamily="34" charset="0"/>
+                <a:cs typeface="Amazon Ember" panose="020B0603020204020204" pitchFamily="34" charset="0"/>
+              </a:rPr>
+              <a:t>(</a:t>
+            </a:r>
+            <a:r>
+              <a:rPr lang="en-US" sz="1600" dirty="0" err="1">
+                <a:solidFill>
+                  <a:schemeClr val="bg1"/>
+                </a:solidFill>
+                <a:latin typeface="Andale Mono" panose="020B0509000000000004" pitchFamily="49" charset="0"/>
+                <a:ea typeface="Amazon Ember" panose="020B0603020204020204" pitchFamily="34" charset="0"/>
+                <a:cs typeface="Amazon Ember" panose="020B0603020204020204" pitchFamily="34" charset="0"/>
+              </a:rPr>
+              <a:t>nextProps</a:t>
+            </a:r>
+            <a:r>
+              <a:rPr lang="en-US" sz="1600" dirty="0">
+                <a:solidFill>
+                  <a:schemeClr val="bg1"/>
+                </a:solidFill>
+                <a:latin typeface="Andale Mono" panose="020B0509000000000004" pitchFamily="49" charset="0"/>
+                <a:ea typeface="Amazon Ember" panose="020B0603020204020204" pitchFamily="34" charset="0"/>
+                <a:cs typeface="Amazon Ember" panose="020B0603020204020204" pitchFamily="34" charset="0"/>
+              </a:rPr>
+              <a:t>, </a:t>
+            </a:r>
+            <a:r>
+              <a:rPr lang="en-US" sz="1600" dirty="0" err="1">
+                <a:solidFill>
+                  <a:schemeClr val="bg1"/>
+                </a:solidFill>
+                <a:latin typeface="Andale Mono" panose="020B0509000000000004" pitchFamily="49" charset="0"/>
+                <a:ea typeface="Amazon Ember" panose="020B0603020204020204" pitchFamily="34" charset="0"/>
+                <a:cs typeface="Amazon Ember" panose="020B0603020204020204" pitchFamily="34" charset="0"/>
+              </a:rPr>
+              <a:t>nextState</a:t>
+            </a:r>
+            <a:r>
+              <a:rPr lang="en-US" sz="1600" dirty="0">
+                <a:solidFill>
+                  <a:schemeClr val="bg1"/>
+                </a:solidFill>
+                <a:latin typeface="Andale Mono" panose="020B0509000000000004" pitchFamily="49" charset="0"/>
+                <a:ea typeface="Amazon Ember" panose="020B0603020204020204" pitchFamily="34" charset="0"/>
+                <a:cs typeface="Amazon Ember" panose="020B0603020204020204" pitchFamily="34" charset="0"/>
+              </a:rPr>
+              <a:t>)</a:t>
+            </a:r>
+          </a:p>
+          <a:p>
+            <a:pPr>
+              <a:lnSpc>
+                <a:spcPct val="150000"/>
+              </a:lnSpc>
+            </a:pPr>
+            <a:r>
+              <a:rPr lang="en-US" sz="1600" dirty="0">
+                <a:solidFill>
+                  <a:schemeClr val="bg1"/>
+                </a:solidFill>
+                <a:latin typeface="Andale Mono" panose="020B0509000000000004" pitchFamily="49" charset="0"/>
+                <a:ea typeface="Amazon Ember" panose="020B0603020204020204" pitchFamily="34" charset="0"/>
+                <a:cs typeface="Amazon Ember" panose="020B0603020204020204" pitchFamily="34" charset="0"/>
+              </a:rPr>
+              <a:t>render</a:t>
+            </a:r>
+          </a:p>
+          <a:p>
+            <a:pPr>
+              <a:lnSpc>
+                <a:spcPct val="150000"/>
+              </a:lnSpc>
+            </a:pPr>
+            <a:r>
+              <a:rPr lang="en-US" sz="1600" dirty="0" err="1">
+                <a:solidFill>
+                  <a:schemeClr val="bg1"/>
+                </a:solidFill>
+                <a:latin typeface="Andale Mono" panose="020B0509000000000004" pitchFamily="49" charset="0"/>
+                <a:ea typeface="Amazon Ember" panose="020B0603020204020204" pitchFamily="34" charset="0"/>
+                <a:cs typeface="Amazon Ember" panose="020B0603020204020204" pitchFamily="34" charset="0"/>
+              </a:rPr>
+              <a:t>getSnapshotBeforeUpdate</a:t>
+            </a:r>
+            <a:r>
+              <a:rPr lang="en-US" sz="1600" dirty="0">
+                <a:solidFill>
+                  <a:schemeClr val="bg1"/>
+                </a:solidFill>
+                <a:latin typeface="Andale Mono" panose="020B0509000000000004" pitchFamily="49" charset="0"/>
+                <a:ea typeface="Amazon Ember" panose="020B0603020204020204" pitchFamily="34" charset="0"/>
+                <a:cs typeface="Amazon Ember" panose="020B0603020204020204" pitchFamily="34" charset="0"/>
+              </a:rPr>
+              <a:t>(</a:t>
+            </a:r>
+            <a:r>
+              <a:rPr lang="en-US" sz="1600" dirty="0" err="1">
+                <a:solidFill>
+                  <a:schemeClr val="bg1"/>
+                </a:solidFill>
+                <a:latin typeface="Andale Mono" panose="020B0509000000000004" pitchFamily="49" charset="0"/>
+                <a:ea typeface="Amazon Ember" panose="020B0603020204020204" pitchFamily="34" charset="0"/>
+                <a:cs typeface="Amazon Ember" panose="020B0603020204020204" pitchFamily="34" charset="0"/>
+              </a:rPr>
+              <a:t>prevProps</a:t>
+            </a:r>
+            <a:r>
+              <a:rPr lang="en-US" sz="1600" dirty="0">
+                <a:solidFill>
+                  <a:schemeClr val="bg1"/>
+                </a:solidFill>
+                <a:latin typeface="Andale Mono" panose="020B0509000000000004" pitchFamily="49" charset="0"/>
+                <a:ea typeface="Amazon Ember" panose="020B0603020204020204" pitchFamily="34" charset="0"/>
+                <a:cs typeface="Amazon Ember" panose="020B0603020204020204" pitchFamily="34" charset="0"/>
+              </a:rPr>
+              <a:t>, </a:t>
+            </a:r>
+            <a:r>
+              <a:rPr lang="en-US" sz="1600" dirty="0" err="1">
+                <a:solidFill>
+                  <a:schemeClr val="bg1"/>
+                </a:solidFill>
+                <a:latin typeface="Andale Mono" panose="020B0509000000000004" pitchFamily="49" charset="0"/>
+                <a:ea typeface="Amazon Ember" panose="020B0603020204020204" pitchFamily="34" charset="0"/>
+                <a:cs typeface="Amazon Ember" panose="020B0603020204020204" pitchFamily="34" charset="0"/>
+              </a:rPr>
+              <a:t>prevState</a:t>
+            </a:r>
+            <a:r>
+              <a:rPr lang="en-US" sz="1600" dirty="0">
+                <a:solidFill>
+                  <a:schemeClr val="bg1"/>
+                </a:solidFill>
+                <a:latin typeface="Andale Mono" panose="020B0509000000000004" pitchFamily="49" charset="0"/>
+                <a:ea typeface="Amazon Ember" panose="020B0603020204020204" pitchFamily="34" charset="0"/>
+                <a:cs typeface="Amazon Ember" panose="020B0603020204020204" pitchFamily="34" charset="0"/>
+              </a:rPr>
+              <a:t>)</a:t>
+            </a:r>
+          </a:p>
+          <a:p>
+            <a:pPr>
+              <a:lnSpc>
+                <a:spcPct val="150000"/>
+              </a:lnSpc>
+            </a:pPr>
+            <a:r>
+              <a:rPr lang="en-US" sz="1600" dirty="0" err="1">
+                <a:solidFill>
+                  <a:schemeClr val="bg1"/>
+                </a:solidFill>
+                <a:latin typeface="Andale Mono" panose="020B0509000000000004" pitchFamily="49" charset="0"/>
+                <a:ea typeface="Amazon Ember" panose="020B0603020204020204" pitchFamily="34" charset="0"/>
+                <a:cs typeface="Amazon Ember" panose="020B0603020204020204" pitchFamily="34" charset="0"/>
+              </a:rPr>
+              <a:t>componentDidUpdate</a:t>
+            </a:r>
+            <a:endParaRPr lang="en-US" sz="1600" dirty="0">
               <a:solidFill>
                 <a:schemeClr val="bg1"/>
               </a:solidFill>
-              <a:latin typeface="Amazon Ember" panose="020B0603020204020204" pitchFamily="34" charset="0"/>
+              <a:latin typeface="Andale Mono" panose="020B0509000000000004" pitchFamily="49" charset="0"/>
               <a:ea typeface="Amazon Ember" panose="020B0603020204020204" pitchFamily="34" charset="0"/>
               <a:cs typeface="Amazon Ember" panose="020B0603020204020204" pitchFamily="34" charset="0"/>
             </a:endParaRPr>
@@ -14068,7 +14352,7 @@
     </p:spTree>
     <p:extLst>
       <p:ext uri="{BB962C8B-B14F-4D97-AF65-F5344CB8AC3E}">
-        <p14:creationId xmlns:p14="http://schemas.microsoft.com/office/powerpoint/2010/main" val="160329611"/>
+        <p14:creationId xmlns:p14="http://schemas.microsoft.com/office/powerpoint/2010/main" val="1811164604"/>
       </p:ext>
     </p:extLst>
   </p:cSld>
@@ -14160,17 +14444,17 @@
                 <a:ea typeface="Amazon Ember" panose="020B0603020204020204" pitchFamily="34" charset="0"/>
                 <a:cs typeface="Amazon Ember" panose="020B0603020204020204" pitchFamily="34" charset="0"/>
               </a:rPr>
-              <a:t>Lifecycle</a:t>
-            </a:r>
-          </a:p>
-        </p:txBody>
-      </p:sp>
-      <p:sp>
-        <p:nvSpPr>
-          <p:cNvPr id="6" name="TextBox 5">
+              <a:t>Unmounting</a:t>
+            </a:r>
+          </a:p>
+        </p:txBody>
+      </p:sp>
+      <p:sp>
+        <p:nvSpPr>
+          <p:cNvPr id="3" name="TextBox 2">
             <a:extLst>
               <a:ext uri="{FF2B5EF4-FFF2-40B4-BE49-F238E27FC236}">
-                <a16:creationId xmlns:a16="http://schemas.microsoft.com/office/drawing/2014/main" id="{73D231B0-CE90-0448-9EE3-39E916539CFB}"/>
+                <a16:creationId xmlns:a16="http://schemas.microsoft.com/office/drawing/2014/main" id="{7E0294DA-BFA0-8E4F-9C98-D17FEDC4FA64}"/>
               </a:ext>
             </a:extLst>
           </p:cNvPr>
@@ -14179,8 +14463,8 @@
         </p:nvSpPr>
         <p:spPr>
           <a:xfrm>
-            <a:off x="336943" y="1264711"/>
-            <a:ext cx="8205150" cy="3046988"/>
+            <a:off x="336789" y="2344836"/>
+            <a:ext cx="6303003" cy="466025"/>
           </a:xfrm>
           <a:prstGeom prst="rect">
             <a:avLst/>
@@ -14193,706 +14477,37 @@
           </a:bodyPr>
           <a:lstStyle/>
           <a:p>
-            <a:r>
-              <a:rPr lang="en-US" sz="1200" dirty="0">
-                <a:solidFill>
-                  <a:srgbClr val="F8991C"/>
-                </a:solidFill>
-                <a:latin typeface="Andale Mono" panose="020B0509000000000004" pitchFamily="49" charset="0"/>
-                <a:ea typeface="Amazon Ember" panose="020B0603020204020204" pitchFamily="34" charset="0"/>
-                <a:cs typeface="Amazon Ember" panose="020B0603020204020204" pitchFamily="34" charset="0"/>
-              </a:rPr>
-              <a:t>class</a:t>
-            </a:r>
-            <a:r>
-              <a:rPr lang="en-US" sz="1200" dirty="0">
-                <a:solidFill>
-                  <a:schemeClr val="bg1"/>
-                </a:solidFill>
-                <a:latin typeface="Andale Mono" panose="020B0509000000000004" pitchFamily="49" charset="0"/>
-                <a:ea typeface="Amazon Ember" panose="020B0603020204020204" pitchFamily="34" charset="0"/>
-                <a:cs typeface="Amazon Ember" panose="020B0603020204020204" pitchFamily="34" charset="0"/>
-              </a:rPr>
-              <a:t> </a:t>
-            </a:r>
-            <a:r>
-              <a:rPr lang="en-US" sz="1200" dirty="0" err="1">
-                <a:solidFill>
-                  <a:srgbClr val="00B0F0"/>
-                </a:solidFill>
-                <a:latin typeface="Andale Mono" panose="020B0509000000000004" pitchFamily="49" charset="0"/>
-                <a:ea typeface="Amazon Ember" panose="020B0603020204020204" pitchFamily="34" charset="0"/>
-                <a:cs typeface="Amazon Ember" panose="020B0603020204020204" pitchFamily="34" charset="0"/>
-              </a:rPr>
-              <a:t>MyComponent</a:t>
-            </a:r>
-            <a:r>
-              <a:rPr lang="en-US" sz="1200" dirty="0">
-                <a:solidFill>
-                  <a:schemeClr val="bg1"/>
-                </a:solidFill>
-                <a:latin typeface="Andale Mono" panose="020B0509000000000004" pitchFamily="49" charset="0"/>
-                <a:ea typeface="Amazon Ember" panose="020B0603020204020204" pitchFamily="34" charset="0"/>
-                <a:cs typeface="Amazon Ember" panose="020B0603020204020204" pitchFamily="34" charset="0"/>
-              </a:rPr>
-              <a:t> </a:t>
-            </a:r>
-            <a:r>
-              <a:rPr lang="en-US" sz="1200" dirty="0">
-                <a:solidFill>
-                  <a:srgbClr val="F8991C"/>
-                </a:solidFill>
-                <a:latin typeface="Andale Mono" panose="020B0509000000000004" pitchFamily="49" charset="0"/>
-                <a:ea typeface="Amazon Ember" panose="020B0603020204020204" pitchFamily="34" charset="0"/>
-                <a:cs typeface="Amazon Ember" panose="020B0603020204020204" pitchFamily="34" charset="0"/>
-              </a:rPr>
-              <a:t>extends</a:t>
-            </a:r>
-            <a:r>
-              <a:rPr lang="en-US" sz="1200" dirty="0">
-                <a:solidFill>
-                  <a:schemeClr val="bg1"/>
-                </a:solidFill>
-                <a:latin typeface="Andale Mono" panose="020B0509000000000004" pitchFamily="49" charset="0"/>
-                <a:ea typeface="Amazon Ember" panose="020B0603020204020204" pitchFamily="34" charset="0"/>
-                <a:cs typeface="Amazon Ember" panose="020B0603020204020204" pitchFamily="34" charset="0"/>
-              </a:rPr>
-              <a:t> </a:t>
-            </a:r>
-            <a:r>
-              <a:rPr lang="en-US" sz="1200" dirty="0" err="1">
-                <a:solidFill>
-                  <a:srgbClr val="00B0F0"/>
-                </a:solidFill>
-                <a:latin typeface="Andale Mono" panose="020B0509000000000004" pitchFamily="49" charset="0"/>
-                <a:ea typeface="Amazon Ember" panose="020B0603020204020204" pitchFamily="34" charset="0"/>
-                <a:cs typeface="Amazon Ember" panose="020B0603020204020204" pitchFamily="34" charset="0"/>
-              </a:rPr>
-              <a:t>React.</a:t>
-            </a:r>
-            <a:r>
-              <a:rPr lang="en-US" sz="1200" dirty="0" err="1">
-                <a:solidFill>
-                  <a:srgbClr val="92D050"/>
-                </a:solidFill>
-                <a:latin typeface="Andale Mono" panose="020B0509000000000004" pitchFamily="49" charset="0"/>
-                <a:ea typeface="Amazon Ember" panose="020B0603020204020204" pitchFamily="34" charset="0"/>
-                <a:cs typeface="Amazon Ember" panose="020B0603020204020204" pitchFamily="34" charset="0"/>
-              </a:rPr>
-              <a:t>Component</a:t>
-            </a:r>
-            <a:r>
-              <a:rPr lang="en-US" sz="1200" dirty="0">
-                <a:solidFill>
-                  <a:srgbClr val="F8991C"/>
-                </a:solidFill>
-                <a:latin typeface="Andale Mono" panose="020B0509000000000004" pitchFamily="49" charset="0"/>
-                <a:ea typeface="Amazon Ember" panose="020B0603020204020204" pitchFamily="34" charset="0"/>
-                <a:cs typeface="Amazon Ember" panose="020B0603020204020204" pitchFamily="34" charset="0"/>
-              </a:rPr>
-              <a:t> {</a:t>
-            </a:r>
-          </a:p>
-          <a:p>
-            <a:r>
-              <a:rPr lang="en-US" sz="1200" dirty="0">
-                <a:latin typeface="Andale Mono" panose="020B0509000000000004" pitchFamily="49" charset="0"/>
-              </a:rPr>
-              <a:t>  </a:t>
-            </a:r>
-            <a:r>
-              <a:rPr lang="en-US" sz="1200" dirty="0">
-                <a:solidFill>
-                  <a:srgbClr val="00B0F0"/>
-                </a:solidFill>
-                <a:latin typeface="Andale Mono" panose="020B0509000000000004" pitchFamily="49" charset="0"/>
-              </a:rPr>
-              <a:t>constructor</a:t>
-            </a:r>
-            <a:r>
-              <a:rPr lang="en-US" sz="1200" dirty="0">
-                <a:solidFill>
-                  <a:srgbClr val="92D050"/>
-                </a:solidFill>
-                <a:latin typeface="Andale Mono" panose="020B0509000000000004" pitchFamily="49" charset="0"/>
-              </a:rPr>
-              <a:t>()</a:t>
-            </a:r>
-            <a:r>
-              <a:rPr lang="en-US" sz="1200" dirty="0">
-                <a:latin typeface="Andale Mono" panose="020B0509000000000004" pitchFamily="49" charset="0"/>
-              </a:rPr>
-              <a:t> </a:t>
-            </a:r>
-            <a:r>
-              <a:rPr lang="en-US" sz="1200" dirty="0">
-                <a:solidFill>
-                  <a:schemeClr val="bg1"/>
-                </a:solidFill>
-                <a:latin typeface="Andale Mono" panose="020B0509000000000004" pitchFamily="49" charset="0"/>
-              </a:rPr>
-              <a:t>{ // 1</a:t>
-            </a:r>
-          </a:p>
-          <a:p>
-            <a:r>
-              <a:rPr lang="en-US" sz="1200" dirty="0">
-                <a:latin typeface="Andale Mono" panose="020B0509000000000004" pitchFamily="49" charset="0"/>
-              </a:rPr>
-              <a:t>    </a:t>
-            </a:r>
-            <a:r>
-              <a:rPr lang="en-US" sz="1200" dirty="0">
-                <a:solidFill>
-                  <a:srgbClr val="F8991C"/>
-                </a:solidFill>
-                <a:latin typeface="Andale Mono" panose="020B0509000000000004" pitchFamily="49" charset="0"/>
-              </a:rPr>
-              <a:t>super</a:t>
-            </a:r>
-            <a:r>
-              <a:rPr lang="en-US" sz="1200" dirty="0">
-                <a:solidFill>
-                  <a:schemeClr val="bg1"/>
-                </a:solidFill>
-                <a:latin typeface="Andale Mono" panose="020B0509000000000004" pitchFamily="49" charset="0"/>
-              </a:rPr>
-              <a:t>()</a:t>
-            </a:r>
-          </a:p>
-          <a:p>
-            <a:r>
-              <a:rPr lang="en-US" sz="1200" dirty="0">
-                <a:latin typeface="Andale Mono" panose="020B0509000000000004" pitchFamily="49" charset="0"/>
-              </a:rPr>
-              <a:t>    </a:t>
-            </a:r>
-            <a:r>
-              <a:rPr lang="en-US" sz="1200" dirty="0" err="1">
-                <a:solidFill>
-                  <a:srgbClr val="F8991C"/>
-                </a:solidFill>
-                <a:latin typeface="Andale Mono" panose="020B0509000000000004" pitchFamily="49" charset="0"/>
-              </a:rPr>
-              <a:t>this.</a:t>
-            </a:r>
-            <a:r>
-              <a:rPr lang="en-US" sz="1200" dirty="0" err="1">
-                <a:solidFill>
-                  <a:srgbClr val="00B0F0"/>
-                </a:solidFill>
-                <a:latin typeface="Andale Mono" panose="020B0509000000000004" pitchFamily="49" charset="0"/>
-              </a:rPr>
-              <a:t>name</a:t>
-            </a:r>
-            <a:r>
-              <a:rPr lang="en-US" sz="1200" dirty="0">
-                <a:latin typeface="Andale Mono" panose="020B0509000000000004" pitchFamily="49" charset="0"/>
-              </a:rPr>
-              <a:t> </a:t>
-            </a:r>
-            <a:r>
-              <a:rPr lang="en-US" sz="1200" dirty="0">
-                <a:solidFill>
-                  <a:srgbClr val="F8991C"/>
-                </a:solidFill>
-                <a:latin typeface="Andale Mono" panose="020B0509000000000004" pitchFamily="49" charset="0"/>
-              </a:rPr>
-              <a:t>=</a:t>
-            </a:r>
-            <a:r>
-              <a:rPr lang="en-US" sz="1200" dirty="0">
-                <a:latin typeface="Andale Mono" panose="020B0509000000000004" pitchFamily="49" charset="0"/>
-              </a:rPr>
-              <a:t> </a:t>
-            </a:r>
-            <a:r>
-              <a:rPr lang="en-US" sz="1200" dirty="0">
-                <a:solidFill>
-                  <a:srgbClr val="92D050"/>
-                </a:solidFill>
-                <a:latin typeface="Andale Mono" panose="020B0509000000000004" pitchFamily="49" charset="0"/>
-              </a:rPr>
-              <a:t>'My Cool Component’</a:t>
-            </a:r>
-          </a:p>
-          <a:p>
-            <a:r>
-              <a:rPr lang="en-US" sz="1200" dirty="0">
-                <a:latin typeface="Andale Mono" panose="020B0509000000000004" pitchFamily="49" charset="0"/>
-              </a:rPr>
-              <a:t>  </a:t>
-            </a:r>
-            <a:r>
-              <a:rPr lang="en-US" sz="1200" dirty="0">
-                <a:solidFill>
-                  <a:schemeClr val="bg1"/>
-                </a:solidFill>
-                <a:latin typeface="Andale Mono" panose="020B0509000000000004" pitchFamily="49" charset="0"/>
-              </a:rPr>
-              <a:t>}</a:t>
-            </a:r>
-          </a:p>
-          <a:p>
-            <a:endParaRPr lang="en-US" sz="1200" dirty="0">
+            <a:pPr>
+              <a:lnSpc>
+                <a:spcPct val="150000"/>
+              </a:lnSpc>
+            </a:pPr>
+            <a:r>
+              <a:rPr lang="en-US" dirty="0" err="1">
+                <a:solidFill>
+                  <a:schemeClr val="bg1"/>
+                </a:solidFill>
+                <a:latin typeface="Amazon Ember" panose="020B0603020204020204" pitchFamily="34" charset="0"/>
+                <a:ea typeface="Amazon Ember" panose="020B0603020204020204" pitchFamily="34" charset="0"/>
+                <a:cs typeface="Amazon Ember" panose="020B0603020204020204" pitchFamily="34" charset="0"/>
+              </a:rPr>
+              <a:t>componentWillUnmount</a:t>
+            </a:r>
+            <a:endParaRPr lang="en-US" dirty="0">
               <a:solidFill>
                 <a:schemeClr val="bg1"/>
               </a:solidFill>
-              <a:latin typeface="Andale Mono" panose="020B0509000000000004" pitchFamily="49" charset="0"/>
-            </a:endParaRPr>
-          </a:p>
-          <a:p>
-            <a:r>
-              <a:rPr lang="en-US" sz="1200" dirty="0">
-                <a:solidFill>
-                  <a:schemeClr val="bg1"/>
-                </a:solidFill>
-                <a:latin typeface="Andale Mono" panose="020B0509000000000004" pitchFamily="49" charset="0"/>
-                <a:ea typeface="Amazon Ember" panose="020B0603020204020204" pitchFamily="34" charset="0"/>
-                <a:cs typeface="Amazon Ember" panose="020B0603020204020204" pitchFamily="34" charset="0"/>
-              </a:rPr>
-              <a:t>  </a:t>
-            </a:r>
-            <a:r>
-              <a:rPr lang="en-US" sz="1200" dirty="0">
-                <a:solidFill>
-                  <a:srgbClr val="F8991C"/>
-                </a:solidFill>
-                <a:latin typeface="Andale Mono" panose="020B0509000000000004" pitchFamily="49" charset="0"/>
-                <a:ea typeface="Amazon Ember" panose="020B0603020204020204" pitchFamily="34" charset="0"/>
-                <a:cs typeface="Amazon Ember" panose="020B0603020204020204" pitchFamily="34" charset="0"/>
-              </a:rPr>
-              <a:t>static</a:t>
-            </a:r>
-            <a:r>
-              <a:rPr lang="en-US" sz="1200" dirty="0">
-                <a:solidFill>
-                  <a:schemeClr val="bg1"/>
-                </a:solidFill>
-                <a:latin typeface="Andale Mono" panose="020B0509000000000004" pitchFamily="49" charset="0"/>
-                <a:ea typeface="Amazon Ember" panose="020B0603020204020204" pitchFamily="34" charset="0"/>
-                <a:cs typeface="Amazon Ember" panose="020B0603020204020204" pitchFamily="34" charset="0"/>
-              </a:rPr>
-              <a:t> </a:t>
-            </a:r>
-            <a:r>
-              <a:rPr lang="en-US" sz="1200" dirty="0" err="1">
-                <a:solidFill>
-                  <a:srgbClr val="00B0F0"/>
-                </a:solidFill>
-                <a:latin typeface="Andale Mono" panose="020B0509000000000004" pitchFamily="49" charset="0"/>
-                <a:ea typeface="Amazon Ember" panose="020B0603020204020204" pitchFamily="34" charset="0"/>
-                <a:cs typeface="Amazon Ember" panose="020B0603020204020204" pitchFamily="34" charset="0"/>
-              </a:rPr>
-              <a:t>getDerivedStateFromProps</a:t>
-            </a:r>
-            <a:r>
-              <a:rPr lang="en-US" sz="1200" dirty="0">
-                <a:solidFill>
-                  <a:srgbClr val="92D050"/>
-                </a:solidFill>
-                <a:latin typeface="Andale Mono" panose="020B0509000000000004" pitchFamily="49" charset="0"/>
-                <a:ea typeface="Amazon Ember" panose="020B0603020204020204" pitchFamily="34" charset="0"/>
-                <a:cs typeface="Amazon Ember" panose="020B0603020204020204" pitchFamily="34" charset="0"/>
-              </a:rPr>
-              <a:t>(</a:t>
-            </a:r>
-            <a:r>
-              <a:rPr lang="en-US" sz="1200" dirty="0" err="1">
-                <a:solidFill>
-                  <a:srgbClr val="B719D0"/>
-                </a:solidFill>
-                <a:latin typeface="Andale Mono" panose="020B0509000000000004" pitchFamily="49" charset="0"/>
-                <a:ea typeface="Amazon Ember" panose="020B0603020204020204" pitchFamily="34" charset="0"/>
-                <a:cs typeface="Amazon Ember" panose="020B0603020204020204" pitchFamily="34" charset="0"/>
-              </a:rPr>
-              <a:t>nextProps</a:t>
-            </a:r>
-            <a:r>
-              <a:rPr lang="en-US" sz="1200" dirty="0">
-                <a:solidFill>
-                  <a:schemeClr val="bg1"/>
-                </a:solidFill>
-                <a:latin typeface="Andale Mono" panose="020B0509000000000004" pitchFamily="49" charset="0"/>
-                <a:ea typeface="Amazon Ember" panose="020B0603020204020204" pitchFamily="34" charset="0"/>
-                <a:cs typeface="Amazon Ember" panose="020B0603020204020204" pitchFamily="34" charset="0"/>
-              </a:rPr>
-              <a:t>,</a:t>
-            </a:r>
-            <a:r>
-              <a:rPr lang="en-US" sz="1200" dirty="0">
-                <a:solidFill>
-                  <a:srgbClr val="92D050"/>
-                </a:solidFill>
-                <a:latin typeface="Andale Mono" panose="020B0509000000000004" pitchFamily="49" charset="0"/>
-                <a:ea typeface="Amazon Ember" panose="020B0603020204020204" pitchFamily="34" charset="0"/>
-                <a:cs typeface="Amazon Ember" panose="020B0603020204020204" pitchFamily="34" charset="0"/>
-              </a:rPr>
-              <a:t> </a:t>
-            </a:r>
-            <a:r>
-              <a:rPr lang="en-US" sz="1200" dirty="0" err="1">
-                <a:solidFill>
-                  <a:srgbClr val="B719D0"/>
-                </a:solidFill>
-                <a:latin typeface="Andale Mono" panose="020B0509000000000004" pitchFamily="49" charset="0"/>
-                <a:ea typeface="Amazon Ember" panose="020B0603020204020204" pitchFamily="34" charset="0"/>
-                <a:cs typeface="Amazon Ember" panose="020B0603020204020204" pitchFamily="34" charset="0"/>
-              </a:rPr>
-              <a:t>prevState</a:t>
-            </a:r>
-            <a:r>
-              <a:rPr lang="en-US" sz="1200" dirty="0">
-                <a:solidFill>
-                  <a:srgbClr val="92D050"/>
-                </a:solidFill>
-                <a:latin typeface="Andale Mono" panose="020B0509000000000004" pitchFamily="49" charset="0"/>
-                <a:ea typeface="Amazon Ember" panose="020B0603020204020204" pitchFamily="34" charset="0"/>
-                <a:cs typeface="Amazon Ember" panose="020B0603020204020204" pitchFamily="34" charset="0"/>
-              </a:rPr>
-              <a:t>)</a:t>
-            </a:r>
-            <a:r>
-              <a:rPr lang="en-US" sz="1200" dirty="0">
-                <a:solidFill>
-                  <a:schemeClr val="bg1"/>
-                </a:solidFill>
-                <a:latin typeface="Andale Mono" panose="020B0509000000000004" pitchFamily="49" charset="0"/>
-                <a:ea typeface="Amazon Ember" panose="020B0603020204020204" pitchFamily="34" charset="0"/>
-                <a:cs typeface="Amazon Ember" panose="020B0603020204020204" pitchFamily="34" charset="0"/>
-              </a:rPr>
-              <a:t> {} </a:t>
-            </a:r>
-            <a:r>
-              <a:rPr lang="en-US" sz="1200" dirty="0">
-                <a:solidFill>
-                  <a:schemeClr val="bg1"/>
-                </a:solidFill>
-                <a:latin typeface="Andale Mono" panose="020B0509000000000004" pitchFamily="49" charset="0"/>
-              </a:rPr>
-              <a:t>// 2</a:t>
-            </a:r>
-            <a:endParaRPr lang="en-US" sz="1200" dirty="0">
-              <a:solidFill>
-                <a:srgbClr val="F8991C"/>
-              </a:solidFill>
-              <a:latin typeface="Andale Mono" panose="020B0509000000000004" pitchFamily="49" charset="0"/>
+              <a:latin typeface="Amazon Ember" panose="020B0603020204020204" pitchFamily="34" charset="0"/>
               <a:ea typeface="Amazon Ember" panose="020B0603020204020204" pitchFamily="34" charset="0"/>
               <a:cs typeface="Amazon Ember" panose="020B0603020204020204" pitchFamily="34" charset="0"/>
             </a:endParaRPr>
           </a:p>
-          <a:p>
-            <a:endParaRPr lang="en-US" sz="1200" dirty="0">
-              <a:solidFill>
-                <a:srgbClr val="F8991C"/>
-              </a:solidFill>
-              <a:latin typeface="Andale Mono" panose="020B0509000000000004" pitchFamily="49" charset="0"/>
-              <a:ea typeface="Amazon Ember" panose="020B0603020204020204" pitchFamily="34" charset="0"/>
-              <a:cs typeface="Amazon Ember" panose="020B0603020204020204" pitchFamily="34" charset="0"/>
-            </a:endParaRPr>
-          </a:p>
-          <a:p>
-            <a:r>
-              <a:rPr lang="en-US" sz="1200" dirty="0">
-                <a:solidFill>
-                  <a:srgbClr val="F8991C"/>
-                </a:solidFill>
-                <a:latin typeface="Andale Mono" panose="020B0509000000000004" pitchFamily="49" charset="0"/>
-                <a:ea typeface="Amazon Ember" panose="020B0603020204020204" pitchFamily="34" charset="0"/>
-                <a:cs typeface="Amazon Ember" panose="020B0603020204020204" pitchFamily="34" charset="0"/>
-              </a:rPr>
-              <a:t>  </a:t>
-            </a:r>
-            <a:r>
-              <a:rPr lang="en-US" sz="1200" dirty="0" err="1">
-                <a:solidFill>
-                  <a:srgbClr val="00B0F0"/>
-                </a:solidFill>
-                <a:latin typeface="Andale Mono" panose="020B0509000000000004" pitchFamily="49" charset="0"/>
-                <a:ea typeface="Amazon Ember" panose="020B0603020204020204" pitchFamily="34" charset="0"/>
-                <a:cs typeface="Amazon Ember" panose="020B0603020204020204" pitchFamily="34" charset="0"/>
-              </a:rPr>
-              <a:t>componentDidMount</a:t>
-            </a:r>
-            <a:r>
-              <a:rPr lang="en-US" sz="1200" dirty="0">
-                <a:solidFill>
-                  <a:srgbClr val="92D050"/>
-                </a:solidFill>
-                <a:latin typeface="Andale Mono" panose="020B0509000000000004" pitchFamily="49" charset="0"/>
-                <a:ea typeface="Amazon Ember" panose="020B0603020204020204" pitchFamily="34" charset="0"/>
-                <a:cs typeface="Amazon Ember" panose="020B0603020204020204" pitchFamily="34" charset="0"/>
-              </a:rPr>
-              <a:t>()</a:t>
-            </a:r>
-            <a:r>
-              <a:rPr lang="en-US" sz="1200" dirty="0">
-                <a:solidFill>
-                  <a:srgbClr val="F8991C"/>
-                </a:solidFill>
-                <a:latin typeface="Andale Mono" panose="020B0509000000000004" pitchFamily="49" charset="0"/>
-                <a:ea typeface="Amazon Ember" panose="020B0603020204020204" pitchFamily="34" charset="0"/>
-                <a:cs typeface="Amazon Ember" panose="020B0603020204020204" pitchFamily="34" charset="0"/>
-              </a:rPr>
-              <a:t> </a:t>
-            </a:r>
-            <a:r>
-              <a:rPr lang="en-US" sz="1200" dirty="0">
-                <a:solidFill>
-                  <a:schemeClr val="bg1"/>
-                </a:solidFill>
-                <a:latin typeface="Andale Mono" panose="020B0509000000000004" pitchFamily="49" charset="0"/>
-                <a:ea typeface="Amazon Ember" panose="020B0603020204020204" pitchFamily="34" charset="0"/>
-                <a:cs typeface="Amazon Ember" panose="020B0603020204020204" pitchFamily="34" charset="0"/>
-              </a:rPr>
-              <a:t>{}</a:t>
-            </a:r>
-            <a:r>
-              <a:rPr lang="en-US" sz="1200" dirty="0">
-                <a:solidFill>
-                  <a:srgbClr val="F8991C"/>
-                </a:solidFill>
-                <a:latin typeface="Andale Mono" panose="020B0509000000000004" pitchFamily="49" charset="0"/>
-                <a:ea typeface="Amazon Ember" panose="020B0603020204020204" pitchFamily="34" charset="0"/>
-                <a:cs typeface="Amazon Ember" panose="020B0603020204020204" pitchFamily="34" charset="0"/>
-              </a:rPr>
-              <a:t> </a:t>
-            </a:r>
-            <a:r>
-              <a:rPr lang="en-US" sz="1200" dirty="0">
-                <a:solidFill>
-                  <a:schemeClr val="bg1"/>
-                </a:solidFill>
-                <a:latin typeface="Andale Mono" panose="020B0509000000000004" pitchFamily="49" charset="0"/>
-                <a:ea typeface="Amazon Ember" panose="020B0603020204020204" pitchFamily="34" charset="0"/>
-                <a:cs typeface="Amazon Ember" panose="020B0603020204020204" pitchFamily="34" charset="0"/>
-              </a:rPr>
-              <a:t>// 4 </a:t>
-            </a:r>
-          </a:p>
-          <a:p>
-            <a:endParaRPr lang="en-US" sz="1200" dirty="0">
-              <a:solidFill>
-                <a:srgbClr val="F8991C"/>
-              </a:solidFill>
-              <a:latin typeface="Andale Mono" panose="020B0509000000000004" pitchFamily="49" charset="0"/>
-              <a:ea typeface="Amazon Ember" panose="020B0603020204020204" pitchFamily="34" charset="0"/>
-              <a:cs typeface="Amazon Ember" panose="020B0603020204020204" pitchFamily="34" charset="0"/>
-            </a:endParaRPr>
-          </a:p>
-          <a:p>
-            <a:r>
-              <a:rPr lang="en-US" sz="1200" dirty="0">
-                <a:solidFill>
-                  <a:srgbClr val="F8991C"/>
-                </a:solidFill>
-                <a:latin typeface="Andale Mono" panose="020B0509000000000004" pitchFamily="49" charset="0"/>
-                <a:ea typeface="Amazon Ember" panose="020B0603020204020204" pitchFamily="34" charset="0"/>
-                <a:cs typeface="Amazon Ember" panose="020B0603020204020204" pitchFamily="34" charset="0"/>
-              </a:rPr>
-              <a:t>  </a:t>
-            </a:r>
-            <a:r>
-              <a:rPr lang="en-US" sz="1200" dirty="0">
-                <a:solidFill>
-                  <a:srgbClr val="00B0F0"/>
-                </a:solidFill>
-                <a:latin typeface="Andale Mono" panose="020B0509000000000004" pitchFamily="49" charset="0"/>
-                <a:ea typeface="Amazon Ember" panose="020B0603020204020204" pitchFamily="34" charset="0"/>
-                <a:cs typeface="Amazon Ember" panose="020B0603020204020204" pitchFamily="34" charset="0"/>
-              </a:rPr>
-              <a:t>render</a:t>
-            </a:r>
-            <a:r>
-              <a:rPr lang="en-US" sz="1200" dirty="0">
-                <a:solidFill>
-                  <a:srgbClr val="92D050"/>
-                </a:solidFill>
-                <a:latin typeface="Andale Mono" panose="020B0509000000000004" pitchFamily="49" charset="0"/>
-                <a:ea typeface="Amazon Ember" panose="020B0603020204020204" pitchFamily="34" charset="0"/>
-                <a:cs typeface="Amazon Ember" panose="020B0603020204020204" pitchFamily="34" charset="0"/>
-              </a:rPr>
-              <a:t>()</a:t>
-            </a:r>
-            <a:r>
-              <a:rPr lang="en-US" sz="1200" dirty="0">
-                <a:solidFill>
-                  <a:srgbClr val="F8991C"/>
-                </a:solidFill>
-                <a:latin typeface="Andale Mono" panose="020B0509000000000004" pitchFamily="49" charset="0"/>
-                <a:ea typeface="Amazon Ember" panose="020B0603020204020204" pitchFamily="34" charset="0"/>
-                <a:cs typeface="Amazon Ember" panose="020B0603020204020204" pitchFamily="34" charset="0"/>
-              </a:rPr>
-              <a:t> </a:t>
-            </a:r>
-            <a:r>
-              <a:rPr lang="en-US" sz="1200" dirty="0">
-                <a:solidFill>
-                  <a:schemeClr val="bg1"/>
-                </a:solidFill>
-                <a:latin typeface="Andale Mono" panose="020B0509000000000004" pitchFamily="49" charset="0"/>
-                <a:ea typeface="Amazon Ember" panose="020B0603020204020204" pitchFamily="34" charset="0"/>
-                <a:cs typeface="Amazon Ember" panose="020B0603020204020204" pitchFamily="34" charset="0"/>
-              </a:rPr>
-              <a:t>{ // 3</a:t>
-            </a:r>
-          </a:p>
-          <a:p>
-            <a:r>
-              <a:rPr lang="en-US" sz="1200" dirty="0">
-                <a:solidFill>
-                  <a:srgbClr val="F8991C"/>
-                </a:solidFill>
-                <a:latin typeface="Andale Mono" panose="020B0509000000000004" pitchFamily="49" charset="0"/>
-                <a:ea typeface="Amazon Ember" panose="020B0603020204020204" pitchFamily="34" charset="0"/>
-                <a:cs typeface="Amazon Ember" panose="020B0603020204020204" pitchFamily="34" charset="0"/>
-              </a:rPr>
-              <a:t>    return </a:t>
-            </a:r>
-            <a:r>
-              <a:rPr lang="en-US" sz="1200" dirty="0">
-                <a:solidFill>
-                  <a:schemeClr val="bg1"/>
-                </a:solidFill>
-                <a:latin typeface="Andale Mono" panose="020B0509000000000004" pitchFamily="49" charset="0"/>
-                <a:ea typeface="Amazon Ember" panose="020B0603020204020204" pitchFamily="34" charset="0"/>
-                <a:cs typeface="Amazon Ember" panose="020B0603020204020204" pitchFamily="34" charset="0"/>
-              </a:rPr>
-              <a:t>(</a:t>
-            </a:r>
-          </a:p>
-          <a:p>
-            <a:r>
-              <a:rPr lang="en-US" sz="1200" dirty="0">
-                <a:solidFill>
-                  <a:srgbClr val="F8991C"/>
-                </a:solidFill>
-                <a:latin typeface="Andale Mono" panose="020B0509000000000004" pitchFamily="49" charset="0"/>
-                <a:ea typeface="Amazon Ember" panose="020B0603020204020204" pitchFamily="34" charset="0"/>
-                <a:cs typeface="Amazon Ember" panose="020B0603020204020204" pitchFamily="34" charset="0"/>
-              </a:rPr>
-              <a:t>      </a:t>
-            </a:r>
-            <a:r>
-              <a:rPr lang="en-US" sz="1200" dirty="0">
-                <a:solidFill>
-                  <a:srgbClr val="00B0F0"/>
-                </a:solidFill>
-                <a:latin typeface="Andale Mono" panose="020B0509000000000004" pitchFamily="49" charset="0"/>
-                <a:ea typeface="Amazon Ember" panose="020B0603020204020204" pitchFamily="34" charset="0"/>
-                <a:cs typeface="Amazon Ember" panose="020B0603020204020204" pitchFamily="34" charset="0"/>
-              </a:rPr>
-              <a:t>&lt;</a:t>
-            </a:r>
-            <a:r>
-              <a:rPr lang="en-US" sz="1200" dirty="0">
-                <a:solidFill>
-                  <a:srgbClr val="F8991C"/>
-                </a:solidFill>
-                <a:latin typeface="Andale Mono" panose="020B0509000000000004" pitchFamily="49" charset="0"/>
-                <a:ea typeface="Amazon Ember" panose="020B0603020204020204" pitchFamily="34" charset="0"/>
-                <a:cs typeface="Amazon Ember" panose="020B0603020204020204" pitchFamily="34" charset="0"/>
-              </a:rPr>
-              <a:t>Text</a:t>
-            </a:r>
-            <a:r>
-              <a:rPr lang="en-US" sz="1200" dirty="0">
-                <a:solidFill>
-                  <a:srgbClr val="00B0F0"/>
-                </a:solidFill>
-                <a:latin typeface="Andale Mono" panose="020B0509000000000004" pitchFamily="49" charset="0"/>
-                <a:ea typeface="Amazon Ember" panose="020B0603020204020204" pitchFamily="34" charset="0"/>
-                <a:cs typeface="Amazon Ember" panose="020B0603020204020204" pitchFamily="34" charset="0"/>
-              </a:rPr>
-              <a:t>&gt;Hello World&lt;/</a:t>
-            </a:r>
-            <a:r>
-              <a:rPr lang="en-US" sz="1200" dirty="0">
-                <a:solidFill>
-                  <a:srgbClr val="F8991C"/>
-                </a:solidFill>
-                <a:latin typeface="Andale Mono" panose="020B0509000000000004" pitchFamily="49" charset="0"/>
-                <a:ea typeface="Amazon Ember" panose="020B0603020204020204" pitchFamily="34" charset="0"/>
-                <a:cs typeface="Amazon Ember" panose="020B0603020204020204" pitchFamily="34" charset="0"/>
-              </a:rPr>
-              <a:t>Text</a:t>
-            </a:r>
-            <a:r>
-              <a:rPr lang="en-US" sz="1200" dirty="0">
-                <a:solidFill>
-                  <a:srgbClr val="00B0F0"/>
-                </a:solidFill>
-                <a:latin typeface="Andale Mono" panose="020B0509000000000004" pitchFamily="49" charset="0"/>
-                <a:ea typeface="Amazon Ember" panose="020B0603020204020204" pitchFamily="34" charset="0"/>
-                <a:cs typeface="Amazon Ember" panose="020B0603020204020204" pitchFamily="34" charset="0"/>
-              </a:rPr>
-              <a:t>&gt;</a:t>
-            </a:r>
-            <a:endParaRPr lang="en-US" sz="1200" dirty="0">
-              <a:solidFill>
-                <a:srgbClr val="F8991C"/>
-              </a:solidFill>
-              <a:latin typeface="Andale Mono" panose="020B0509000000000004" pitchFamily="49" charset="0"/>
-              <a:ea typeface="Amazon Ember" panose="020B0603020204020204" pitchFamily="34" charset="0"/>
-              <a:cs typeface="Amazon Ember" panose="020B0603020204020204" pitchFamily="34" charset="0"/>
-            </a:endParaRPr>
-          </a:p>
-          <a:p>
-            <a:r>
-              <a:rPr lang="en-US" sz="1200" dirty="0">
-                <a:solidFill>
-                  <a:srgbClr val="F8991C"/>
-                </a:solidFill>
-                <a:latin typeface="Andale Mono" panose="020B0509000000000004" pitchFamily="49" charset="0"/>
-                <a:ea typeface="Amazon Ember" panose="020B0603020204020204" pitchFamily="34" charset="0"/>
-                <a:cs typeface="Amazon Ember" panose="020B0603020204020204" pitchFamily="34" charset="0"/>
-              </a:rPr>
-              <a:t>    </a:t>
-            </a:r>
-            <a:r>
-              <a:rPr lang="en-US" sz="1200" dirty="0">
-                <a:solidFill>
-                  <a:schemeClr val="bg1"/>
-                </a:solidFill>
-                <a:latin typeface="Andale Mono" panose="020B0509000000000004" pitchFamily="49" charset="0"/>
-                <a:ea typeface="Amazon Ember" panose="020B0603020204020204" pitchFamily="34" charset="0"/>
-                <a:cs typeface="Amazon Ember" panose="020B0603020204020204" pitchFamily="34" charset="0"/>
-              </a:rPr>
-              <a:t>)</a:t>
-            </a:r>
-          </a:p>
-          <a:p>
-            <a:r>
-              <a:rPr lang="en-US" sz="1200" dirty="0">
-                <a:solidFill>
-                  <a:schemeClr val="bg1"/>
-                </a:solidFill>
-                <a:latin typeface="Andale Mono" panose="020B0509000000000004" pitchFamily="49" charset="0"/>
-                <a:ea typeface="Amazon Ember" panose="020B0603020204020204" pitchFamily="34" charset="0"/>
-                <a:cs typeface="Amazon Ember" panose="020B0603020204020204" pitchFamily="34" charset="0"/>
-              </a:rPr>
-              <a:t>  }</a:t>
-            </a:r>
-          </a:p>
-          <a:p>
-            <a:r>
-              <a:rPr lang="en-US" sz="1200" dirty="0">
-                <a:solidFill>
-                  <a:schemeClr val="bg1"/>
-                </a:solidFill>
-                <a:latin typeface="Andale Mono" panose="020B0509000000000004" pitchFamily="49" charset="0"/>
-                <a:ea typeface="Amazon Ember" panose="020B0603020204020204" pitchFamily="34" charset="0"/>
-                <a:cs typeface="Amazon Ember" panose="020B0603020204020204" pitchFamily="34" charset="0"/>
-              </a:rPr>
-              <a:t>} </a:t>
-            </a:r>
-          </a:p>
         </p:txBody>
       </p:sp>
     </p:spTree>
     <p:extLst>
       <p:ext uri="{BB962C8B-B14F-4D97-AF65-F5344CB8AC3E}">
-        <p14:creationId xmlns:p14="http://schemas.microsoft.com/office/powerpoint/2010/main" val="641384588"/>
+        <p14:creationId xmlns:p14="http://schemas.microsoft.com/office/powerpoint/2010/main" val="160329611"/>
       </p:ext>
     </p:extLst>
   </p:cSld>
@@ -14942,7 +14557,7 @@
           <a:p>
             <a:r>
               <a:rPr lang="en-US" dirty="0"/>
-              <a:t>Data</a:t>
+              <a:t>Components</a:t>
             </a:r>
           </a:p>
         </p:txBody>
@@ -14984,17 +14599,17 @@
                 <a:ea typeface="Amazon Ember" panose="020B0603020204020204" pitchFamily="34" charset="0"/>
                 <a:cs typeface="Amazon Ember" panose="020B0603020204020204" pitchFamily="34" charset="0"/>
               </a:rPr>
-              <a:t>State</a:t>
-            </a:r>
-          </a:p>
-        </p:txBody>
-      </p:sp>
-      <p:sp>
-        <p:nvSpPr>
-          <p:cNvPr id="5" name="TextBox 4">
+              <a:t>Lifecycle</a:t>
+            </a:r>
+          </a:p>
+        </p:txBody>
+      </p:sp>
+      <p:sp>
+        <p:nvSpPr>
+          <p:cNvPr id="6" name="TextBox 5">
             <a:extLst>
               <a:ext uri="{FF2B5EF4-FFF2-40B4-BE49-F238E27FC236}">
-                <a16:creationId xmlns:a16="http://schemas.microsoft.com/office/drawing/2014/main" id="{11FB2249-F53D-5245-8D67-D5A026D41155}"/>
+                <a16:creationId xmlns:a16="http://schemas.microsoft.com/office/drawing/2014/main" id="{73D231B0-CE90-0448-9EE3-39E916539CFB}"/>
               </a:ext>
             </a:extLst>
           </p:cNvPr>
@@ -15003,8 +14618,8 @@
         </p:nvSpPr>
         <p:spPr>
           <a:xfrm>
-            <a:off x="330890" y="1484224"/>
-            <a:ext cx="8205150" cy="2492990"/>
+            <a:off x="336943" y="1264711"/>
+            <a:ext cx="8205150" cy="3046988"/>
           </a:xfrm>
           <a:prstGeom prst="rect">
             <a:avLst/>
@@ -15127,29 +14742,108 @@
             <a:r>
               <a:rPr lang="en-US" sz="1200" dirty="0">
                 <a:solidFill>
-                  <a:schemeClr val="bg1"/>
-                </a:solidFill>
-                <a:latin typeface="Andale Mono" panose="020B0509000000000004" pitchFamily="49" charset="0"/>
-              </a:rPr>
-              <a:t>state </a:t>
+                  <a:srgbClr val="00B0F0"/>
+                </a:solidFill>
+                <a:latin typeface="Andale Mono" panose="020B0509000000000004" pitchFamily="49" charset="0"/>
+              </a:rPr>
+              <a:t>constructor</a:t>
             </a:r>
             <a:r>
               <a:rPr lang="en-US" sz="1200" dirty="0">
                 <a:solidFill>
+                  <a:srgbClr val="92D050"/>
+                </a:solidFill>
+                <a:latin typeface="Andale Mono" panose="020B0509000000000004" pitchFamily="49" charset="0"/>
+              </a:rPr>
+              <a:t>()</a:t>
+            </a:r>
+            <a:r>
+              <a:rPr lang="en-US" sz="1200" dirty="0">
+                <a:latin typeface="Andale Mono" panose="020B0509000000000004" pitchFamily="49" charset="0"/>
+              </a:rPr>
+              <a:t> </a:t>
+            </a:r>
+            <a:r>
+              <a:rPr lang="en-US" sz="1200" dirty="0">
+                <a:solidFill>
+                  <a:schemeClr val="bg1"/>
+                </a:solidFill>
+                <a:latin typeface="Andale Mono" panose="020B0509000000000004" pitchFamily="49" charset="0"/>
+              </a:rPr>
+              <a:t>{ // 1</a:t>
+            </a:r>
+          </a:p>
+          <a:p>
+            <a:r>
+              <a:rPr lang="en-US" sz="1200" dirty="0">
+                <a:latin typeface="Andale Mono" panose="020B0509000000000004" pitchFamily="49" charset="0"/>
+              </a:rPr>
+              <a:t>    </a:t>
+            </a:r>
+            <a:r>
+              <a:rPr lang="en-US" sz="1200" dirty="0">
+                <a:solidFill>
                   <a:srgbClr val="F8991C"/>
                 </a:solidFill>
                 <a:latin typeface="Andale Mono" panose="020B0509000000000004" pitchFamily="49" charset="0"/>
               </a:rPr>
+              <a:t>super</a:t>
+            </a:r>
+            <a:r>
+              <a:rPr lang="en-US" sz="1200" dirty="0">
+                <a:solidFill>
+                  <a:schemeClr val="bg1"/>
+                </a:solidFill>
+                <a:latin typeface="Andale Mono" panose="020B0509000000000004" pitchFamily="49" charset="0"/>
+              </a:rPr>
+              <a:t>()</a:t>
+            </a:r>
+          </a:p>
+          <a:p>
+            <a:r>
+              <a:rPr lang="en-US" sz="1200" dirty="0">
+                <a:latin typeface="Andale Mono" panose="020B0509000000000004" pitchFamily="49" charset="0"/>
+              </a:rPr>
+              <a:t>    </a:t>
+            </a:r>
+            <a:r>
+              <a:rPr lang="en-US" sz="1200" dirty="0" err="1">
+                <a:solidFill>
+                  <a:srgbClr val="F8991C"/>
+                </a:solidFill>
+                <a:latin typeface="Andale Mono" panose="020B0509000000000004" pitchFamily="49" charset="0"/>
+              </a:rPr>
+              <a:t>this.</a:t>
+            </a:r>
+            <a:r>
+              <a:rPr lang="en-US" sz="1200" dirty="0" err="1">
+                <a:solidFill>
+                  <a:srgbClr val="00B0F0"/>
+                </a:solidFill>
+                <a:latin typeface="Andale Mono" panose="020B0509000000000004" pitchFamily="49" charset="0"/>
+              </a:rPr>
+              <a:t>name</a:t>
+            </a:r>
+            <a:r>
+              <a:rPr lang="en-US" sz="1200" dirty="0">
+                <a:latin typeface="Andale Mono" panose="020B0509000000000004" pitchFamily="49" charset="0"/>
+              </a:rPr>
+              <a:t> </a:t>
+            </a:r>
+            <a:r>
+              <a:rPr lang="en-US" sz="1200" dirty="0">
+                <a:solidFill>
+                  <a:srgbClr val="F8991C"/>
+                </a:solidFill>
+                <a:latin typeface="Andale Mono" panose="020B0509000000000004" pitchFamily="49" charset="0"/>
+              </a:rPr>
               <a:t>=</a:t>
             </a:r>
             <a:r>
               <a:rPr lang="en-US" sz="1200" dirty="0">
-                <a:solidFill>
-                  <a:schemeClr val="bg1"/>
-                </a:solidFill>
-                <a:latin typeface="Andale Mono" panose="020B0509000000000004" pitchFamily="49" charset="0"/>
-              </a:rPr>
-              <a:t> { name: </a:t>
+                <a:latin typeface="Andale Mono" panose="020B0509000000000004" pitchFamily="49" charset="0"/>
+              </a:rPr>
+              <a:t> </a:t>
             </a:r>
             <a:r>
               <a:rPr lang="en-US" sz="1200" dirty="0">
@@ -15158,19 +14852,16 @@
                 </a:solidFill>
                 <a:latin typeface="Andale Mono" panose="020B0509000000000004" pitchFamily="49" charset="0"/>
               </a:rPr>
-              <a:t>'Nader’</a:t>
-            </a:r>
+              <a:t>'My Cool Component’</a:t>
+            </a:r>
+          </a:p>
+          <a:p>
             <a:r>
               <a:rPr lang="en-US" sz="1200" dirty="0">
-                <a:solidFill>
-                  <a:schemeClr val="bg1"/>
-                </a:solidFill>
-                <a:latin typeface="Andale Mono" panose="020B0509000000000004" pitchFamily="49" charset="0"/>
-              </a:rPr>
-              <a:t> }</a:t>
-            </a:r>
-          </a:p>
-          <a:p>
+                <a:latin typeface="Andale Mono" panose="020B0509000000000004" pitchFamily="49" charset="0"/>
+              </a:rPr>
+              <a:t>  </a:t>
+            </a:r>
             <a:r>
               <a:rPr lang="en-US" sz="1200" dirty="0">
                 <a:solidFill>
@@ -15178,157 +14869,7 @@
                 </a:solidFill>
                 <a:latin typeface="Andale Mono" panose="020B0509000000000004" pitchFamily="49" charset="0"/>
               </a:rPr>
-              <a:t>  </a:t>
-            </a:r>
-          </a:p>
-          <a:p>
-            <a:r>
-              <a:rPr lang="en-US" sz="1200" dirty="0">
-                <a:solidFill>
-                  <a:schemeClr val="bg1"/>
-                </a:solidFill>
-                <a:latin typeface="Andale Mono" panose="020B0509000000000004" pitchFamily="49" charset="0"/>
-              </a:rPr>
-              <a:t>  </a:t>
-            </a:r>
-            <a:r>
-              <a:rPr lang="en-US" sz="1200" dirty="0" err="1">
-                <a:solidFill>
-                  <a:srgbClr val="00B0F0"/>
-                </a:solidFill>
-                <a:latin typeface="Andale Mono" panose="020B0509000000000004" pitchFamily="49" charset="0"/>
-              </a:rPr>
-              <a:t>changeName</a:t>
-            </a:r>
-            <a:r>
-              <a:rPr lang="en-US" sz="1200" dirty="0">
-                <a:solidFill>
-                  <a:schemeClr val="bg1"/>
-                </a:solidFill>
-                <a:latin typeface="Andale Mono" panose="020B0509000000000004" pitchFamily="49" charset="0"/>
-              </a:rPr>
-              <a:t> </a:t>
-            </a:r>
-            <a:r>
-              <a:rPr lang="en-US" sz="1200" dirty="0">
-                <a:solidFill>
-                  <a:srgbClr val="F8991C"/>
-                </a:solidFill>
-                <a:latin typeface="Andale Mono" panose="020B0509000000000004" pitchFamily="49" charset="0"/>
-              </a:rPr>
-              <a:t>=</a:t>
-            </a:r>
-            <a:r>
-              <a:rPr lang="en-US" sz="1200" dirty="0">
-                <a:solidFill>
-                  <a:schemeClr val="bg1"/>
-                </a:solidFill>
-                <a:latin typeface="Andale Mono" panose="020B0509000000000004" pitchFamily="49" charset="0"/>
-              </a:rPr>
-              <a:t> </a:t>
-            </a:r>
-            <a:r>
-              <a:rPr lang="en-US" sz="1200" dirty="0">
-                <a:solidFill>
-                  <a:srgbClr val="92D050"/>
-                </a:solidFill>
-                <a:latin typeface="Andale Mono" panose="020B0509000000000004" pitchFamily="49" charset="0"/>
-              </a:rPr>
-              <a:t>()</a:t>
-            </a:r>
-            <a:r>
-              <a:rPr lang="en-US" sz="1200" dirty="0">
-                <a:solidFill>
-                  <a:schemeClr val="bg1"/>
-                </a:solidFill>
-                <a:latin typeface="Andale Mono" panose="020B0509000000000004" pitchFamily="49" charset="0"/>
-              </a:rPr>
-              <a:t> </a:t>
-            </a:r>
-            <a:r>
-              <a:rPr lang="en-US" sz="1200" dirty="0">
-                <a:solidFill>
-                  <a:srgbClr val="F8991C"/>
-                </a:solidFill>
-                <a:latin typeface="Andale Mono" panose="020B0509000000000004" pitchFamily="49" charset="0"/>
-              </a:rPr>
-              <a:t>=&gt;</a:t>
-            </a:r>
-            <a:r>
-              <a:rPr lang="en-US" sz="1200" dirty="0">
-                <a:solidFill>
-                  <a:schemeClr val="bg1"/>
-                </a:solidFill>
-                <a:latin typeface="Andale Mono" panose="020B0509000000000004" pitchFamily="49" charset="0"/>
-              </a:rPr>
-              <a:t> {</a:t>
-            </a:r>
-          </a:p>
-          <a:p>
-            <a:r>
-              <a:rPr lang="en-US" sz="1200" dirty="0">
-                <a:solidFill>
-                  <a:schemeClr val="bg1"/>
-                </a:solidFill>
-                <a:latin typeface="Andale Mono" panose="020B0509000000000004" pitchFamily="49" charset="0"/>
-              </a:rPr>
-              <a:t>    </a:t>
-            </a:r>
-            <a:r>
-              <a:rPr lang="en-US" sz="1200" dirty="0" err="1">
-                <a:solidFill>
-                  <a:srgbClr val="F8991C"/>
-                </a:solidFill>
-                <a:latin typeface="Andale Mono" panose="020B0509000000000004" pitchFamily="49" charset="0"/>
-              </a:rPr>
-              <a:t>this.</a:t>
-            </a:r>
-            <a:r>
-              <a:rPr lang="en-US" sz="1200" dirty="0" err="1">
-                <a:solidFill>
-                  <a:srgbClr val="00B0F0"/>
-                </a:solidFill>
-                <a:latin typeface="Andale Mono" panose="020B0509000000000004" pitchFamily="49" charset="0"/>
-              </a:rPr>
-              <a:t>setState</a:t>
-            </a:r>
-            <a:r>
-              <a:rPr lang="en-US" sz="1200" dirty="0">
-                <a:solidFill>
-                  <a:schemeClr val="bg1"/>
-                </a:solidFill>
-                <a:latin typeface="Andale Mono" panose="020B0509000000000004" pitchFamily="49" charset="0"/>
-              </a:rPr>
-              <a:t>({ name: </a:t>
-            </a:r>
-            <a:r>
-              <a:rPr lang="en-US" sz="1200" dirty="0">
-                <a:solidFill>
-                  <a:srgbClr val="92D050"/>
-                </a:solidFill>
-                <a:latin typeface="Andale Mono" panose="020B0509000000000004" pitchFamily="49" charset="0"/>
-              </a:rPr>
-              <a:t>'Dennis'</a:t>
-            </a:r>
-            <a:r>
-              <a:rPr lang="en-US" sz="1200" dirty="0">
-                <a:solidFill>
-                  <a:schemeClr val="bg1"/>
-                </a:solidFill>
-                <a:latin typeface="Andale Mono" panose="020B0509000000000004" pitchFamily="49" charset="0"/>
-              </a:rPr>
-              <a:t> })</a:t>
-            </a:r>
-          </a:p>
-          <a:p>
-            <a:r>
-              <a:rPr lang="en-US" sz="1200" dirty="0">
-                <a:solidFill>
-                  <a:schemeClr val="bg1"/>
-                </a:solidFill>
-                <a:latin typeface="Andale Mono" panose="020B0509000000000004" pitchFamily="49" charset="0"/>
-              </a:rPr>
-              <a:t>  }</a:t>
+              <a:t>}</a:t>
             </a:r>
           </a:p>
           <a:p>
@@ -15343,24 +14884,46 @@
             <a:r>
               <a:rPr lang="en-US" sz="1200" dirty="0">
                 <a:solidFill>
+                  <a:schemeClr val="bg1"/>
+                </a:solidFill>
+                <a:latin typeface="Andale Mono" panose="020B0509000000000004" pitchFamily="49" charset="0"/>
+                <a:ea typeface="Amazon Ember" panose="020B0603020204020204" pitchFamily="34" charset="0"/>
+                <a:cs typeface="Amazon Ember" panose="020B0603020204020204" pitchFamily="34" charset="0"/>
+              </a:rPr>
+              <a:t>  </a:t>
+            </a:r>
+            <a:r>
+              <a:rPr lang="en-US" sz="1200" dirty="0">
+                <a:solidFill>
                   <a:srgbClr val="F8991C"/>
                 </a:solidFill>
                 <a:latin typeface="Andale Mono" panose="020B0509000000000004" pitchFamily="49" charset="0"/>
                 <a:ea typeface="Amazon Ember" panose="020B0603020204020204" pitchFamily="34" charset="0"/>
                 <a:cs typeface="Amazon Ember" panose="020B0603020204020204" pitchFamily="34" charset="0"/>
               </a:rPr>
-              <a:t>  </a:t>
+              <a:t>static</a:t>
             </a:r>
             <a:r>
               <a:rPr lang="en-US" sz="1200" dirty="0">
                 <a:solidFill>
+                  <a:schemeClr val="bg1"/>
+                </a:solidFill>
+                <a:latin typeface="Andale Mono" panose="020B0509000000000004" pitchFamily="49" charset="0"/>
+                <a:ea typeface="Amazon Ember" panose="020B0603020204020204" pitchFamily="34" charset="0"/>
+                <a:cs typeface="Amazon Ember" panose="020B0603020204020204" pitchFamily="34" charset="0"/>
+              </a:rPr>
+              <a:t> </a:t>
+            </a:r>
+            <a:r>
+              <a:rPr lang="en-US" sz="1200" dirty="0" err="1">
+                <a:solidFill>
                   <a:srgbClr val="00B0F0"/>
                 </a:solidFill>
                 <a:latin typeface="Andale Mono" panose="020B0509000000000004" pitchFamily="49" charset="0"/>
                 <a:ea typeface="Amazon Ember" panose="020B0603020204020204" pitchFamily="34" charset="0"/>
                 <a:cs typeface="Amazon Ember" panose="020B0603020204020204" pitchFamily="34" charset="0"/>
               </a:rPr>
-              <a:t>render</a:t>
+              <a:t>getDerivedStateFromProps</a:t>
             </a:r>
             <a:r>
               <a:rPr lang="en-US" sz="1200" dirty="0">
@@ -15371,12 +14934,34 @@
                 <a:ea typeface="Amazon Ember" panose="020B0603020204020204" pitchFamily="34" charset="0"/>
                 <a:cs typeface="Amazon Ember" panose="020B0603020204020204" pitchFamily="34" charset="0"/>
               </a:rPr>
-              <a:t>()</a:t>
+              <a:t>(</a:t>
+            </a:r>
+            <a:r>
+              <a:rPr lang="en-US" sz="1200" dirty="0" err="1">
+                <a:solidFill>
+                  <a:srgbClr val="B719D0"/>
+                </a:solidFill>
+                <a:latin typeface="Andale Mono" panose="020B0509000000000004" pitchFamily="49" charset="0"/>
+                <a:ea typeface="Amazon Ember" panose="020B0603020204020204" pitchFamily="34" charset="0"/>
+                <a:cs typeface="Amazon Ember" panose="020B0603020204020204" pitchFamily="34" charset="0"/>
+              </a:rPr>
+              <a:t>nextProps</a:t>
             </a:r>
             <a:r>
               <a:rPr lang="en-US" sz="1200" dirty="0">
                 <a:solidFill>
-                  <a:srgbClr val="F8991C"/>
+                  <a:schemeClr val="bg1"/>
+                </a:solidFill>
+                <a:latin typeface="Andale Mono" panose="020B0509000000000004" pitchFamily="49" charset="0"/>
+                <a:ea typeface="Amazon Ember" panose="020B0603020204020204" pitchFamily="34" charset="0"/>
+                <a:cs typeface="Amazon Ember" panose="020B0603020204020204" pitchFamily="34" charset="0"/>
+              </a:rPr>
+              <a:t>,</a:t>
+            </a:r>
+            <a:r>
+              <a:rPr lang="en-US" sz="1200" dirty="0">
+                <a:solidFill>
+                  <a:srgbClr val="92D050"/>
                 </a:solidFill>
                 <a:latin typeface="Andale Mono" panose="020B0509000000000004" pitchFamily="49" charset="0"/>
                 <a:ea typeface="Amazon Ember" panose="020B0603020204020204" pitchFamily="34" charset="0"/>
@@ -15385,28 +14970,37 @@
               <a:t> </a:t>
             </a:r>
             <a:r>
+              <a:rPr lang="en-US" sz="1200" dirty="0" err="1">
+                <a:solidFill>
+                  <a:srgbClr val="B719D0"/>
+                </a:solidFill>
+                <a:latin typeface="Andale Mono" panose="020B0509000000000004" pitchFamily="49" charset="0"/>
+                <a:ea typeface="Amazon Ember" panose="020B0603020204020204" pitchFamily="34" charset="0"/>
+                <a:cs typeface="Amazon Ember" panose="020B0603020204020204" pitchFamily="34" charset="0"/>
+              </a:rPr>
+              <a:t>prevState</a:t>
+            </a:r>
+            <a:r>
               <a:rPr lang="en-US" sz="1200" dirty="0">
                 <a:solidFill>
-                  <a:schemeClr val="bg1"/>
-                </a:solidFill>
-                <a:latin typeface="Andale Mono" panose="020B0509000000000004" pitchFamily="49" charset="0"/>
-                <a:ea typeface="Amazon Ember" panose="020B0603020204020204" pitchFamily="34" charset="0"/>
-                <a:cs typeface="Amazon Ember" panose="020B0603020204020204" pitchFamily="34" charset="0"/>
-              </a:rPr>
-              <a:t>{</a:t>
-            </a:r>
-          </a:p>
-          <a:p>
+                  <a:srgbClr val="92D050"/>
+                </a:solidFill>
+                <a:latin typeface="Andale Mono" panose="020B0509000000000004" pitchFamily="49" charset="0"/>
+                <a:ea typeface="Amazon Ember" panose="020B0603020204020204" pitchFamily="34" charset="0"/>
+                <a:cs typeface="Amazon Ember" panose="020B0603020204020204" pitchFamily="34" charset="0"/>
+              </a:rPr>
+              <a:t>)</a:t>
+            </a:r>
             <a:r>
               <a:rPr lang="en-US" sz="1200" dirty="0">
                 <a:solidFill>
-                  <a:srgbClr val="F8991C"/>
-                </a:solidFill>
-                <a:latin typeface="Andale Mono" panose="020B0509000000000004" pitchFamily="49" charset="0"/>
-                <a:ea typeface="Amazon Ember" panose="020B0603020204020204" pitchFamily="34" charset="0"/>
-                <a:cs typeface="Amazon Ember" panose="020B0603020204020204" pitchFamily="34" charset="0"/>
-              </a:rPr>
-              <a:t>    return </a:t>
+                  <a:schemeClr val="bg1"/>
+                </a:solidFill>
+                <a:latin typeface="Andale Mono" panose="020B0509000000000004" pitchFamily="49" charset="0"/>
+                <a:ea typeface="Amazon Ember" panose="020B0603020204020204" pitchFamily="34" charset="0"/>
+                <a:cs typeface="Amazon Ember" panose="020B0603020204020204" pitchFamily="34" charset="0"/>
+              </a:rPr>
+              <a:t> {} </a:t>
             </a:r>
             <a:r>
               <a:rPr lang="en-US" sz="1200" dirty="0">
@@ -15414,155 +15008,8 @@
                   <a:schemeClr val="bg1"/>
                 </a:solidFill>
                 <a:latin typeface="Andale Mono" panose="020B0509000000000004" pitchFamily="49" charset="0"/>
-                <a:ea typeface="Amazon Ember" panose="020B0603020204020204" pitchFamily="34" charset="0"/>
-                <a:cs typeface="Amazon Ember" panose="020B0603020204020204" pitchFamily="34" charset="0"/>
-              </a:rPr>
-              <a:t>(</a:t>
-            </a:r>
-          </a:p>
-          <a:p>
-            <a:r>
-              <a:rPr lang="en-US" sz="1200" dirty="0">
-                <a:solidFill>
-                  <a:srgbClr val="F8991C"/>
-                </a:solidFill>
-                <a:latin typeface="Andale Mono" panose="020B0509000000000004" pitchFamily="49" charset="0"/>
-                <a:ea typeface="Amazon Ember" panose="020B0603020204020204" pitchFamily="34" charset="0"/>
-                <a:cs typeface="Amazon Ember" panose="020B0603020204020204" pitchFamily="34" charset="0"/>
-              </a:rPr>
-              <a:t>      </a:t>
-            </a:r>
-            <a:r>
-              <a:rPr lang="en-US" sz="1200" dirty="0">
-                <a:solidFill>
-                  <a:srgbClr val="00B0F0"/>
-                </a:solidFill>
-                <a:latin typeface="Andale Mono" panose="020B0509000000000004" pitchFamily="49" charset="0"/>
-                <a:ea typeface="Amazon Ember" panose="020B0603020204020204" pitchFamily="34" charset="0"/>
-                <a:cs typeface="Amazon Ember" panose="020B0603020204020204" pitchFamily="34" charset="0"/>
-              </a:rPr>
-              <a:t>&lt;</a:t>
-            </a:r>
-            <a:r>
-              <a:rPr lang="en-US" sz="1200" dirty="0">
-                <a:solidFill>
-                  <a:srgbClr val="F8991C"/>
-                </a:solidFill>
-                <a:latin typeface="Andale Mono" panose="020B0509000000000004" pitchFamily="49" charset="0"/>
-                <a:ea typeface="Amazon Ember" panose="020B0603020204020204" pitchFamily="34" charset="0"/>
-                <a:cs typeface="Amazon Ember" panose="020B0603020204020204" pitchFamily="34" charset="0"/>
-              </a:rPr>
-              <a:t>Text</a:t>
-            </a:r>
-            <a:r>
-              <a:rPr lang="en-US" sz="1200" dirty="0">
-                <a:solidFill>
-                  <a:srgbClr val="00B0F0"/>
-                </a:solidFill>
-                <a:latin typeface="Andale Mono" panose="020B0509000000000004" pitchFamily="49" charset="0"/>
-                <a:ea typeface="Amazon Ember" panose="020B0603020204020204" pitchFamily="34" charset="0"/>
-                <a:cs typeface="Amazon Ember" panose="020B0603020204020204" pitchFamily="34" charset="0"/>
-              </a:rPr>
-              <a:t>&gt;Hello </a:t>
-            </a:r>
-            <a:r>
-              <a:rPr lang="en-US" sz="1200" dirty="0">
-                <a:solidFill>
-                  <a:srgbClr val="F8991C"/>
-                </a:solidFill>
-                <a:latin typeface="Andale Mono" panose="020B0509000000000004" pitchFamily="49" charset="0"/>
-                <a:ea typeface="Amazon Ember" panose="020B0603020204020204" pitchFamily="34" charset="0"/>
-                <a:cs typeface="Amazon Ember" panose="020B0603020204020204" pitchFamily="34" charset="0"/>
-              </a:rPr>
-              <a:t>{</a:t>
-            </a:r>
-            <a:r>
-              <a:rPr lang="en-US" sz="1200" dirty="0" err="1">
-                <a:solidFill>
-                  <a:srgbClr val="F8991C"/>
-                </a:solidFill>
-                <a:latin typeface="Andale Mono" panose="020B0509000000000004" pitchFamily="49" charset="0"/>
-                <a:ea typeface="Amazon Ember" panose="020B0603020204020204" pitchFamily="34" charset="0"/>
-                <a:cs typeface="Amazon Ember" panose="020B0603020204020204" pitchFamily="34" charset="0"/>
-              </a:rPr>
-              <a:t>this.</a:t>
-            </a:r>
-            <a:r>
-              <a:rPr lang="en-US" sz="1200" dirty="0" err="1">
-                <a:solidFill>
-                  <a:srgbClr val="00B0F0"/>
-                </a:solidFill>
-                <a:latin typeface="Andale Mono" panose="020B0509000000000004" pitchFamily="49" charset="0"/>
-                <a:ea typeface="Amazon Ember" panose="020B0603020204020204" pitchFamily="34" charset="0"/>
-                <a:cs typeface="Amazon Ember" panose="020B0603020204020204" pitchFamily="34" charset="0"/>
-              </a:rPr>
-              <a:t>state</a:t>
-            </a:r>
-            <a:r>
-              <a:rPr lang="en-US" sz="1200" dirty="0" err="1">
-                <a:solidFill>
-                  <a:srgbClr val="F8991C"/>
-                </a:solidFill>
-                <a:latin typeface="Andale Mono" panose="020B0509000000000004" pitchFamily="49" charset="0"/>
-                <a:ea typeface="Amazon Ember" panose="020B0603020204020204" pitchFamily="34" charset="0"/>
-                <a:cs typeface="Amazon Ember" panose="020B0603020204020204" pitchFamily="34" charset="0"/>
-              </a:rPr>
-              <a:t>.</a:t>
-            </a:r>
-            <a:r>
-              <a:rPr lang="en-US" sz="1200" dirty="0" err="1">
-                <a:solidFill>
-                  <a:srgbClr val="00B0F0"/>
-                </a:solidFill>
-                <a:latin typeface="Andale Mono" panose="020B0509000000000004" pitchFamily="49" charset="0"/>
-                <a:ea typeface="Amazon Ember" panose="020B0603020204020204" pitchFamily="34" charset="0"/>
-                <a:cs typeface="Amazon Ember" panose="020B0603020204020204" pitchFamily="34" charset="0"/>
-              </a:rPr>
-              <a:t>name</a:t>
-            </a:r>
-            <a:r>
-              <a:rPr lang="en-US" sz="1200" dirty="0">
-                <a:solidFill>
-                  <a:srgbClr val="F8991C"/>
-                </a:solidFill>
-                <a:latin typeface="Andale Mono" panose="020B0509000000000004" pitchFamily="49" charset="0"/>
-                <a:ea typeface="Amazon Ember" panose="020B0603020204020204" pitchFamily="34" charset="0"/>
-                <a:cs typeface="Amazon Ember" panose="020B0603020204020204" pitchFamily="34" charset="0"/>
-              </a:rPr>
-              <a:t>}</a:t>
-            </a:r>
-            <a:r>
-              <a:rPr lang="en-US" sz="1200" dirty="0">
-                <a:solidFill>
-                  <a:srgbClr val="00B0F0"/>
-                </a:solidFill>
-                <a:latin typeface="Andale Mono" panose="020B0509000000000004" pitchFamily="49" charset="0"/>
-                <a:ea typeface="Amazon Ember" panose="020B0603020204020204" pitchFamily="34" charset="0"/>
-                <a:cs typeface="Amazon Ember" panose="020B0603020204020204" pitchFamily="34" charset="0"/>
-              </a:rPr>
-              <a:t>&lt;/</a:t>
-            </a:r>
-            <a:r>
-              <a:rPr lang="en-US" sz="1200" dirty="0">
-                <a:solidFill>
-                  <a:srgbClr val="F8991C"/>
-                </a:solidFill>
-                <a:latin typeface="Andale Mono" panose="020B0509000000000004" pitchFamily="49" charset="0"/>
-                <a:ea typeface="Amazon Ember" panose="020B0603020204020204" pitchFamily="34" charset="0"/>
-                <a:cs typeface="Amazon Ember" panose="020B0603020204020204" pitchFamily="34" charset="0"/>
-              </a:rPr>
-              <a:t>Text</a:t>
-            </a:r>
-            <a:r>
-              <a:rPr lang="en-US" sz="1200" dirty="0">
-                <a:solidFill>
-                  <a:srgbClr val="00B0F0"/>
-                </a:solidFill>
-                <a:latin typeface="Andale Mono" panose="020B0509000000000004" pitchFamily="49" charset="0"/>
-                <a:ea typeface="Amazon Ember" panose="020B0603020204020204" pitchFamily="34" charset="0"/>
-                <a:cs typeface="Amazon Ember" panose="020B0603020204020204" pitchFamily="34" charset="0"/>
-              </a:rPr>
-              <a:t>&gt;</a:t>
+              </a:rPr>
+              <a:t>// 2</a:t>
             </a:r>
             <a:endParaRPr lang="en-US" sz="1200" dirty="0">
               <a:solidFill>
@@ -15574,6 +15021,262 @@
             </a:endParaRPr>
           </a:p>
           <a:p>
+            <a:endParaRPr lang="en-US" sz="1200" dirty="0">
+              <a:solidFill>
+                <a:srgbClr val="F8991C"/>
+              </a:solidFill>
+              <a:latin typeface="Andale Mono" panose="020B0509000000000004" pitchFamily="49" charset="0"/>
+              <a:ea typeface="Amazon Ember" panose="020B0603020204020204" pitchFamily="34" charset="0"/>
+              <a:cs typeface="Amazon Ember" panose="020B0603020204020204" pitchFamily="34" charset="0"/>
+            </a:endParaRPr>
+          </a:p>
+          <a:p>
+            <a:r>
+              <a:rPr lang="en-US" sz="1200" dirty="0">
+                <a:solidFill>
+                  <a:srgbClr val="F8991C"/>
+                </a:solidFill>
+                <a:latin typeface="Andale Mono" panose="020B0509000000000004" pitchFamily="49" charset="0"/>
+                <a:ea typeface="Amazon Ember" panose="020B0603020204020204" pitchFamily="34" charset="0"/>
+                <a:cs typeface="Amazon Ember" panose="020B0603020204020204" pitchFamily="34" charset="0"/>
+              </a:rPr>
+              <a:t>  </a:t>
+            </a:r>
+            <a:r>
+              <a:rPr lang="en-US" sz="1200" dirty="0" err="1">
+                <a:solidFill>
+                  <a:srgbClr val="00B0F0"/>
+                </a:solidFill>
+                <a:latin typeface="Andale Mono" panose="020B0509000000000004" pitchFamily="49" charset="0"/>
+                <a:ea typeface="Amazon Ember" panose="020B0603020204020204" pitchFamily="34" charset="0"/>
+                <a:cs typeface="Amazon Ember" panose="020B0603020204020204" pitchFamily="34" charset="0"/>
+              </a:rPr>
+              <a:t>componentDidMount</a:t>
+            </a:r>
+            <a:r>
+              <a:rPr lang="en-US" sz="1200" dirty="0">
+                <a:solidFill>
+                  <a:srgbClr val="92D050"/>
+                </a:solidFill>
+                <a:latin typeface="Andale Mono" panose="020B0509000000000004" pitchFamily="49" charset="0"/>
+                <a:ea typeface="Amazon Ember" panose="020B0603020204020204" pitchFamily="34" charset="0"/>
+                <a:cs typeface="Amazon Ember" panose="020B0603020204020204" pitchFamily="34" charset="0"/>
+              </a:rPr>
+              <a:t>()</a:t>
+            </a:r>
+            <a:r>
+              <a:rPr lang="en-US" sz="1200" dirty="0">
+                <a:solidFill>
+                  <a:srgbClr val="F8991C"/>
+                </a:solidFill>
+                <a:latin typeface="Andale Mono" panose="020B0509000000000004" pitchFamily="49" charset="0"/>
+                <a:ea typeface="Amazon Ember" panose="020B0603020204020204" pitchFamily="34" charset="0"/>
+                <a:cs typeface="Amazon Ember" panose="020B0603020204020204" pitchFamily="34" charset="0"/>
+              </a:rPr>
+              <a:t> </a:t>
+            </a:r>
+            <a:r>
+              <a:rPr lang="en-US" sz="1200" dirty="0">
+                <a:solidFill>
+                  <a:schemeClr val="bg1"/>
+                </a:solidFill>
+                <a:latin typeface="Andale Mono" panose="020B0509000000000004" pitchFamily="49" charset="0"/>
+                <a:ea typeface="Amazon Ember" panose="020B0603020204020204" pitchFamily="34" charset="0"/>
+                <a:cs typeface="Amazon Ember" panose="020B0603020204020204" pitchFamily="34" charset="0"/>
+              </a:rPr>
+              <a:t>{}</a:t>
+            </a:r>
+            <a:r>
+              <a:rPr lang="en-US" sz="1200" dirty="0">
+                <a:solidFill>
+                  <a:srgbClr val="F8991C"/>
+                </a:solidFill>
+                <a:latin typeface="Andale Mono" panose="020B0509000000000004" pitchFamily="49" charset="0"/>
+                <a:ea typeface="Amazon Ember" panose="020B0603020204020204" pitchFamily="34" charset="0"/>
+                <a:cs typeface="Amazon Ember" panose="020B0603020204020204" pitchFamily="34" charset="0"/>
+              </a:rPr>
+              <a:t> </a:t>
+            </a:r>
+            <a:r>
+              <a:rPr lang="en-US" sz="1200" dirty="0">
+                <a:solidFill>
+                  <a:schemeClr val="bg1"/>
+                </a:solidFill>
+                <a:latin typeface="Andale Mono" panose="020B0509000000000004" pitchFamily="49" charset="0"/>
+                <a:ea typeface="Amazon Ember" panose="020B0603020204020204" pitchFamily="34" charset="0"/>
+                <a:cs typeface="Amazon Ember" panose="020B0603020204020204" pitchFamily="34" charset="0"/>
+              </a:rPr>
+              <a:t>// 4 </a:t>
+            </a:r>
+          </a:p>
+          <a:p>
+            <a:endParaRPr lang="en-US" sz="1200" dirty="0">
+              <a:solidFill>
+                <a:srgbClr val="F8991C"/>
+              </a:solidFill>
+              <a:latin typeface="Andale Mono" panose="020B0509000000000004" pitchFamily="49" charset="0"/>
+              <a:ea typeface="Amazon Ember" panose="020B0603020204020204" pitchFamily="34" charset="0"/>
+              <a:cs typeface="Amazon Ember" panose="020B0603020204020204" pitchFamily="34" charset="0"/>
+            </a:endParaRPr>
+          </a:p>
+          <a:p>
+            <a:r>
+              <a:rPr lang="en-US" sz="1200" dirty="0">
+                <a:solidFill>
+                  <a:srgbClr val="F8991C"/>
+                </a:solidFill>
+                <a:latin typeface="Andale Mono" panose="020B0509000000000004" pitchFamily="49" charset="0"/>
+                <a:ea typeface="Amazon Ember" panose="020B0603020204020204" pitchFamily="34" charset="0"/>
+                <a:cs typeface="Amazon Ember" panose="020B0603020204020204" pitchFamily="34" charset="0"/>
+              </a:rPr>
+              <a:t>  </a:t>
+            </a:r>
+            <a:r>
+              <a:rPr lang="en-US" sz="1200" dirty="0">
+                <a:solidFill>
+                  <a:srgbClr val="00B0F0"/>
+                </a:solidFill>
+                <a:latin typeface="Andale Mono" panose="020B0509000000000004" pitchFamily="49" charset="0"/>
+                <a:ea typeface="Amazon Ember" panose="020B0603020204020204" pitchFamily="34" charset="0"/>
+                <a:cs typeface="Amazon Ember" panose="020B0603020204020204" pitchFamily="34" charset="0"/>
+              </a:rPr>
+              <a:t>render</a:t>
+            </a:r>
+            <a:r>
+              <a:rPr lang="en-US" sz="1200" dirty="0">
+                <a:solidFill>
+                  <a:srgbClr val="92D050"/>
+                </a:solidFill>
+                <a:latin typeface="Andale Mono" panose="020B0509000000000004" pitchFamily="49" charset="0"/>
+                <a:ea typeface="Amazon Ember" panose="020B0603020204020204" pitchFamily="34" charset="0"/>
+                <a:cs typeface="Amazon Ember" panose="020B0603020204020204" pitchFamily="34" charset="0"/>
+              </a:rPr>
+              <a:t>()</a:t>
+            </a:r>
+            <a:r>
+              <a:rPr lang="en-US" sz="1200" dirty="0">
+                <a:solidFill>
+                  <a:srgbClr val="F8991C"/>
+                </a:solidFill>
+                <a:latin typeface="Andale Mono" panose="020B0509000000000004" pitchFamily="49" charset="0"/>
+                <a:ea typeface="Amazon Ember" panose="020B0603020204020204" pitchFamily="34" charset="0"/>
+                <a:cs typeface="Amazon Ember" panose="020B0603020204020204" pitchFamily="34" charset="0"/>
+              </a:rPr>
+              <a:t> </a:t>
+            </a:r>
+            <a:r>
+              <a:rPr lang="en-US" sz="1200" dirty="0">
+                <a:solidFill>
+                  <a:schemeClr val="bg1"/>
+                </a:solidFill>
+                <a:latin typeface="Andale Mono" panose="020B0509000000000004" pitchFamily="49" charset="0"/>
+                <a:ea typeface="Amazon Ember" panose="020B0603020204020204" pitchFamily="34" charset="0"/>
+                <a:cs typeface="Amazon Ember" panose="020B0603020204020204" pitchFamily="34" charset="0"/>
+              </a:rPr>
+              <a:t>{ // 3</a:t>
+            </a:r>
+          </a:p>
+          <a:p>
+            <a:r>
+              <a:rPr lang="en-US" sz="1200" dirty="0">
+                <a:solidFill>
+                  <a:srgbClr val="F8991C"/>
+                </a:solidFill>
+                <a:latin typeface="Andale Mono" panose="020B0509000000000004" pitchFamily="49" charset="0"/>
+                <a:ea typeface="Amazon Ember" panose="020B0603020204020204" pitchFamily="34" charset="0"/>
+                <a:cs typeface="Amazon Ember" panose="020B0603020204020204" pitchFamily="34" charset="0"/>
+              </a:rPr>
+              <a:t>    return </a:t>
+            </a:r>
+            <a:r>
+              <a:rPr lang="en-US" sz="1200" dirty="0">
+                <a:solidFill>
+                  <a:schemeClr val="bg1"/>
+                </a:solidFill>
+                <a:latin typeface="Andale Mono" panose="020B0509000000000004" pitchFamily="49" charset="0"/>
+                <a:ea typeface="Amazon Ember" panose="020B0603020204020204" pitchFamily="34" charset="0"/>
+                <a:cs typeface="Amazon Ember" panose="020B0603020204020204" pitchFamily="34" charset="0"/>
+              </a:rPr>
+              <a:t>(</a:t>
+            </a:r>
+          </a:p>
+          <a:p>
+            <a:r>
+              <a:rPr lang="en-US" sz="1200" dirty="0">
+                <a:solidFill>
+                  <a:srgbClr val="F8991C"/>
+                </a:solidFill>
+                <a:latin typeface="Andale Mono" panose="020B0509000000000004" pitchFamily="49" charset="0"/>
+                <a:ea typeface="Amazon Ember" panose="020B0603020204020204" pitchFamily="34" charset="0"/>
+                <a:cs typeface="Amazon Ember" panose="020B0603020204020204" pitchFamily="34" charset="0"/>
+              </a:rPr>
+              <a:t>      </a:t>
+            </a:r>
+            <a:r>
+              <a:rPr lang="en-US" sz="1200" dirty="0">
+                <a:solidFill>
+                  <a:srgbClr val="00B0F0"/>
+                </a:solidFill>
+                <a:latin typeface="Andale Mono" panose="020B0509000000000004" pitchFamily="49" charset="0"/>
+                <a:ea typeface="Amazon Ember" panose="020B0603020204020204" pitchFamily="34" charset="0"/>
+                <a:cs typeface="Amazon Ember" panose="020B0603020204020204" pitchFamily="34" charset="0"/>
+              </a:rPr>
+              <a:t>&lt;</a:t>
+            </a:r>
+            <a:r>
+              <a:rPr lang="en-US" sz="1200" dirty="0">
+                <a:solidFill>
+                  <a:srgbClr val="F8991C"/>
+                </a:solidFill>
+                <a:latin typeface="Andale Mono" panose="020B0509000000000004" pitchFamily="49" charset="0"/>
+                <a:ea typeface="Amazon Ember" panose="020B0603020204020204" pitchFamily="34" charset="0"/>
+                <a:cs typeface="Amazon Ember" panose="020B0603020204020204" pitchFamily="34" charset="0"/>
+              </a:rPr>
+              <a:t>Text</a:t>
+            </a:r>
+            <a:r>
+              <a:rPr lang="en-US" sz="1200" dirty="0">
+                <a:solidFill>
+                  <a:srgbClr val="00B0F0"/>
+                </a:solidFill>
+                <a:latin typeface="Andale Mono" panose="020B0509000000000004" pitchFamily="49" charset="0"/>
+                <a:ea typeface="Amazon Ember" panose="020B0603020204020204" pitchFamily="34" charset="0"/>
+                <a:cs typeface="Amazon Ember" panose="020B0603020204020204" pitchFamily="34" charset="0"/>
+              </a:rPr>
+              <a:t>&gt;Hello World&lt;/</a:t>
+            </a:r>
+            <a:r>
+              <a:rPr lang="en-US" sz="1200" dirty="0">
+                <a:solidFill>
+                  <a:srgbClr val="F8991C"/>
+                </a:solidFill>
+                <a:latin typeface="Andale Mono" panose="020B0509000000000004" pitchFamily="49" charset="0"/>
+                <a:ea typeface="Amazon Ember" panose="020B0603020204020204" pitchFamily="34" charset="0"/>
+                <a:cs typeface="Amazon Ember" panose="020B0603020204020204" pitchFamily="34" charset="0"/>
+              </a:rPr>
+              <a:t>Text</a:t>
+            </a:r>
+            <a:r>
+              <a:rPr lang="en-US" sz="1200" dirty="0">
+                <a:solidFill>
+                  <a:srgbClr val="00B0F0"/>
+                </a:solidFill>
+                <a:latin typeface="Andale Mono" panose="020B0509000000000004" pitchFamily="49" charset="0"/>
+                <a:ea typeface="Amazon Ember" panose="020B0603020204020204" pitchFamily="34" charset="0"/>
+                <a:cs typeface="Amazon Ember" panose="020B0603020204020204" pitchFamily="34" charset="0"/>
+              </a:rPr>
+              <a:t>&gt;</a:t>
+            </a:r>
+            <a:endParaRPr lang="en-US" sz="1200" dirty="0">
+              <a:solidFill>
+                <a:srgbClr val="F8991C"/>
+              </a:solidFill>
+              <a:latin typeface="Andale Mono" panose="020B0509000000000004" pitchFamily="49" charset="0"/>
+              <a:ea typeface="Amazon Ember" panose="020B0603020204020204" pitchFamily="34" charset="0"/>
+              <a:cs typeface="Amazon Ember" panose="020B0603020204020204" pitchFamily="34" charset="0"/>
+            </a:endParaRPr>
+          </a:p>
+          <a:p>
             <a:r>
               <a:rPr lang="en-US" sz="1200" dirty="0">
                 <a:solidFill>
@@ -15628,7 +15331,7 @@
     </p:spTree>
     <p:extLst>
       <p:ext uri="{BB962C8B-B14F-4D97-AF65-F5344CB8AC3E}">
-        <p14:creationId xmlns:p14="http://schemas.microsoft.com/office/powerpoint/2010/main" val="4053277773"/>
+        <p14:creationId xmlns:p14="http://schemas.microsoft.com/office/powerpoint/2010/main" val="641384588"/>
       </p:ext>
     </p:extLst>
   </p:cSld>
@@ -15720,7 +15423,809 @@
                 <a:ea typeface="Amazon Ember" panose="020B0603020204020204" pitchFamily="34" charset="0"/>
                 <a:cs typeface="Amazon Ember" panose="020B0603020204020204" pitchFamily="34" charset="0"/>
               </a:rPr>
-              <a:t>Props</a:t>
+              <a:t>State</a:t>
+            </a:r>
+          </a:p>
+        </p:txBody>
+      </p:sp>
+      <p:sp>
+        <p:nvSpPr>
+          <p:cNvPr id="5" name="TextBox 4">
+            <a:extLst>
+              <a:ext uri="{FF2B5EF4-FFF2-40B4-BE49-F238E27FC236}">
+                <a16:creationId xmlns:a16="http://schemas.microsoft.com/office/drawing/2014/main" id="{11FB2249-F53D-5245-8D67-D5A026D41155}"/>
+              </a:ext>
+            </a:extLst>
+          </p:cNvPr>
+          <p:cNvSpPr txBox="1"/>
+          <p:nvPr/>
+        </p:nvSpPr>
+        <p:spPr>
+          <a:xfrm>
+            <a:off x="330890" y="1484224"/>
+            <a:ext cx="8813110" cy="2492990"/>
+          </a:xfrm>
+          <a:prstGeom prst="rect">
+            <a:avLst/>
+          </a:prstGeom>
+          <a:noFill/>
+        </p:spPr>
+        <p:txBody>
+          <a:bodyPr wrap="square" rtlCol="0">
+            <a:spAutoFit/>
+          </a:bodyPr>
+          <a:lstStyle/>
+          <a:p>
+            <a:r>
+              <a:rPr lang="en-US" sz="1200" dirty="0">
+                <a:solidFill>
+                  <a:srgbClr val="F8991C"/>
+                </a:solidFill>
+                <a:latin typeface="Andale Mono" panose="020B0509000000000004" pitchFamily="49" charset="0"/>
+                <a:ea typeface="Amazon Ember" panose="020B0603020204020204" pitchFamily="34" charset="0"/>
+                <a:cs typeface="Amazon Ember" panose="020B0603020204020204" pitchFamily="34" charset="0"/>
+              </a:rPr>
+              <a:t>class</a:t>
+            </a:r>
+            <a:r>
+              <a:rPr lang="en-US" sz="1200" dirty="0">
+                <a:solidFill>
+                  <a:schemeClr val="bg1"/>
+                </a:solidFill>
+                <a:latin typeface="Andale Mono" panose="020B0509000000000004" pitchFamily="49" charset="0"/>
+                <a:ea typeface="Amazon Ember" panose="020B0603020204020204" pitchFamily="34" charset="0"/>
+                <a:cs typeface="Amazon Ember" panose="020B0603020204020204" pitchFamily="34" charset="0"/>
+              </a:rPr>
+              <a:t> </a:t>
+            </a:r>
+            <a:r>
+              <a:rPr lang="en-US" sz="1200" dirty="0" err="1">
+                <a:solidFill>
+                  <a:srgbClr val="00B0F0"/>
+                </a:solidFill>
+                <a:latin typeface="Andale Mono" panose="020B0509000000000004" pitchFamily="49" charset="0"/>
+                <a:ea typeface="Amazon Ember" panose="020B0603020204020204" pitchFamily="34" charset="0"/>
+                <a:cs typeface="Amazon Ember" panose="020B0603020204020204" pitchFamily="34" charset="0"/>
+              </a:rPr>
+              <a:t>MyComponent</a:t>
+            </a:r>
+            <a:r>
+              <a:rPr lang="en-US" sz="1200" dirty="0">
+                <a:solidFill>
+                  <a:schemeClr val="bg1"/>
+                </a:solidFill>
+                <a:latin typeface="Andale Mono" panose="020B0509000000000004" pitchFamily="49" charset="0"/>
+                <a:ea typeface="Amazon Ember" panose="020B0603020204020204" pitchFamily="34" charset="0"/>
+                <a:cs typeface="Amazon Ember" panose="020B0603020204020204" pitchFamily="34" charset="0"/>
+              </a:rPr>
+              <a:t> </a:t>
+            </a:r>
+            <a:r>
+              <a:rPr lang="en-US" sz="1200" dirty="0">
+                <a:solidFill>
+                  <a:srgbClr val="F8991C"/>
+                </a:solidFill>
+                <a:latin typeface="Andale Mono" panose="020B0509000000000004" pitchFamily="49" charset="0"/>
+                <a:ea typeface="Amazon Ember" panose="020B0603020204020204" pitchFamily="34" charset="0"/>
+                <a:cs typeface="Amazon Ember" panose="020B0603020204020204" pitchFamily="34" charset="0"/>
+              </a:rPr>
+              <a:t>extends</a:t>
+            </a:r>
+            <a:r>
+              <a:rPr lang="en-US" sz="1200" dirty="0">
+                <a:solidFill>
+                  <a:schemeClr val="bg1"/>
+                </a:solidFill>
+                <a:latin typeface="Andale Mono" panose="020B0509000000000004" pitchFamily="49" charset="0"/>
+                <a:ea typeface="Amazon Ember" panose="020B0603020204020204" pitchFamily="34" charset="0"/>
+                <a:cs typeface="Amazon Ember" panose="020B0603020204020204" pitchFamily="34" charset="0"/>
+              </a:rPr>
+              <a:t> </a:t>
+            </a:r>
+            <a:r>
+              <a:rPr lang="en-US" sz="1200" dirty="0" err="1">
+                <a:solidFill>
+                  <a:srgbClr val="00B0F0"/>
+                </a:solidFill>
+                <a:latin typeface="Andale Mono" panose="020B0509000000000004" pitchFamily="49" charset="0"/>
+                <a:ea typeface="Amazon Ember" panose="020B0603020204020204" pitchFamily="34" charset="0"/>
+                <a:cs typeface="Amazon Ember" panose="020B0603020204020204" pitchFamily="34" charset="0"/>
+              </a:rPr>
+              <a:t>React.</a:t>
+            </a:r>
+            <a:r>
+              <a:rPr lang="en-US" sz="1200" dirty="0" err="1">
+                <a:solidFill>
+                  <a:srgbClr val="92D050"/>
+                </a:solidFill>
+                <a:latin typeface="Andale Mono" panose="020B0509000000000004" pitchFamily="49" charset="0"/>
+                <a:ea typeface="Amazon Ember" panose="020B0603020204020204" pitchFamily="34" charset="0"/>
+                <a:cs typeface="Amazon Ember" panose="020B0603020204020204" pitchFamily="34" charset="0"/>
+              </a:rPr>
+              <a:t>Component</a:t>
+            </a:r>
+            <a:r>
+              <a:rPr lang="en-US" sz="1200" dirty="0">
+                <a:solidFill>
+                  <a:srgbClr val="F8991C"/>
+                </a:solidFill>
+                <a:latin typeface="Andale Mono" panose="020B0509000000000004" pitchFamily="49" charset="0"/>
+                <a:ea typeface="Amazon Ember" panose="020B0603020204020204" pitchFamily="34" charset="0"/>
+                <a:cs typeface="Amazon Ember" panose="020B0603020204020204" pitchFamily="34" charset="0"/>
+              </a:rPr>
+              <a:t> {</a:t>
+            </a:r>
+          </a:p>
+          <a:p>
+            <a:r>
+              <a:rPr lang="en-US" sz="1200" dirty="0">
+                <a:latin typeface="Andale Mono" panose="020B0509000000000004" pitchFamily="49" charset="0"/>
+              </a:rPr>
+              <a:t>  </a:t>
+            </a:r>
+            <a:r>
+              <a:rPr lang="en-US" sz="1200" dirty="0">
+                <a:solidFill>
+                  <a:schemeClr val="bg1"/>
+                </a:solidFill>
+                <a:latin typeface="Andale Mono" panose="020B0509000000000004" pitchFamily="49" charset="0"/>
+              </a:rPr>
+              <a:t>state </a:t>
+            </a:r>
+            <a:r>
+              <a:rPr lang="en-US" sz="1200" dirty="0">
+                <a:solidFill>
+                  <a:srgbClr val="F8991C"/>
+                </a:solidFill>
+                <a:latin typeface="Andale Mono" panose="020B0509000000000004" pitchFamily="49" charset="0"/>
+              </a:rPr>
+              <a:t>=</a:t>
+            </a:r>
+            <a:r>
+              <a:rPr lang="en-US" sz="1200" dirty="0">
+                <a:solidFill>
+                  <a:schemeClr val="bg1"/>
+                </a:solidFill>
+                <a:latin typeface="Andale Mono" panose="020B0509000000000004" pitchFamily="49" charset="0"/>
+              </a:rPr>
+              <a:t> { name: </a:t>
+            </a:r>
+            <a:r>
+              <a:rPr lang="en-US" sz="1200" dirty="0">
+                <a:solidFill>
+                  <a:srgbClr val="92D050"/>
+                </a:solidFill>
+                <a:latin typeface="Andale Mono" panose="020B0509000000000004" pitchFamily="49" charset="0"/>
+              </a:rPr>
+              <a:t>'Nader’</a:t>
+            </a:r>
+            <a:r>
+              <a:rPr lang="en-US" sz="1200" dirty="0">
+                <a:solidFill>
+                  <a:schemeClr val="bg1"/>
+                </a:solidFill>
+                <a:latin typeface="Andale Mono" panose="020B0509000000000004" pitchFamily="49" charset="0"/>
+              </a:rPr>
+              <a:t> }</a:t>
+            </a:r>
+          </a:p>
+          <a:p>
+            <a:r>
+              <a:rPr lang="en-US" sz="1200" dirty="0">
+                <a:solidFill>
+                  <a:schemeClr val="bg1"/>
+                </a:solidFill>
+                <a:latin typeface="Andale Mono" panose="020B0509000000000004" pitchFamily="49" charset="0"/>
+              </a:rPr>
+              <a:t>  </a:t>
+            </a:r>
+          </a:p>
+          <a:p>
+            <a:r>
+              <a:rPr lang="en-US" sz="1200" dirty="0">
+                <a:solidFill>
+                  <a:schemeClr val="bg1"/>
+                </a:solidFill>
+                <a:latin typeface="Andale Mono" panose="020B0509000000000004" pitchFamily="49" charset="0"/>
+              </a:rPr>
+              <a:t>  </a:t>
+            </a:r>
+            <a:r>
+              <a:rPr lang="en-US" sz="1200" dirty="0" err="1">
+                <a:solidFill>
+                  <a:srgbClr val="00B0F0"/>
+                </a:solidFill>
+                <a:latin typeface="Andale Mono" panose="020B0509000000000004" pitchFamily="49" charset="0"/>
+              </a:rPr>
+              <a:t>changeName</a:t>
+            </a:r>
+            <a:r>
+              <a:rPr lang="en-US" sz="1200" dirty="0">
+                <a:solidFill>
+                  <a:schemeClr val="bg1"/>
+                </a:solidFill>
+                <a:latin typeface="Andale Mono" panose="020B0509000000000004" pitchFamily="49" charset="0"/>
+              </a:rPr>
+              <a:t> </a:t>
+            </a:r>
+            <a:r>
+              <a:rPr lang="en-US" sz="1200" dirty="0">
+                <a:solidFill>
+                  <a:srgbClr val="F8991C"/>
+                </a:solidFill>
+                <a:latin typeface="Andale Mono" panose="020B0509000000000004" pitchFamily="49" charset="0"/>
+              </a:rPr>
+              <a:t>=</a:t>
+            </a:r>
+            <a:r>
+              <a:rPr lang="en-US" sz="1200" dirty="0">
+                <a:solidFill>
+                  <a:schemeClr val="bg1"/>
+                </a:solidFill>
+                <a:latin typeface="Andale Mono" panose="020B0509000000000004" pitchFamily="49" charset="0"/>
+              </a:rPr>
+              <a:t> </a:t>
+            </a:r>
+            <a:r>
+              <a:rPr lang="en-US" sz="1200" dirty="0">
+                <a:solidFill>
+                  <a:srgbClr val="92D050"/>
+                </a:solidFill>
+                <a:latin typeface="Andale Mono" panose="020B0509000000000004" pitchFamily="49" charset="0"/>
+              </a:rPr>
+              <a:t>()</a:t>
+            </a:r>
+            <a:r>
+              <a:rPr lang="en-US" sz="1200" dirty="0">
+                <a:solidFill>
+                  <a:schemeClr val="bg1"/>
+                </a:solidFill>
+                <a:latin typeface="Andale Mono" panose="020B0509000000000004" pitchFamily="49" charset="0"/>
+              </a:rPr>
+              <a:t> </a:t>
+            </a:r>
+            <a:r>
+              <a:rPr lang="en-US" sz="1200" dirty="0">
+                <a:solidFill>
+                  <a:srgbClr val="F8991C"/>
+                </a:solidFill>
+                <a:latin typeface="Andale Mono" panose="020B0509000000000004" pitchFamily="49" charset="0"/>
+              </a:rPr>
+              <a:t>=&gt;</a:t>
+            </a:r>
+            <a:r>
+              <a:rPr lang="en-US" sz="1200" dirty="0">
+                <a:solidFill>
+                  <a:schemeClr val="bg1"/>
+                </a:solidFill>
+                <a:latin typeface="Andale Mono" panose="020B0509000000000004" pitchFamily="49" charset="0"/>
+              </a:rPr>
+              <a:t> {</a:t>
+            </a:r>
+          </a:p>
+          <a:p>
+            <a:r>
+              <a:rPr lang="en-US" sz="1200" dirty="0">
+                <a:solidFill>
+                  <a:schemeClr val="bg1"/>
+                </a:solidFill>
+                <a:latin typeface="Andale Mono" panose="020B0509000000000004" pitchFamily="49" charset="0"/>
+              </a:rPr>
+              <a:t>    </a:t>
+            </a:r>
+            <a:r>
+              <a:rPr lang="en-US" sz="1200" dirty="0" err="1">
+                <a:solidFill>
+                  <a:srgbClr val="F8991C"/>
+                </a:solidFill>
+                <a:latin typeface="Andale Mono" panose="020B0509000000000004" pitchFamily="49" charset="0"/>
+              </a:rPr>
+              <a:t>this.</a:t>
+            </a:r>
+            <a:r>
+              <a:rPr lang="en-US" sz="1200" dirty="0" err="1">
+                <a:solidFill>
+                  <a:srgbClr val="00B0F0"/>
+                </a:solidFill>
+                <a:latin typeface="Andale Mono" panose="020B0509000000000004" pitchFamily="49" charset="0"/>
+              </a:rPr>
+              <a:t>setState</a:t>
+            </a:r>
+            <a:r>
+              <a:rPr lang="en-US" sz="1200" dirty="0">
+                <a:solidFill>
+                  <a:schemeClr val="bg1"/>
+                </a:solidFill>
+                <a:latin typeface="Andale Mono" panose="020B0509000000000004" pitchFamily="49" charset="0"/>
+              </a:rPr>
+              <a:t>({ name: </a:t>
+            </a:r>
+            <a:r>
+              <a:rPr lang="en-US" sz="1200" dirty="0">
+                <a:solidFill>
+                  <a:srgbClr val="92D050"/>
+                </a:solidFill>
+                <a:latin typeface="Andale Mono" panose="020B0509000000000004" pitchFamily="49" charset="0"/>
+              </a:rPr>
+              <a:t>'Dennis'</a:t>
+            </a:r>
+            <a:r>
+              <a:rPr lang="en-US" sz="1200" dirty="0">
+                <a:solidFill>
+                  <a:schemeClr val="bg1"/>
+                </a:solidFill>
+                <a:latin typeface="Andale Mono" panose="020B0509000000000004" pitchFamily="49" charset="0"/>
+              </a:rPr>
+              <a:t> })</a:t>
+            </a:r>
+          </a:p>
+          <a:p>
+            <a:r>
+              <a:rPr lang="en-US" sz="1200" dirty="0">
+                <a:solidFill>
+                  <a:schemeClr val="bg1"/>
+                </a:solidFill>
+                <a:latin typeface="Andale Mono" panose="020B0509000000000004" pitchFamily="49" charset="0"/>
+              </a:rPr>
+              <a:t>  }</a:t>
+            </a:r>
+          </a:p>
+          <a:p>
+            <a:endParaRPr lang="en-US" sz="1200" dirty="0">
+              <a:solidFill>
+                <a:schemeClr val="bg1"/>
+              </a:solidFill>
+              <a:latin typeface="Andale Mono" panose="020B0509000000000004" pitchFamily="49" charset="0"/>
+            </a:endParaRPr>
+          </a:p>
+          <a:p>
+            <a:r>
+              <a:rPr lang="en-US" sz="1200" dirty="0">
+                <a:solidFill>
+                  <a:srgbClr val="F8991C"/>
+                </a:solidFill>
+                <a:latin typeface="Andale Mono" panose="020B0509000000000004" pitchFamily="49" charset="0"/>
+                <a:ea typeface="Amazon Ember" panose="020B0603020204020204" pitchFamily="34" charset="0"/>
+                <a:cs typeface="Amazon Ember" panose="020B0603020204020204" pitchFamily="34" charset="0"/>
+              </a:rPr>
+              <a:t>  </a:t>
+            </a:r>
+            <a:r>
+              <a:rPr lang="en-US" sz="1200" dirty="0">
+                <a:solidFill>
+                  <a:srgbClr val="00B0F0"/>
+                </a:solidFill>
+                <a:latin typeface="Andale Mono" panose="020B0509000000000004" pitchFamily="49" charset="0"/>
+                <a:ea typeface="Amazon Ember" panose="020B0603020204020204" pitchFamily="34" charset="0"/>
+                <a:cs typeface="Amazon Ember" panose="020B0603020204020204" pitchFamily="34" charset="0"/>
+              </a:rPr>
+              <a:t>render</a:t>
+            </a:r>
+            <a:r>
+              <a:rPr lang="en-US" sz="1200" dirty="0">
+                <a:solidFill>
+                  <a:srgbClr val="92D050"/>
+                </a:solidFill>
+                <a:latin typeface="Andale Mono" panose="020B0509000000000004" pitchFamily="49" charset="0"/>
+                <a:ea typeface="Amazon Ember" panose="020B0603020204020204" pitchFamily="34" charset="0"/>
+                <a:cs typeface="Amazon Ember" panose="020B0603020204020204" pitchFamily="34" charset="0"/>
+              </a:rPr>
+              <a:t>()</a:t>
+            </a:r>
+            <a:r>
+              <a:rPr lang="en-US" sz="1200" dirty="0">
+                <a:solidFill>
+                  <a:srgbClr val="F8991C"/>
+                </a:solidFill>
+                <a:latin typeface="Andale Mono" panose="020B0509000000000004" pitchFamily="49" charset="0"/>
+                <a:ea typeface="Amazon Ember" panose="020B0603020204020204" pitchFamily="34" charset="0"/>
+                <a:cs typeface="Amazon Ember" panose="020B0603020204020204" pitchFamily="34" charset="0"/>
+              </a:rPr>
+              <a:t> </a:t>
+            </a:r>
+            <a:r>
+              <a:rPr lang="en-US" sz="1200" dirty="0">
+                <a:solidFill>
+                  <a:schemeClr val="bg1"/>
+                </a:solidFill>
+                <a:latin typeface="Andale Mono" panose="020B0509000000000004" pitchFamily="49" charset="0"/>
+                <a:ea typeface="Amazon Ember" panose="020B0603020204020204" pitchFamily="34" charset="0"/>
+                <a:cs typeface="Amazon Ember" panose="020B0603020204020204" pitchFamily="34" charset="0"/>
+              </a:rPr>
+              <a:t>{</a:t>
+            </a:r>
+          </a:p>
+          <a:p>
+            <a:r>
+              <a:rPr lang="en-US" sz="1200" dirty="0">
+                <a:solidFill>
+                  <a:srgbClr val="F8991C"/>
+                </a:solidFill>
+                <a:latin typeface="Andale Mono" panose="020B0509000000000004" pitchFamily="49" charset="0"/>
+                <a:ea typeface="Amazon Ember" panose="020B0603020204020204" pitchFamily="34" charset="0"/>
+                <a:cs typeface="Amazon Ember" panose="020B0603020204020204" pitchFamily="34" charset="0"/>
+              </a:rPr>
+              <a:t>    return </a:t>
+            </a:r>
+            <a:r>
+              <a:rPr lang="en-US" sz="1200" dirty="0">
+                <a:solidFill>
+                  <a:schemeClr val="bg1"/>
+                </a:solidFill>
+                <a:latin typeface="Andale Mono" panose="020B0509000000000004" pitchFamily="49" charset="0"/>
+                <a:ea typeface="Amazon Ember" panose="020B0603020204020204" pitchFamily="34" charset="0"/>
+                <a:cs typeface="Amazon Ember" panose="020B0603020204020204" pitchFamily="34" charset="0"/>
+              </a:rPr>
+              <a:t>(</a:t>
+            </a:r>
+          </a:p>
+          <a:p>
+            <a:r>
+              <a:rPr lang="en-US" sz="1200" dirty="0">
+                <a:solidFill>
+                  <a:srgbClr val="F8991C"/>
+                </a:solidFill>
+                <a:latin typeface="Andale Mono" panose="020B0509000000000004" pitchFamily="49" charset="0"/>
+                <a:ea typeface="Amazon Ember" panose="020B0603020204020204" pitchFamily="34" charset="0"/>
+                <a:cs typeface="Amazon Ember" panose="020B0603020204020204" pitchFamily="34" charset="0"/>
+              </a:rPr>
+              <a:t>      </a:t>
+            </a:r>
+            <a:r>
+              <a:rPr lang="en-US" sz="1200" dirty="0">
+                <a:solidFill>
+                  <a:srgbClr val="00B0F0"/>
+                </a:solidFill>
+                <a:latin typeface="Andale Mono" panose="020B0509000000000004" pitchFamily="49" charset="0"/>
+                <a:ea typeface="Amazon Ember" panose="020B0603020204020204" pitchFamily="34" charset="0"/>
+                <a:cs typeface="Amazon Ember" panose="020B0603020204020204" pitchFamily="34" charset="0"/>
+              </a:rPr>
+              <a:t>&lt;</a:t>
+            </a:r>
+            <a:r>
+              <a:rPr lang="en-US" sz="1200" dirty="0">
+                <a:solidFill>
+                  <a:srgbClr val="F8991C"/>
+                </a:solidFill>
+                <a:latin typeface="Andale Mono" panose="020B0509000000000004" pitchFamily="49" charset="0"/>
+                <a:ea typeface="Amazon Ember" panose="020B0603020204020204" pitchFamily="34" charset="0"/>
+                <a:cs typeface="Amazon Ember" panose="020B0603020204020204" pitchFamily="34" charset="0"/>
+              </a:rPr>
+              <a:t>Text </a:t>
+            </a:r>
+            <a:r>
+              <a:rPr lang="en-US" sz="1200" dirty="0" err="1">
+                <a:solidFill>
+                  <a:srgbClr val="00B0F0"/>
+                </a:solidFill>
+                <a:latin typeface="Andale Mono" panose="020B0509000000000004" pitchFamily="49" charset="0"/>
+                <a:ea typeface="Amazon Ember" panose="020B0603020204020204" pitchFamily="34" charset="0"/>
+                <a:cs typeface="Amazon Ember" panose="020B0603020204020204" pitchFamily="34" charset="0"/>
+              </a:rPr>
+              <a:t>onPress</a:t>
+            </a:r>
+            <a:r>
+              <a:rPr lang="en-US" sz="1200" dirty="0">
+                <a:solidFill>
+                  <a:srgbClr val="B719D0"/>
+                </a:solidFill>
+                <a:latin typeface="Andale Mono" panose="020B0509000000000004" pitchFamily="49" charset="0"/>
+                <a:ea typeface="Amazon Ember" panose="020B0603020204020204" pitchFamily="34" charset="0"/>
+                <a:cs typeface="Amazon Ember" panose="020B0603020204020204" pitchFamily="34" charset="0"/>
+              </a:rPr>
+              <a:t>=</a:t>
+            </a:r>
+            <a:r>
+              <a:rPr lang="en-US" sz="1200" dirty="0">
+                <a:solidFill>
+                  <a:srgbClr val="F8991C"/>
+                </a:solidFill>
+                <a:latin typeface="Andale Mono" panose="020B0509000000000004" pitchFamily="49" charset="0"/>
+                <a:ea typeface="Amazon Ember" panose="020B0603020204020204" pitchFamily="34" charset="0"/>
+                <a:cs typeface="Amazon Ember" panose="020B0603020204020204" pitchFamily="34" charset="0"/>
+              </a:rPr>
+              <a:t>{</a:t>
+            </a:r>
+            <a:r>
+              <a:rPr lang="en-US" sz="1200" dirty="0" err="1">
+                <a:solidFill>
+                  <a:srgbClr val="F8991C"/>
+                </a:solidFill>
+                <a:latin typeface="Andale Mono" panose="020B0509000000000004" pitchFamily="49" charset="0"/>
+                <a:ea typeface="Amazon Ember" panose="020B0603020204020204" pitchFamily="34" charset="0"/>
+                <a:cs typeface="Amazon Ember" panose="020B0603020204020204" pitchFamily="34" charset="0"/>
+              </a:rPr>
+              <a:t>this.</a:t>
+            </a:r>
+            <a:r>
+              <a:rPr lang="en-US" sz="1200" dirty="0" err="1">
+                <a:solidFill>
+                  <a:schemeClr val="bg1"/>
+                </a:solidFill>
+                <a:latin typeface="Andale Mono" panose="020B0509000000000004" pitchFamily="49" charset="0"/>
+                <a:ea typeface="Amazon Ember" panose="020B0603020204020204" pitchFamily="34" charset="0"/>
+                <a:cs typeface="Amazon Ember" panose="020B0603020204020204" pitchFamily="34" charset="0"/>
+              </a:rPr>
+              <a:t>changeName</a:t>
+            </a:r>
+            <a:r>
+              <a:rPr lang="en-US" sz="1200" dirty="0">
+                <a:solidFill>
+                  <a:srgbClr val="F8991C"/>
+                </a:solidFill>
+                <a:latin typeface="Andale Mono" panose="020B0509000000000004" pitchFamily="49" charset="0"/>
+                <a:ea typeface="Amazon Ember" panose="020B0603020204020204" pitchFamily="34" charset="0"/>
+                <a:cs typeface="Amazon Ember" panose="020B0603020204020204" pitchFamily="34" charset="0"/>
+              </a:rPr>
+              <a:t>}</a:t>
+            </a:r>
+            <a:r>
+              <a:rPr lang="en-US" sz="1200" dirty="0">
+                <a:solidFill>
+                  <a:srgbClr val="00B0F0"/>
+                </a:solidFill>
+                <a:latin typeface="Andale Mono" panose="020B0509000000000004" pitchFamily="49" charset="0"/>
+                <a:ea typeface="Amazon Ember" panose="020B0603020204020204" pitchFamily="34" charset="0"/>
+                <a:cs typeface="Amazon Ember" panose="020B0603020204020204" pitchFamily="34" charset="0"/>
+              </a:rPr>
+              <a:t>&gt;Hello </a:t>
+            </a:r>
+            <a:r>
+              <a:rPr lang="en-US" sz="1200" dirty="0">
+                <a:solidFill>
+                  <a:srgbClr val="F8991C"/>
+                </a:solidFill>
+                <a:latin typeface="Andale Mono" panose="020B0509000000000004" pitchFamily="49" charset="0"/>
+                <a:ea typeface="Amazon Ember" panose="020B0603020204020204" pitchFamily="34" charset="0"/>
+                <a:cs typeface="Amazon Ember" panose="020B0603020204020204" pitchFamily="34" charset="0"/>
+              </a:rPr>
+              <a:t>{</a:t>
+            </a:r>
+            <a:r>
+              <a:rPr lang="en-US" sz="1200" dirty="0" err="1">
+                <a:solidFill>
+                  <a:srgbClr val="F8991C"/>
+                </a:solidFill>
+                <a:latin typeface="Andale Mono" panose="020B0509000000000004" pitchFamily="49" charset="0"/>
+                <a:ea typeface="Amazon Ember" panose="020B0603020204020204" pitchFamily="34" charset="0"/>
+                <a:cs typeface="Amazon Ember" panose="020B0603020204020204" pitchFamily="34" charset="0"/>
+              </a:rPr>
+              <a:t>this.</a:t>
+            </a:r>
+            <a:r>
+              <a:rPr lang="en-US" sz="1200" dirty="0" err="1">
+                <a:solidFill>
+                  <a:schemeClr val="bg1"/>
+                </a:solidFill>
+                <a:latin typeface="Andale Mono" panose="020B0509000000000004" pitchFamily="49" charset="0"/>
+                <a:ea typeface="Amazon Ember" panose="020B0603020204020204" pitchFamily="34" charset="0"/>
+                <a:cs typeface="Amazon Ember" panose="020B0603020204020204" pitchFamily="34" charset="0"/>
+              </a:rPr>
+              <a:t>state</a:t>
+            </a:r>
+            <a:r>
+              <a:rPr lang="en-US" sz="1200" dirty="0" err="1">
+                <a:solidFill>
+                  <a:srgbClr val="F8991C"/>
+                </a:solidFill>
+                <a:latin typeface="Andale Mono" panose="020B0509000000000004" pitchFamily="49" charset="0"/>
+                <a:ea typeface="Amazon Ember" panose="020B0603020204020204" pitchFamily="34" charset="0"/>
+                <a:cs typeface="Amazon Ember" panose="020B0603020204020204" pitchFamily="34" charset="0"/>
+              </a:rPr>
+              <a:t>.</a:t>
+            </a:r>
+            <a:r>
+              <a:rPr lang="en-US" sz="1200" dirty="0" err="1">
+                <a:solidFill>
+                  <a:srgbClr val="00B0F0"/>
+                </a:solidFill>
+                <a:latin typeface="Andale Mono" panose="020B0509000000000004" pitchFamily="49" charset="0"/>
+                <a:ea typeface="Amazon Ember" panose="020B0603020204020204" pitchFamily="34" charset="0"/>
+                <a:cs typeface="Amazon Ember" panose="020B0603020204020204" pitchFamily="34" charset="0"/>
+              </a:rPr>
+              <a:t>name</a:t>
+            </a:r>
+            <a:r>
+              <a:rPr lang="en-US" sz="1200" dirty="0">
+                <a:solidFill>
+                  <a:srgbClr val="F8991C"/>
+                </a:solidFill>
+                <a:latin typeface="Andale Mono" panose="020B0509000000000004" pitchFamily="49" charset="0"/>
+                <a:ea typeface="Amazon Ember" panose="020B0603020204020204" pitchFamily="34" charset="0"/>
+                <a:cs typeface="Amazon Ember" panose="020B0603020204020204" pitchFamily="34" charset="0"/>
+              </a:rPr>
+              <a:t>}</a:t>
+            </a:r>
+            <a:r>
+              <a:rPr lang="en-US" sz="1200" dirty="0">
+                <a:solidFill>
+                  <a:srgbClr val="00B0F0"/>
+                </a:solidFill>
+                <a:latin typeface="Andale Mono" panose="020B0509000000000004" pitchFamily="49" charset="0"/>
+                <a:ea typeface="Amazon Ember" panose="020B0603020204020204" pitchFamily="34" charset="0"/>
+                <a:cs typeface="Amazon Ember" panose="020B0603020204020204" pitchFamily="34" charset="0"/>
+              </a:rPr>
+              <a:t>&lt;/</a:t>
+            </a:r>
+            <a:r>
+              <a:rPr lang="en-US" sz="1200" dirty="0">
+                <a:solidFill>
+                  <a:srgbClr val="F8991C"/>
+                </a:solidFill>
+                <a:latin typeface="Andale Mono" panose="020B0509000000000004" pitchFamily="49" charset="0"/>
+                <a:ea typeface="Amazon Ember" panose="020B0603020204020204" pitchFamily="34" charset="0"/>
+                <a:cs typeface="Amazon Ember" panose="020B0603020204020204" pitchFamily="34" charset="0"/>
+              </a:rPr>
+              <a:t>Text</a:t>
+            </a:r>
+            <a:r>
+              <a:rPr lang="en-US" sz="1200" dirty="0">
+                <a:solidFill>
+                  <a:srgbClr val="00B0F0"/>
+                </a:solidFill>
+                <a:latin typeface="Andale Mono" panose="020B0509000000000004" pitchFamily="49" charset="0"/>
+                <a:ea typeface="Amazon Ember" panose="020B0603020204020204" pitchFamily="34" charset="0"/>
+                <a:cs typeface="Amazon Ember" panose="020B0603020204020204" pitchFamily="34" charset="0"/>
+              </a:rPr>
+              <a:t>&gt;</a:t>
+            </a:r>
+            <a:endParaRPr lang="en-US" sz="1200" dirty="0">
+              <a:solidFill>
+                <a:srgbClr val="F8991C"/>
+              </a:solidFill>
+              <a:latin typeface="Andale Mono" panose="020B0509000000000004" pitchFamily="49" charset="0"/>
+              <a:ea typeface="Amazon Ember" panose="020B0603020204020204" pitchFamily="34" charset="0"/>
+              <a:cs typeface="Amazon Ember" panose="020B0603020204020204" pitchFamily="34" charset="0"/>
+            </a:endParaRPr>
+          </a:p>
+          <a:p>
+            <a:r>
+              <a:rPr lang="en-US" sz="1200" dirty="0">
+                <a:solidFill>
+                  <a:srgbClr val="F8991C"/>
+                </a:solidFill>
+                <a:latin typeface="Andale Mono" panose="020B0509000000000004" pitchFamily="49" charset="0"/>
+                <a:ea typeface="Amazon Ember" panose="020B0603020204020204" pitchFamily="34" charset="0"/>
+                <a:cs typeface="Amazon Ember" panose="020B0603020204020204" pitchFamily="34" charset="0"/>
+              </a:rPr>
+              <a:t>    </a:t>
+            </a:r>
+            <a:r>
+              <a:rPr lang="en-US" sz="1200" dirty="0">
+                <a:solidFill>
+                  <a:schemeClr val="bg1"/>
+                </a:solidFill>
+                <a:latin typeface="Andale Mono" panose="020B0509000000000004" pitchFamily="49" charset="0"/>
+                <a:ea typeface="Amazon Ember" panose="020B0603020204020204" pitchFamily="34" charset="0"/>
+                <a:cs typeface="Amazon Ember" panose="020B0603020204020204" pitchFamily="34" charset="0"/>
+              </a:rPr>
+              <a:t>)</a:t>
+            </a:r>
+          </a:p>
+          <a:p>
+            <a:r>
+              <a:rPr lang="en-US" sz="1200" dirty="0">
+                <a:solidFill>
+                  <a:schemeClr val="bg1"/>
+                </a:solidFill>
+                <a:latin typeface="Andale Mono" panose="020B0509000000000004" pitchFamily="49" charset="0"/>
+                <a:ea typeface="Amazon Ember" panose="020B0603020204020204" pitchFamily="34" charset="0"/>
+                <a:cs typeface="Amazon Ember" panose="020B0603020204020204" pitchFamily="34" charset="0"/>
+              </a:rPr>
+              <a:t>  }</a:t>
+            </a:r>
+          </a:p>
+          <a:p>
+            <a:r>
+              <a:rPr lang="en-US" sz="1200" dirty="0">
+                <a:solidFill>
+                  <a:schemeClr val="bg1"/>
+                </a:solidFill>
+                <a:latin typeface="Andale Mono" panose="020B0509000000000004" pitchFamily="49" charset="0"/>
+                <a:ea typeface="Amazon Ember" panose="020B0603020204020204" pitchFamily="34" charset="0"/>
+                <a:cs typeface="Amazon Ember" panose="020B0603020204020204" pitchFamily="34" charset="0"/>
+              </a:rPr>
+              <a:t>} </a:t>
+            </a:r>
+          </a:p>
+        </p:txBody>
+      </p:sp>
+    </p:spTree>
+    <p:extLst>
+      <p:ext uri="{BB962C8B-B14F-4D97-AF65-F5344CB8AC3E}">
+        <p14:creationId xmlns:p14="http://schemas.microsoft.com/office/powerpoint/2010/main" val="4053277773"/>
+      </p:ext>
+    </p:extLst>
+  </p:cSld>
+  <p:clrMapOvr>
+    <a:masterClrMapping/>
+  </p:clrMapOvr>
+</p:sld>
+</file>
+
+<file path=ppt/slides/slide35.xml><?xml version="1.0" encoding="utf-8"?>
+<p:sld xmlns:a="http://schemas.openxmlformats.org/drawingml/2006/main" xmlns:r="http://schemas.openxmlformats.org/officeDocument/2006/relationships" xmlns:p="http://schemas.openxmlformats.org/presentationml/2006/main">
+  <p:cSld>
+    <p:spTree>
+      <p:nvGrpSpPr>
+        <p:cNvPr id="1" name=""/>
+        <p:cNvGrpSpPr/>
+        <p:nvPr/>
+      </p:nvGrpSpPr>
+      <p:grpSpPr>
+        <a:xfrm>
+          <a:off x="0" y="0"/>
+          <a:ext cx="0" cy="0"/>
+          <a:chOff x="0" y="0"/>
+          <a:chExt cx="0" cy="0"/>
+        </a:xfrm>
+      </p:grpSpPr>
+      <p:sp>
+        <p:nvSpPr>
+          <p:cNvPr id="2" name="Title 1">
+            <a:extLst>
+              <a:ext uri="{FF2B5EF4-FFF2-40B4-BE49-F238E27FC236}">
+                <a16:creationId xmlns:a16="http://schemas.microsoft.com/office/drawing/2014/main" id="{323E1592-2CF4-AC40-8034-3757624D7029}"/>
+              </a:ext>
+            </a:extLst>
+          </p:cNvPr>
+          <p:cNvSpPr>
+            <a:spLocks noGrp="1"/>
+          </p:cNvSpPr>
+          <p:nvPr>
+            <p:ph type="title"/>
+          </p:nvPr>
+        </p:nvSpPr>
+        <p:spPr/>
+        <p:txBody>
+          <a:bodyPr/>
+          <a:lstStyle/>
+          <a:p>
+            <a:r>
+              <a:rPr lang="en-US" dirty="0"/>
+              <a:t>Data</a:t>
+            </a:r>
+          </a:p>
+        </p:txBody>
+      </p:sp>
+      <p:sp>
+        <p:nvSpPr>
+          <p:cNvPr id="7" name="TextBox 6">
+            <a:extLst>
+              <a:ext uri="{FF2B5EF4-FFF2-40B4-BE49-F238E27FC236}">
+                <a16:creationId xmlns:a16="http://schemas.microsoft.com/office/drawing/2014/main" id="{4A01EF49-0B48-AB42-B592-18F39ADAA275}"/>
+              </a:ext>
+            </a:extLst>
+          </p:cNvPr>
+          <p:cNvSpPr txBox="1"/>
+          <p:nvPr/>
+        </p:nvSpPr>
+        <p:spPr>
+          <a:xfrm>
+            <a:off x="336789" y="614914"/>
+            <a:ext cx="5271246" cy="369332"/>
+          </a:xfrm>
+          <a:prstGeom prst="rect">
+            <a:avLst/>
+          </a:prstGeom>
+          <a:noFill/>
+        </p:spPr>
+        <p:txBody>
+          <a:bodyPr wrap="square" rtlCol="0">
+            <a:spAutoFit/>
+          </a:bodyPr>
+          <a:lstStyle/>
+          <a:p>
+            <a:r>
+              <a:rPr lang="en-US" dirty="0">
+                <a:solidFill>
+                  <a:srgbClr val="F8991C"/>
+                </a:solidFill>
+                <a:latin typeface="Amazon Ember" panose="020B0603020204020204" pitchFamily="34" charset="0"/>
+                <a:ea typeface="Amazon Ember" panose="020B0603020204020204" pitchFamily="34" charset="0"/>
+                <a:cs typeface="Amazon Ember" panose="020B0603020204020204" pitchFamily="34" charset="0"/>
+              </a:rPr>
+              <a:t>Props – Class Component</a:t>
             </a:r>
           </a:p>
         </p:txBody>
@@ -15740,7 +16245,7 @@
         <p:spPr>
           <a:xfrm>
             <a:off x="330890" y="1702500"/>
-            <a:ext cx="8205150" cy="1384995"/>
+            <a:ext cx="8205150" cy="1600438"/>
           </a:xfrm>
           <a:prstGeom prst="rect">
             <a:avLst/>
@@ -15754,7 +16259,7 @@
           <a:lstStyle/>
           <a:p>
             <a:r>
-              <a:rPr lang="en-US" sz="1200" dirty="0">
+              <a:rPr lang="en-US" sz="1400" dirty="0">
                 <a:solidFill>
                   <a:srgbClr val="F8991C"/>
                 </a:solidFill>
@@ -15765,7 +16270,7 @@
               <a:t>class</a:t>
             </a:r>
             <a:r>
-              <a:rPr lang="en-US" sz="1200" dirty="0">
+              <a:rPr lang="en-US" sz="1400" dirty="0">
                 <a:solidFill>
                   <a:schemeClr val="bg1"/>
                 </a:solidFill>
@@ -15776,7 +16281,7 @@
               <a:t> </a:t>
             </a:r>
             <a:r>
-              <a:rPr lang="en-US" sz="1200" dirty="0" err="1">
+              <a:rPr lang="en-US" sz="1400" dirty="0" err="1">
                 <a:solidFill>
                   <a:srgbClr val="00B0F0"/>
                 </a:solidFill>
@@ -15787,7 +16292,7 @@
               <a:t>MyComponent</a:t>
             </a:r>
             <a:r>
-              <a:rPr lang="en-US" sz="1200" dirty="0">
+              <a:rPr lang="en-US" sz="1400" dirty="0">
                 <a:solidFill>
                   <a:schemeClr val="bg1"/>
                 </a:solidFill>
@@ -15798,7 +16303,7 @@
               <a:t> </a:t>
             </a:r>
             <a:r>
-              <a:rPr lang="en-US" sz="1200" dirty="0">
+              <a:rPr lang="en-US" sz="1400" dirty="0">
                 <a:solidFill>
                   <a:srgbClr val="F8991C"/>
                 </a:solidFill>
@@ -15809,7 +16314,7 @@
               <a:t>extends</a:t>
             </a:r>
             <a:r>
-              <a:rPr lang="en-US" sz="1200" dirty="0">
+              <a:rPr lang="en-US" sz="1400" dirty="0">
                 <a:solidFill>
                   <a:schemeClr val="bg1"/>
                 </a:solidFill>
@@ -15820,7 +16325,7 @@
               <a:t> </a:t>
             </a:r>
             <a:r>
-              <a:rPr lang="en-US" sz="1200" dirty="0" err="1">
+              <a:rPr lang="en-US" sz="1400" dirty="0" err="1">
                 <a:solidFill>
                   <a:srgbClr val="00B0F0"/>
                 </a:solidFill>
@@ -15831,7 +16336,7 @@
               <a:t>React.</a:t>
             </a:r>
             <a:r>
-              <a:rPr lang="en-US" sz="1200" dirty="0" err="1">
+              <a:rPr lang="en-US" sz="1400" dirty="0" err="1">
                 <a:solidFill>
                   <a:srgbClr val="92D050"/>
                 </a:solidFill>
@@ -15842,7 +16347,7 @@
               <a:t>Component</a:t>
             </a:r>
             <a:r>
-              <a:rPr lang="en-US" sz="1200" dirty="0">
+              <a:rPr lang="en-US" sz="1400" dirty="0">
                 <a:solidFill>
                   <a:srgbClr val="F8991C"/>
                 </a:solidFill>
@@ -15853,12 +16358,12 @@
               <a:t> {</a:t>
             </a:r>
             <a:r>
-              <a:rPr lang="en-US" sz="1200" dirty="0">
+              <a:rPr lang="en-US" sz="1400" dirty="0">
                 <a:latin typeface="Andale Mono" panose="020B0509000000000004" pitchFamily="49" charset="0"/>
               </a:rPr>
               <a:t>  </a:t>
             </a:r>
-            <a:endParaRPr lang="en-US" sz="1200" dirty="0">
+            <a:endParaRPr lang="en-US" sz="1400" dirty="0">
               <a:solidFill>
                 <a:schemeClr val="bg1"/>
               </a:solidFill>
@@ -15867,7 +16372,7 @@
           </a:p>
           <a:p>
             <a:r>
-              <a:rPr lang="en-US" sz="1200" dirty="0">
+              <a:rPr lang="en-US" sz="1400" dirty="0">
                 <a:solidFill>
                   <a:srgbClr val="F8991C"/>
                 </a:solidFill>
@@ -15878,7 +16383,7 @@
               <a:t>  </a:t>
             </a:r>
             <a:r>
-              <a:rPr lang="en-US" sz="1200" dirty="0">
+              <a:rPr lang="en-US" sz="1400" dirty="0">
                 <a:solidFill>
                   <a:srgbClr val="00B0F0"/>
                 </a:solidFill>
@@ -15889,7 +16394,7 @@
               <a:t>render</a:t>
             </a:r>
             <a:r>
-              <a:rPr lang="en-US" sz="1200" dirty="0">
+              <a:rPr lang="en-US" sz="1400" dirty="0">
                 <a:solidFill>
                   <a:srgbClr val="92D050"/>
                 </a:solidFill>
@@ -15900,7 +16405,7 @@
               <a:t>()</a:t>
             </a:r>
             <a:r>
-              <a:rPr lang="en-US" sz="1200" dirty="0">
+              <a:rPr lang="en-US" sz="1400" dirty="0">
                 <a:solidFill>
                   <a:srgbClr val="F8991C"/>
                 </a:solidFill>
@@ -15911,7 +16416,7 @@
               <a:t> </a:t>
             </a:r>
             <a:r>
-              <a:rPr lang="en-US" sz="1200" dirty="0">
+              <a:rPr lang="en-US" sz="1400" dirty="0">
                 <a:solidFill>
                   <a:schemeClr val="bg1"/>
                 </a:solidFill>
@@ -15924,7 +16429,7 @@
           </a:p>
           <a:p>
             <a:r>
-              <a:rPr lang="en-US" sz="1200" dirty="0">
+              <a:rPr lang="en-US" sz="1400" dirty="0">
                 <a:solidFill>
                   <a:srgbClr val="F8991C"/>
                 </a:solidFill>
@@ -15935,7 +16440,7 @@
               <a:t>    return </a:t>
             </a:r>
             <a:r>
-              <a:rPr lang="en-US" sz="1200" dirty="0">
+              <a:rPr lang="en-US" sz="1400" dirty="0">
                 <a:solidFill>
                   <a:schemeClr val="bg1"/>
                 </a:solidFill>
@@ -15948,7 +16453,7 @@
           </a:p>
           <a:p>
             <a:r>
-              <a:rPr lang="en-US" sz="1200" dirty="0">
+              <a:rPr lang="en-US" sz="1400" dirty="0">
                 <a:solidFill>
                   <a:srgbClr val="F8991C"/>
                 </a:solidFill>
@@ -15959,7 +16464,7 @@
               <a:t>      </a:t>
             </a:r>
             <a:r>
-              <a:rPr lang="en-US" sz="1200" dirty="0">
+              <a:rPr lang="en-US" sz="1400" dirty="0">
                 <a:solidFill>
                   <a:srgbClr val="00B0F0"/>
                 </a:solidFill>
@@ -15970,7 +16475,7 @@
               <a:t>&lt;</a:t>
             </a:r>
             <a:r>
-              <a:rPr lang="en-US" sz="1200" dirty="0">
+              <a:rPr lang="en-US" sz="1400" dirty="0">
                 <a:solidFill>
                   <a:srgbClr val="F8991C"/>
                 </a:solidFill>
@@ -15981,7 +16486,7 @@
               <a:t>Text</a:t>
             </a:r>
             <a:r>
-              <a:rPr lang="en-US" sz="1200" dirty="0">
+              <a:rPr lang="en-US" sz="1400" dirty="0">
                 <a:solidFill>
                   <a:srgbClr val="00B0F0"/>
                 </a:solidFill>
@@ -15992,7 +16497,7 @@
               <a:t>&gt;Hello </a:t>
             </a:r>
             <a:r>
-              <a:rPr lang="en-US" sz="1200" dirty="0">
+              <a:rPr lang="en-US" sz="1400" dirty="0">
                 <a:solidFill>
                   <a:srgbClr val="F8991C"/>
                 </a:solidFill>
@@ -16003,7 +16508,7 @@
               <a:t>{</a:t>
             </a:r>
             <a:r>
-              <a:rPr lang="en-US" sz="1200" dirty="0" err="1">
+              <a:rPr lang="en-US" sz="1400" dirty="0" err="1">
                 <a:solidFill>
                   <a:srgbClr val="F8991C"/>
                 </a:solidFill>
@@ -16014,7 +16519,7 @@
               <a:t>this.</a:t>
             </a:r>
             <a:r>
-              <a:rPr lang="en-US" sz="1200" dirty="0" err="1">
+              <a:rPr lang="en-US" sz="1400" dirty="0" err="1">
                 <a:solidFill>
                   <a:srgbClr val="00B0F0"/>
                 </a:solidFill>
@@ -16025,7 +16530,7 @@
               <a:t>props</a:t>
             </a:r>
             <a:r>
-              <a:rPr lang="en-US" sz="1200" dirty="0" err="1">
+              <a:rPr lang="en-US" sz="1400" dirty="0" err="1">
                 <a:solidFill>
                   <a:srgbClr val="F8991C"/>
                 </a:solidFill>
@@ -16036,7 +16541,7 @@
               <a:t>.</a:t>
             </a:r>
             <a:r>
-              <a:rPr lang="en-US" sz="1200" dirty="0" err="1">
+              <a:rPr lang="en-US" sz="1400" dirty="0" err="1">
                 <a:solidFill>
                   <a:srgbClr val="00B0F0"/>
                 </a:solidFill>
@@ -16047,7 +16552,7 @@
               <a:t>name</a:t>
             </a:r>
             <a:r>
-              <a:rPr lang="en-US" sz="1200" dirty="0">
+              <a:rPr lang="en-US" sz="1400" dirty="0">
                 <a:solidFill>
                   <a:srgbClr val="F8991C"/>
                 </a:solidFill>
@@ -16058,7 +16563,7 @@
               <a:t>}</a:t>
             </a:r>
             <a:r>
-              <a:rPr lang="en-US" sz="1200" dirty="0">
+              <a:rPr lang="en-US" sz="1400" dirty="0">
                 <a:solidFill>
                   <a:srgbClr val="00B0F0"/>
                 </a:solidFill>
@@ -16069,7 +16574,7 @@
               <a:t>&lt;/</a:t>
             </a:r>
             <a:r>
-              <a:rPr lang="en-US" sz="1200" dirty="0">
+              <a:rPr lang="en-US" sz="1400" dirty="0">
                 <a:solidFill>
                   <a:srgbClr val="F8991C"/>
                 </a:solidFill>
@@ -16080,7 +16585,7 @@
               <a:t>Text</a:t>
             </a:r>
             <a:r>
-              <a:rPr lang="en-US" sz="1200" dirty="0">
+              <a:rPr lang="en-US" sz="1400" dirty="0">
                 <a:solidFill>
                   <a:srgbClr val="00B0F0"/>
                 </a:solidFill>
@@ -16090,7 +16595,7 @@
               </a:rPr>
               <a:t>&gt;</a:t>
             </a:r>
-            <a:endParaRPr lang="en-US" sz="1200" dirty="0">
+            <a:endParaRPr lang="en-US" sz="1400" dirty="0">
               <a:solidFill>
                 <a:srgbClr val="F8991C"/>
               </a:solidFill>
@@ -16101,7 +16606,7 @@
           </a:p>
           <a:p>
             <a:r>
-              <a:rPr lang="en-US" sz="1200" dirty="0">
+              <a:rPr lang="en-US" sz="1400" dirty="0">
                 <a:solidFill>
                   <a:srgbClr val="F8991C"/>
                 </a:solidFill>
@@ -16112,7 +16617,7 @@
               <a:t>    </a:t>
             </a:r>
             <a:r>
-              <a:rPr lang="en-US" sz="1200" dirty="0">
+              <a:rPr lang="en-US" sz="1400" dirty="0">
                 <a:solidFill>
                   <a:schemeClr val="bg1"/>
                 </a:solidFill>
@@ -16125,7 +16630,7 @@
           </a:p>
           <a:p>
             <a:r>
-              <a:rPr lang="en-US" sz="1200" dirty="0">
+              <a:rPr lang="en-US" sz="1400" dirty="0">
                 <a:solidFill>
                   <a:schemeClr val="bg1"/>
                 </a:solidFill>
@@ -16138,7 +16643,7 @@
           </a:p>
           <a:p>
             <a:r>
-              <a:rPr lang="en-US" sz="1200" dirty="0">
+              <a:rPr lang="en-US" sz="1400" dirty="0">
                 <a:solidFill>
                   <a:schemeClr val="bg1"/>
                 </a:solidFill>
@@ -16165,8 +16670,8 @@
         </p:nvSpPr>
         <p:spPr>
           <a:xfrm>
-            <a:off x="330890" y="3388362"/>
-            <a:ext cx="8205150" cy="276999"/>
+            <a:off x="330890" y="3529876"/>
+            <a:ext cx="8205150" cy="307777"/>
           </a:xfrm>
           <a:prstGeom prst="rect">
             <a:avLst/>
@@ -16180,7 +16685,7 @@
           <a:lstStyle/>
           <a:p>
             <a:r>
-              <a:rPr lang="en-US" sz="1200" dirty="0">
+              <a:rPr lang="en-US" sz="1400" dirty="0">
                 <a:solidFill>
                   <a:srgbClr val="00B0F0"/>
                 </a:solidFill>
@@ -16191,7 +16696,7 @@
               <a:t>&lt;</a:t>
             </a:r>
             <a:r>
-              <a:rPr lang="en-US" sz="1200" dirty="0" err="1">
+              <a:rPr lang="en-US" sz="1400" dirty="0" err="1">
                 <a:solidFill>
                   <a:srgbClr val="F8991C"/>
                 </a:solidFill>
@@ -16202,7 +16707,7 @@
               <a:t>MyComponent</a:t>
             </a:r>
             <a:r>
-              <a:rPr lang="en-US" sz="1200" dirty="0">
+              <a:rPr lang="en-US" sz="1400" dirty="0">
                 <a:solidFill>
                   <a:srgbClr val="F8991C"/>
                 </a:solidFill>
@@ -16213,7 +16718,7 @@
               <a:t> </a:t>
             </a:r>
             <a:r>
-              <a:rPr lang="en-US" sz="1200" dirty="0">
+              <a:rPr lang="en-US" sz="1400" dirty="0">
                 <a:solidFill>
                   <a:srgbClr val="FFFF00"/>
                 </a:solidFill>
@@ -16224,7 +16729,7 @@
               <a:t>name</a:t>
             </a:r>
             <a:r>
-              <a:rPr lang="en-US" sz="1200" dirty="0">
+              <a:rPr lang="en-US" sz="1400" dirty="0">
                 <a:solidFill>
                   <a:srgbClr val="F8991C"/>
                 </a:solidFill>
@@ -16235,7 +16740,7 @@
               <a:t>=</a:t>
             </a:r>
             <a:r>
-              <a:rPr lang="en-US" sz="1200" dirty="0">
+              <a:rPr lang="en-US" sz="1400" dirty="0">
                 <a:solidFill>
                   <a:srgbClr val="92D050"/>
                 </a:solidFill>
@@ -16244,7 +16749,7 @@
               <a:t>‘</a:t>
             </a:r>
             <a:r>
-              <a:rPr lang="en-US" sz="1200" dirty="0">
+              <a:rPr lang="en-US" sz="1400" dirty="0">
                 <a:solidFill>
                   <a:srgbClr val="92D050"/>
                 </a:solidFill>
@@ -16255,7 +16760,7 @@
               <a:t>Nader</a:t>
             </a:r>
             <a:r>
-              <a:rPr lang="en-US" sz="1200" dirty="0">
+              <a:rPr lang="en-US" sz="1400" dirty="0">
                 <a:solidFill>
                   <a:srgbClr val="92D050"/>
                 </a:solidFill>
@@ -16264,13 +16769,13 @@
               <a:t>’</a:t>
             </a:r>
             <a:r>
-              <a:rPr lang="en-US" sz="1200" dirty="0">
+              <a:rPr lang="en-US" sz="1400" dirty="0">
                 <a:latin typeface="Andale Mono" panose="020B0509000000000004" pitchFamily="49" charset="0"/>
               </a:rPr>
               <a:t> </a:t>
             </a:r>
             <a:r>
-              <a:rPr lang="en-US" sz="1200" dirty="0">
+              <a:rPr lang="en-US" sz="1400" dirty="0">
                 <a:solidFill>
                   <a:srgbClr val="00B0F0"/>
                 </a:solidFill>
@@ -16294,7 +16799,454 @@
 </p:sld>
 </file>
 
-<file path=ppt/slides/slide35.xml><?xml version="1.0" encoding="utf-8"?>
+<file path=ppt/slides/slide36.xml><?xml version="1.0" encoding="utf-8"?>
+<p:sld xmlns:a="http://schemas.openxmlformats.org/drawingml/2006/main" xmlns:r="http://schemas.openxmlformats.org/officeDocument/2006/relationships" xmlns:p="http://schemas.openxmlformats.org/presentationml/2006/main">
+  <p:cSld>
+    <p:spTree>
+      <p:nvGrpSpPr>
+        <p:cNvPr id="1" name=""/>
+        <p:cNvGrpSpPr/>
+        <p:nvPr/>
+      </p:nvGrpSpPr>
+      <p:grpSpPr>
+        <a:xfrm>
+          <a:off x="0" y="0"/>
+          <a:ext cx="0" cy="0"/>
+          <a:chOff x="0" y="0"/>
+          <a:chExt cx="0" cy="0"/>
+        </a:xfrm>
+      </p:grpSpPr>
+      <p:sp>
+        <p:nvSpPr>
+          <p:cNvPr id="2" name="Title 1">
+            <a:extLst>
+              <a:ext uri="{FF2B5EF4-FFF2-40B4-BE49-F238E27FC236}">
+                <a16:creationId xmlns:a16="http://schemas.microsoft.com/office/drawing/2014/main" id="{323E1592-2CF4-AC40-8034-3757624D7029}"/>
+              </a:ext>
+            </a:extLst>
+          </p:cNvPr>
+          <p:cNvSpPr>
+            <a:spLocks noGrp="1"/>
+          </p:cNvSpPr>
+          <p:nvPr>
+            <p:ph type="title"/>
+          </p:nvPr>
+        </p:nvSpPr>
+        <p:spPr/>
+        <p:txBody>
+          <a:bodyPr/>
+          <a:lstStyle/>
+          <a:p>
+            <a:r>
+              <a:rPr lang="en-US" dirty="0"/>
+              <a:t>Data</a:t>
+            </a:r>
+          </a:p>
+        </p:txBody>
+      </p:sp>
+      <p:sp>
+        <p:nvSpPr>
+          <p:cNvPr id="7" name="TextBox 6">
+            <a:extLst>
+              <a:ext uri="{FF2B5EF4-FFF2-40B4-BE49-F238E27FC236}">
+                <a16:creationId xmlns:a16="http://schemas.microsoft.com/office/drawing/2014/main" id="{4A01EF49-0B48-AB42-B592-18F39ADAA275}"/>
+              </a:ext>
+            </a:extLst>
+          </p:cNvPr>
+          <p:cNvSpPr txBox="1"/>
+          <p:nvPr/>
+        </p:nvSpPr>
+        <p:spPr>
+          <a:xfrm>
+            <a:off x="336789" y="614914"/>
+            <a:ext cx="5271246" cy="369332"/>
+          </a:xfrm>
+          <a:prstGeom prst="rect">
+            <a:avLst/>
+          </a:prstGeom>
+          <a:noFill/>
+        </p:spPr>
+        <p:txBody>
+          <a:bodyPr wrap="square" rtlCol="0">
+            <a:spAutoFit/>
+          </a:bodyPr>
+          <a:lstStyle/>
+          <a:p>
+            <a:r>
+              <a:rPr lang="en-US" dirty="0">
+                <a:solidFill>
+                  <a:srgbClr val="F8991C"/>
+                </a:solidFill>
+                <a:latin typeface="Amazon Ember" panose="020B0603020204020204" pitchFamily="34" charset="0"/>
+                <a:ea typeface="Amazon Ember" panose="020B0603020204020204" pitchFamily="34" charset="0"/>
+                <a:cs typeface="Amazon Ember" panose="020B0603020204020204" pitchFamily="34" charset="0"/>
+              </a:rPr>
+              <a:t>Props – Functional Component</a:t>
+            </a:r>
+          </a:p>
+        </p:txBody>
+      </p:sp>
+      <p:sp>
+        <p:nvSpPr>
+          <p:cNvPr id="6" name="TextBox 5">
+            <a:extLst>
+              <a:ext uri="{FF2B5EF4-FFF2-40B4-BE49-F238E27FC236}">
+                <a16:creationId xmlns:a16="http://schemas.microsoft.com/office/drawing/2014/main" id="{E71466A7-6A81-294B-99BA-576FDC07CFCC}"/>
+              </a:ext>
+            </a:extLst>
+          </p:cNvPr>
+          <p:cNvSpPr txBox="1"/>
+          <p:nvPr/>
+        </p:nvSpPr>
+        <p:spPr>
+          <a:xfrm>
+            <a:off x="330890" y="1924694"/>
+            <a:ext cx="4328196" cy="523220"/>
+          </a:xfrm>
+          <a:prstGeom prst="rect">
+            <a:avLst/>
+          </a:prstGeom>
+          <a:noFill/>
+        </p:spPr>
+        <p:txBody>
+          <a:bodyPr wrap="square" rtlCol="0">
+            <a:spAutoFit/>
+          </a:bodyPr>
+          <a:lstStyle/>
+          <a:p>
+            <a:r>
+              <a:rPr lang="en-US" sz="1400" dirty="0" err="1">
+                <a:solidFill>
+                  <a:schemeClr val="tx1">
+                    <a:lumMod val="60000"/>
+                    <a:lumOff val="40000"/>
+                  </a:schemeClr>
+                </a:solidFill>
+                <a:latin typeface="Andale Mono" panose="020B0509000000000004" pitchFamily="49" charset="0"/>
+              </a:rPr>
+              <a:t>const</a:t>
+            </a:r>
+            <a:r>
+              <a:rPr lang="en-US" sz="1400" dirty="0">
+                <a:latin typeface="Andale Mono" panose="020B0509000000000004" pitchFamily="49" charset="0"/>
+              </a:rPr>
+              <a:t> </a:t>
+            </a:r>
+            <a:r>
+              <a:rPr lang="en-US" sz="1400" dirty="0" err="1">
+                <a:solidFill>
+                  <a:srgbClr val="00B0F0"/>
+                </a:solidFill>
+                <a:latin typeface="Andale Mono" panose="020B0509000000000004" pitchFamily="49" charset="0"/>
+              </a:rPr>
+              <a:t>MyComponent</a:t>
+            </a:r>
+            <a:r>
+              <a:rPr lang="en-US" sz="1400" dirty="0">
+                <a:latin typeface="Andale Mono" panose="020B0509000000000004" pitchFamily="49" charset="0"/>
+              </a:rPr>
+              <a:t> </a:t>
+            </a:r>
+            <a:r>
+              <a:rPr lang="en-US" sz="1400" dirty="0">
+                <a:solidFill>
+                  <a:srgbClr val="B719D0"/>
+                </a:solidFill>
+                <a:latin typeface="Andale Mono" panose="020B0509000000000004" pitchFamily="49" charset="0"/>
+              </a:rPr>
+              <a:t>=</a:t>
+            </a:r>
+            <a:r>
+              <a:rPr lang="en-US" sz="1400" dirty="0">
+                <a:latin typeface="Andale Mono" panose="020B0509000000000004" pitchFamily="49" charset="0"/>
+              </a:rPr>
+              <a:t> </a:t>
+            </a:r>
+            <a:r>
+              <a:rPr lang="en-US" sz="1400" dirty="0">
+                <a:solidFill>
+                  <a:schemeClr val="bg1"/>
+                </a:solidFill>
+                <a:latin typeface="Andale Mono" panose="020B0509000000000004" pitchFamily="49" charset="0"/>
+              </a:rPr>
+              <a:t>(props) </a:t>
+            </a:r>
+            <a:r>
+              <a:rPr lang="en-US" sz="1400" dirty="0">
+                <a:solidFill>
+                  <a:srgbClr val="FEC46F"/>
+                </a:solidFill>
+                <a:latin typeface="Andale Mono" panose="020B0509000000000004" pitchFamily="49" charset="0"/>
+              </a:rPr>
+              <a:t>=&gt; </a:t>
+            </a:r>
+          </a:p>
+          <a:p>
+            <a:r>
+              <a:rPr lang="en-US" sz="1400" dirty="0">
+                <a:latin typeface="Andale Mono" panose="020B0509000000000004" pitchFamily="49" charset="0"/>
+              </a:rPr>
+              <a:t>  </a:t>
+            </a:r>
+            <a:r>
+              <a:rPr lang="en-US" sz="1400" dirty="0">
+                <a:solidFill>
+                  <a:schemeClr val="bg1">
+                    <a:lumMod val="85000"/>
+                  </a:schemeClr>
+                </a:solidFill>
+                <a:latin typeface="Andale Mono" panose="020B0509000000000004" pitchFamily="49" charset="0"/>
+              </a:rPr>
+              <a:t>&lt;</a:t>
+            </a:r>
+            <a:r>
+              <a:rPr lang="en-US" sz="1400" dirty="0">
+                <a:solidFill>
+                  <a:srgbClr val="00B0F0"/>
+                </a:solidFill>
+                <a:latin typeface="Andale Mono" panose="020B0509000000000004" pitchFamily="49" charset="0"/>
+              </a:rPr>
+              <a:t>Text</a:t>
+            </a:r>
+            <a:r>
+              <a:rPr lang="en-US" sz="1400" dirty="0">
+                <a:solidFill>
+                  <a:schemeClr val="bg1">
+                    <a:lumMod val="85000"/>
+                  </a:schemeClr>
+                </a:solidFill>
+                <a:latin typeface="Andale Mono" panose="020B0509000000000004" pitchFamily="49" charset="0"/>
+              </a:rPr>
+              <a:t>&gt;</a:t>
+            </a:r>
+            <a:r>
+              <a:rPr lang="en-US" sz="1400" dirty="0">
+                <a:solidFill>
+                  <a:schemeClr val="bg1"/>
+                </a:solidFill>
+                <a:latin typeface="Andale Mono" panose="020B0509000000000004" pitchFamily="49" charset="0"/>
+              </a:rPr>
+              <a:t>Hello</a:t>
+            </a:r>
+            <a:r>
+              <a:rPr lang="en-US" sz="1400" dirty="0">
+                <a:latin typeface="Andale Mono" panose="020B0509000000000004" pitchFamily="49" charset="0"/>
+              </a:rPr>
+              <a:t> </a:t>
+            </a:r>
+            <a:r>
+              <a:rPr lang="en-US" sz="1400" dirty="0">
+                <a:solidFill>
+                  <a:schemeClr val="bg1">
+                    <a:lumMod val="85000"/>
+                  </a:schemeClr>
+                </a:solidFill>
+                <a:latin typeface="Andale Mono" panose="020B0509000000000004" pitchFamily="49" charset="0"/>
+              </a:rPr>
+              <a:t>{</a:t>
+            </a:r>
+            <a:r>
+              <a:rPr lang="en-US" sz="1400" dirty="0" err="1">
+                <a:solidFill>
+                  <a:schemeClr val="bg1"/>
+                </a:solidFill>
+                <a:latin typeface="Andale Mono" panose="020B0509000000000004" pitchFamily="49" charset="0"/>
+              </a:rPr>
+              <a:t>props</a:t>
+            </a:r>
+            <a:r>
+              <a:rPr lang="en-US" sz="1400" dirty="0" err="1">
+                <a:latin typeface="Andale Mono" panose="020B0509000000000004" pitchFamily="49" charset="0"/>
+              </a:rPr>
+              <a:t>.</a:t>
+            </a:r>
+            <a:r>
+              <a:rPr lang="en-US" sz="1400" dirty="0" err="1">
+                <a:solidFill>
+                  <a:srgbClr val="00B0F0"/>
+                </a:solidFill>
+                <a:latin typeface="Andale Mono" panose="020B0509000000000004" pitchFamily="49" charset="0"/>
+              </a:rPr>
+              <a:t>name</a:t>
+            </a:r>
+            <a:r>
+              <a:rPr lang="en-US" sz="1400" dirty="0">
+                <a:solidFill>
+                  <a:schemeClr val="bg1">
+                    <a:lumMod val="85000"/>
+                  </a:schemeClr>
+                </a:solidFill>
+                <a:latin typeface="Andale Mono" panose="020B0509000000000004" pitchFamily="49" charset="0"/>
+              </a:rPr>
+              <a:t>}&lt;/</a:t>
+            </a:r>
+            <a:r>
+              <a:rPr lang="en-US" sz="1400" dirty="0">
+                <a:solidFill>
+                  <a:srgbClr val="00B0F0"/>
+                </a:solidFill>
+                <a:latin typeface="Andale Mono" panose="020B0509000000000004" pitchFamily="49" charset="0"/>
+              </a:rPr>
+              <a:t>Text</a:t>
+            </a:r>
+            <a:r>
+              <a:rPr lang="en-US" sz="1400" dirty="0">
+                <a:solidFill>
+                  <a:schemeClr val="bg1">
+                    <a:lumMod val="85000"/>
+                  </a:schemeClr>
+                </a:solidFill>
+                <a:latin typeface="Andale Mono" panose="020B0509000000000004" pitchFamily="49" charset="0"/>
+              </a:rPr>
+              <a:t>&gt;</a:t>
+            </a:r>
+          </a:p>
+        </p:txBody>
+      </p:sp>
+      <p:sp>
+        <p:nvSpPr>
+          <p:cNvPr id="8" name="TextBox 7">
+            <a:extLst>
+              <a:ext uri="{FF2B5EF4-FFF2-40B4-BE49-F238E27FC236}">
+                <a16:creationId xmlns:a16="http://schemas.microsoft.com/office/drawing/2014/main" id="{E8EAEE85-AB43-8C4A-B9A6-31EBAA5BC265}"/>
+              </a:ext>
+            </a:extLst>
+          </p:cNvPr>
+          <p:cNvSpPr txBox="1"/>
+          <p:nvPr/>
+        </p:nvSpPr>
+        <p:spPr>
+          <a:xfrm>
+            <a:off x="330890" y="3080585"/>
+            <a:ext cx="8205150" cy="307777"/>
+          </a:xfrm>
+          <a:prstGeom prst="rect">
+            <a:avLst/>
+          </a:prstGeom>
+          <a:noFill/>
+        </p:spPr>
+        <p:txBody>
+          <a:bodyPr wrap="square" rtlCol="0">
+            <a:spAutoFit/>
+          </a:bodyPr>
+          <a:lstStyle/>
+          <a:p>
+            <a:r>
+              <a:rPr lang="en-US" sz="1400" dirty="0">
+                <a:solidFill>
+                  <a:srgbClr val="00B0F0"/>
+                </a:solidFill>
+                <a:latin typeface="Andale Mono" panose="020B0509000000000004" pitchFamily="49" charset="0"/>
+                <a:ea typeface="Amazon Ember" panose="020B0603020204020204" pitchFamily="34" charset="0"/>
+                <a:cs typeface="Amazon Ember" panose="020B0603020204020204" pitchFamily="34" charset="0"/>
+              </a:rPr>
+              <a:t>&lt;</a:t>
+            </a:r>
+            <a:r>
+              <a:rPr lang="en-US" sz="1400" dirty="0" err="1">
+                <a:solidFill>
+                  <a:srgbClr val="F8991C"/>
+                </a:solidFill>
+                <a:latin typeface="Andale Mono" panose="020B0509000000000004" pitchFamily="49" charset="0"/>
+                <a:ea typeface="Amazon Ember" panose="020B0603020204020204" pitchFamily="34" charset="0"/>
+                <a:cs typeface="Amazon Ember" panose="020B0603020204020204" pitchFamily="34" charset="0"/>
+              </a:rPr>
+              <a:t>MyComponent</a:t>
+            </a:r>
+            <a:r>
+              <a:rPr lang="en-US" sz="1400" dirty="0">
+                <a:solidFill>
+                  <a:srgbClr val="F8991C"/>
+                </a:solidFill>
+                <a:latin typeface="Andale Mono" panose="020B0509000000000004" pitchFamily="49" charset="0"/>
+                <a:ea typeface="Amazon Ember" panose="020B0603020204020204" pitchFamily="34" charset="0"/>
+                <a:cs typeface="Amazon Ember" panose="020B0603020204020204" pitchFamily="34" charset="0"/>
+              </a:rPr>
+              <a:t> </a:t>
+            </a:r>
+            <a:r>
+              <a:rPr lang="en-US" sz="1400" dirty="0">
+                <a:solidFill>
+                  <a:srgbClr val="FFFF00"/>
+                </a:solidFill>
+                <a:latin typeface="Andale Mono" panose="020B0509000000000004" pitchFamily="49" charset="0"/>
+                <a:ea typeface="Amazon Ember" panose="020B0603020204020204" pitchFamily="34" charset="0"/>
+                <a:cs typeface="Amazon Ember" panose="020B0603020204020204" pitchFamily="34" charset="0"/>
+              </a:rPr>
+              <a:t>name</a:t>
+            </a:r>
+            <a:r>
+              <a:rPr lang="en-US" sz="1400" dirty="0">
+                <a:solidFill>
+                  <a:srgbClr val="F8991C"/>
+                </a:solidFill>
+                <a:latin typeface="Andale Mono" panose="020B0509000000000004" pitchFamily="49" charset="0"/>
+                <a:ea typeface="Amazon Ember" panose="020B0603020204020204" pitchFamily="34" charset="0"/>
+                <a:cs typeface="Amazon Ember" panose="020B0603020204020204" pitchFamily="34" charset="0"/>
+              </a:rPr>
+              <a:t>=</a:t>
+            </a:r>
+            <a:r>
+              <a:rPr lang="en-US" sz="1400" dirty="0">
+                <a:solidFill>
+                  <a:srgbClr val="92D050"/>
+                </a:solidFill>
+                <a:latin typeface="Andale Mono" panose="020B0509000000000004" pitchFamily="49" charset="0"/>
+              </a:rPr>
+              <a:t>‘</a:t>
+            </a:r>
+            <a:r>
+              <a:rPr lang="en-US" sz="1400" dirty="0">
+                <a:solidFill>
+                  <a:srgbClr val="92D050"/>
+                </a:solidFill>
+                <a:latin typeface="Andale Mono" panose="020B0509000000000004" pitchFamily="49" charset="0"/>
+                <a:ea typeface="Amazon Ember" panose="020B0603020204020204" pitchFamily="34" charset="0"/>
+                <a:cs typeface="Amazon Ember" panose="020B0603020204020204" pitchFamily="34" charset="0"/>
+              </a:rPr>
+              <a:t>Nader</a:t>
+            </a:r>
+            <a:r>
+              <a:rPr lang="en-US" sz="1400" dirty="0">
+                <a:solidFill>
+                  <a:srgbClr val="92D050"/>
+                </a:solidFill>
+                <a:latin typeface="Andale Mono" panose="020B0509000000000004" pitchFamily="49" charset="0"/>
+              </a:rPr>
+              <a:t>’</a:t>
+            </a:r>
+            <a:r>
+              <a:rPr lang="en-US" sz="1400" dirty="0">
+                <a:latin typeface="Andale Mono" panose="020B0509000000000004" pitchFamily="49" charset="0"/>
+              </a:rPr>
+              <a:t> </a:t>
+            </a:r>
+            <a:r>
+              <a:rPr lang="en-US" sz="1400" dirty="0">
+                <a:solidFill>
+                  <a:srgbClr val="00B0F0"/>
+                </a:solidFill>
+                <a:latin typeface="Andale Mono" panose="020B0509000000000004" pitchFamily="49" charset="0"/>
+              </a:rPr>
+              <a:t>/&gt;</a:t>
+            </a:r>
+          </a:p>
+        </p:txBody>
+      </p:sp>
+    </p:spTree>
+    <p:extLst>
+      <p:ext uri="{BB962C8B-B14F-4D97-AF65-F5344CB8AC3E}">
+        <p14:creationId xmlns:p14="http://schemas.microsoft.com/office/powerpoint/2010/main" val="3762857301"/>
+      </p:ext>
+    </p:extLst>
+  </p:cSld>
+  <p:clrMapOvr>
+    <a:masterClrMapping/>
+  </p:clrMapOvr>
+</p:sld>
+</file>
+
+<file path=ppt/slides/slide37.xml><?xml version="1.0" encoding="utf-8"?>
 <p:sld xmlns:a="http://schemas.openxmlformats.org/drawingml/2006/main" xmlns:r="http://schemas.openxmlformats.org/officeDocument/2006/relationships" xmlns:p="http://schemas.openxmlformats.org/presentationml/2006/main">
   <p:cSld>
     <p:spTree>
